--- a/Verslagen/intermediatedemo.pptx
+++ b/Verslagen/intermediatedemo.pptx
@@ -115,7 +115,7 @@
   </p:defaultTextStyle>
   <p:extLst>
     <p:ext uri="{EFAFB233-063F-42B5-8137-9DF3F51BA10A}">
-      <p15:sldGuideLst xmlns:p15="http://schemas.microsoft.com/office/powerpoint/2012/main">
+      <p15:sldGuideLst xmlns:p15="http://schemas.microsoft.com/office/powerpoint/2012/main" xmlns="">
         <p15:guide id="1" orient="horz" pos="2160">
           <p15:clr>
             <a:srgbClr val="A4A3A4"/>
@@ -1306,25 +1306,25 @@
     </dgm:pt>
   </dgm:ptLst>
   <dgm:cxnLst>
+    <dgm:cxn modelId="{CE40A55A-ECFD-4168-91EE-B8C494101F3E}" srcId="{1C0E55F7-5FB2-4E48-8149-913E77520486}" destId="{276A363E-C704-4D52-9F85-35548A6AA593}" srcOrd="0" destOrd="0" parTransId="{C9578D12-980E-4D95-810E-BC0A9848635E}" sibTransId="{329C8A27-588C-434B-A7D9-B1144CC485D6}"/>
+    <dgm:cxn modelId="{B421108B-6A37-46D2-8F4E-7F31E0A9D32F}" srcId="{58034E90-686B-4E9C-8AEB-2433A1E08532}" destId="{1C0E55F7-5FB2-4E48-8149-913E77520486}" srcOrd="0" destOrd="0" parTransId="{250126AC-706A-4CAF-AFC6-19E3D386D61D}" sibTransId="{138B2F27-93A1-4B70-8DBB-133DAC434903}"/>
+    <dgm:cxn modelId="{DA2A0E92-B307-48E4-B1C2-C75EED2E8CD2}" type="presOf" srcId="{F82C1CBE-91A2-4EF8-A552-08262AC94C07}" destId="{1A7D3E5A-6333-4372-90E5-93AD86B30A4A}" srcOrd="1" destOrd="0" presId="urn:microsoft.com/office/officeart/2005/8/layout/hierarchy2"/>
+    <dgm:cxn modelId="{EE2626C9-1E79-40BD-943C-4ADAE9826321}" type="presOf" srcId="{D6591959-5F0F-489A-8468-D242C17A36C8}" destId="{C79BEA28-5F21-4532-9188-1C7ABAA70D8F}" srcOrd="0" destOrd="0" presId="urn:microsoft.com/office/officeart/2005/8/layout/hierarchy2"/>
+    <dgm:cxn modelId="{026A628E-BCB1-47DE-AF6D-036DA013FFD5}" type="presOf" srcId="{F82C1CBE-91A2-4EF8-A552-08262AC94C07}" destId="{4EB53B17-163D-4E4E-99AA-789A7AB458C4}" srcOrd="0" destOrd="0" presId="urn:microsoft.com/office/officeart/2005/8/layout/hierarchy2"/>
+    <dgm:cxn modelId="{E294910F-1EC7-43F8-972B-8CC0404A3C30}" type="presOf" srcId="{1C0E55F7-5FB2-4E48-8149-913E77520486}" destId="{D50786B4-76D4-4E84-96A2-43CA01A74DF8}" srcOrd="0" destOrd="0" presId="urn:microsoft.com/office/officeart/2005/8/layout/hierarchy2"/>
+    <dgm:cxn modelId="{88AF8D27-2832-44C2-BCEA-7D5075880880}" type="presOf" srcId="{779B853E-8E32-480B-8726-6D7F90F79F45}" destId="{6CBF796B-60DB-48FC-99B1-668282A960CE}" srcOrd="0" destOrd="0" presId="urn:microsoft.com/office/officeart/2005/8/layout/hierarchy2"/>
+    <dgm:cxn modelId="{EBDF1461-CA97-4833-A590-8DD626B23D7E}" type="presOf" srcId="{779B853E-8E32-480B-8726-6D7F90F79F45}" destId="{26C445C5-4FF3-4917-9A53-77D0B357F9B8}" srcOrd="1" destOrd="0" presId="urn:microsoft.com/office/officeart/2005/8/layout/hierarchy2"/>
     <dgm:cxn modelId="{3E6931BD-56DC-445E-B034-1F0A9324CEF5}" type="presOf" srcId="{DD4D1D16-CBD2-43EE-A7C9-814070E34D3A}" destId="{89372812-2771-4395-9F3B-247111C80A40}" srcOrd="1" destOrd="0" presId="urn:microsoft.com/office/officeart/2005/8/layout/hierarchy2"/>
+    <dgm:cxn modelId="{27AF9362-E21F-451C-A964-D53F36723BDA}" srcId="{276A363E-C704-4D52-9F85-35548A6AA593}" destId="{D6591959-5F0F-489A-8468-D242C17A36C8}" srcOrd="0" destOrd="0" parTransId="{779B853E-8E32-480B-8726-6D7F90F79F45}" sibTransId="{11B1830F-1949-43B7-A28A-33CB04060664}"/>
+    <dgm:cxn modelId="{21BD81D8-CC54-4DF9-9E22-187FF8B3E52E}" type="presOf" srcId="{C9578D12-980E-4D95-810E-BC0A9848635E}" destId="{4F19358C-CCDF-4C4F-862A-0F4BA4AA4FD2}" srcOrd="1" destOrd="0" presId="urn:microsoft.com/office/officeart/2005/8/layout/hierarchy2"/>
+    <dgm:cxn modelId="{40D62DF1-BF91-4B62-9E0E-3628428104F0}" srcId="{1C0E55F7-5FB2-4E48-8149-913E77520486}" destId="{8532AD7D-7EE2-4007-A3F5-FD348991FF6F}" srcOrd="1" destOrd="0" parTransId="{DD4D1D16-CBD2-43EE-A7C9-814070E34D3A}" sibTransId="{C4059019-8137-4DB8-AF28-E6FFB55C576F}"/>
+    <dgm:cxn modelId="{AF24CD37-0DF9-45C0-AF15-642EC0DAA77E}" srcId="{8532AD7D-7EE2-4007-A3F5-FD348991FF6F}" destId="{15BB76D7-2BDA-4EDE-8F73-9D4BB2CD4971}" srcOrd="0" destOrd="0" parTransId="{F82C1CBE-91A2-4EF8-A552-08262AC94C07}" sibTransId="{444924F7-DEC1-4773-8E01-3AA584BF6495}"/>
     <dgm:cxn modelId="{12350B6C-4924-4064-BA0D-D6DAE6DD3551}" type="presOf" srcId="{DD4D1D16-CBD2-43EE-A7C9-814070E34D3A}" destId="{67F8769C-B753-45D8-B0B1-EC206E48ED9F}" srcOrd="0" destOrd="0" presId="urn:microsoft.com/office/officeart/2005/8/layout/hierarchy2"/>
+    <dgm:cxn modelId="{41511535-6B13-46C2-A701-A47E7FA6CA61}" type="presOf" srcId="{8532AD7D-7EE2-4007-A3F5-FD348991FF6F}" destId="{6ADDB12E-F225-4DAA-8EEF-D28B268A5EC0}" srcOrd="0" destOrd="0" presId="urn:microsoft.com/office/officeart/2005/8/layout/hierarchy2"/>
+    <dgm:cxn modelId="{004107B0-E35A-4CCF-B519-AEECD9E23E42}" type="presOf" srcId="{C9578D12-980E-4D95-810E-BC0A9848635E}" destId="{2DF3C455-C390-4894-945C-5945CEDF0695}" srcOrd="0" destOrd="0" presId="urn:microsoft.com/office/officeart/2005/8/layout/hierarchy2"/>
+    <dgm:cxn modelId="{83AE0AC5-BF21-492B-8AC5-0EDD38FBDEE3}" type="presOf" srcId="{58034E90-686B-4E9C-8AEB-2433A1E08532}" destId="{6F16B71C-2660-4279-AAE8-8E2A2C798710}" srcOrd="0" destOrd="0" presId="urn:microsoft.com/office/officeart/2005/8/layout/hierarchy2"/>
     <dgm:cxn modelId="{302FEF1B-2DB6-4BCC-82E0-49245D471E4B}" type="presOf" srcId="{15BB76D7-2BDA-4EDE-8F73-9D4BB2CD4971}" destId="{30A78D99-01E9-4FD6-B365-8A0A655DF402}" srcOrd="0" destOrd="0" presId="urn:microsoft.com/office/officeart/2005/8/layout/hierarchy2"/>
-    <dgm:cxn modelId="{EE2626C9-1E79-40BD-943C-4ADAE9826321}" type="presOf" srcId="{D6591959-5F0F-489A-8468-D242C17A36C8}" destId="{C79BEA28-5F21-4532-9188-1C7ABAA70D8F}" srcOrd="0" destOrd="0" presId="urn:microsoft.com/office/officeart/2005/8/layout/hierarchy2"/>
-    <dgm:cxn modelId="{E294910F-1EC7-43F8-972B-8CC0404A3C30}" type="presOf" srcId="{1C0E55F7-5FB2-4E48-8149-913E77520486}" destId="{D50786B4-76D4-4E84-96A2-43CA01A74DF8}" srcOrd="0" destOrd="0" presId="urn:microsoft.com/office/officeart/2005/8/layout/hierarchy2"/>
-    <dgm:cxn modelId="{41511535-6B13-46C2-A701-A47E7FA6CA61}" type="presOf" srcId="{8532AD7D-7EE2-4007-A3F5-FD348991FF6F}" destId="{6ADDB12E-F225-4DAA-8EEF-D28B268A5EC0}" srcOrd="0" destOrd="0" presId="urn:microsoft.com/office/officeart/2005/8/layout/hierarchy2"/>
-    <dgm:cxn modelId="{27AF9362-E21F-451C-A964-D53F36723BDA}" srcId="{276A363E-C704-4D52-9F85-35548A6AA593}" destId="{D6591959-5F0F-489A-8468-D242C17A36C8}" srcOrd="0" destOrd="0" parTransId="{779B853E-8E32-480B-8726-6D7F90F79F45}" sibTransId="{11B1830F-1949-43B7-A28A-33CB04060664}"/>
-    <dgm:cxn modelId="{026A628E-BCB1-47DE-AF6D-036DA013FFD5}" type="presOf" srcId="{F82C1CBE-91A2-4EF8-A552-08262AC94C07}" destId="{4EB53B17-163D-4E4E-99AA-789A7AB458C4}" srcOrd="0" destOrd="0" presId="urn:microsoft.com/office/officeart/2005/8/layout/hierarchy2"/>
-    <dgm:cxn modelId="{EBDF1461-CA97-4833-A590-8DD626B23D7E}" type="presOf" srcId="{779B853E-8E32-480B-8726-6D7F90F79F45}" destId="{26C445C5-4FF3-4917-9A53-77D0B357F9B8}" srcOrd="1" destOrd="0" presId="urn:microsoft.com/office/officeart/2005/8/layout/hierarchy2"/>
-    <dgm:cxn modelId="{40D62DF1-BF91-4B62-9E0E-3628428104F0}" srcId="{1C0E55F7-5FB2-4E48-8149-913E77520486}" destId="{8532AD7D-7EE2-4007-A3F5-FD348991FF6F}" srcOrd="1" destOrd="0" parTransId="{DD4D1D16-CBD2-43EE-A7C9-814070E34D3A}" sibTransId="{C4059019-8137-4DB8-AF28-E6FFB55C576F}"/>
     <dgm:cxn modelId="{A587323E-FBE6-426F-8637-91A927CE26F2}" type="presOf" srcId="{276A363E-C704-4D52-9F85-35548A6AA593}" destId="{AA82381F-3358-4A1A-9B68-C283C04A3CEB}" srcOrd="0" destOrd="0" presId="urn:microsoft.com/office/officeart/2005/8/layout/hierarchy2"/>
-    <dgm:cxn modelId="{AF24CD37-0DF9-45C0-AF15-642EC0DAA77E}" srcId="{8532AD7D-7EE2-4007-A3F5-FD348991FF6F}" destId="{15BB76D7-2BDA-4EDE-8F73-9D4BB2CD4971}" srcOrd="0" destOrd="0" parTransId="{F82C1CBE-91A2-4EF8-A552-08262AC94C07}" sibTransId="{444924F7-DEC1-4773-8E01-3AA584BF6495}"/>
-    <dgm:cxn modelId="{DA2A0E92-B307-48E4-B1C2-C75EED2E8CD2}" type="presOf" srcId="{F82C1CBE-91A2-4EF8-A552-08262AC94C07}" destId="{1A7D3E5A-6333-4372-90E5-93AD86B30A4A}" srcOrd="1" destOrd="0" presId="urn:microsoft.com/office/officeart/2005/8/layout/hierarchy2"/>
-    <dgm:cxn modelId="{B421108B-6A37-46D2-8F4E-7F31E0A9D32F}" srcId="{58034E90-686B-4E9C-8AEB-2433A1E08532}" destId="{1C0E55F7-5FB2-4E48-8149-913E77520486}" srcOrd="0" destOrd="0" parTransId="{250126AC-706A-4CAF-AFC6-19E3D386D61D}" sibTransId="{138B2F27-93A1-4B70-8DBB-133DAC434903}"/>
-    <dgm:cxn modelId="{21BD81D8-CC54-4DF9-9E22-187FF8B3E52E}" type="presOf" srcId="{C9578D12-980E-4D95-810E-BC0A9848635E}" destId="{4F19358C-CCDF-4C4F-862A-0F4BA4AA4FD2}" srcOrd="1" destOrd="0" presId="urn:microsoft.com/office/officeart/2005/8/layout/hierarchy2"/>
-    <dgm:cxn modelId="{CE40A55A-ECFD-4168-91EE-B8C494101F3E}" srcId="{1C0E55F7-5FB2-4E48-8149-913E77520486}" destId="{276A363E-C704-4D52-9F85-35548A6AA593}" srcOrd="0" destOrd="0" parTransId="{C9578D12-980E-4D95-810E-BC0A9848635E}" sibTransId="{329C8A27-588C-434B-A7D9-B1144CC485D6}"/>
-    <dgm:cxn modelId="{83AE0AC5-BF21-492B-8AC5-0EDD38FBDEE3}" type="presOf" srcId="{58034E90-686B-4E9C-8AEB-2433A1E08532}" destId="{6F16B71C-2660-4279-AAE8-8E2A2C798710}" srcOrd="0" destOrd="0" presId="urn:microsoft.com/office/officeart/2005/8/layout/hierarchy2"/>
-    <dgm:cxn modelId="{004107B0-E35A-4CCF-B519-AEECD9E23E42}" type="presOf" srcId="{C9578D12-980E-4D95-810E-BC0A9848635E}" destId="{2DF3C455-C390-4894-945C-5945CEDF0695}" srcOrd="0" destOrd="0" presId="urn:microsoft.com/office/officeart/2005/8/layout/hierarchy2"/>
-    <dgm:cxn modelId="{88AF8D27-2832-44C2-BCEA-7D5075880880}" type="presOf" srcId="{779B853E-8E32-480B-8726-6D7F90F79F45}" destId="{6CBF796B-60DB-48FC-99B1-668282A960CE}" srcOrd="0" destOrd="0" presId="urn:microsoft.com/office/officeart/2005/8/layout/hierarchy2"/>
     <dgm:cxn modelId="{3042C3FA-3646-497C-9376-7B65F4B1358F}" type="presParOf" srcId="{6F16B71C-2660-4279-AAE8-8E2A2C798710}" destId="{D55107E7-7B18-47C9-BBE5-4FFDE439A139}" srcOrd="0" destOrd="0" presId="urn:microsoft.com/office/officeart/2005/8/layout/hierarchy2"/>
     <dgm:cxn modelId="{7298C79F-0696-4CE0-A41A-EE8BFBC57104}" type="presParOf" srcId="{D55107E7-7B18-47C9-BBE5-4FFDE439A139}" destId="{D50786B4-76D4-4E84-96A2-43CA01A74DF8}" srcOrd="0" destOrd="0" presId="urn:microsoft.com/office/officeart/2005/8/layout/hierarchy2"/>
     <dgm:cxn modelId="{0043B9F3-1E8A-47C0-B041-D9E830E3EB68}" type="presParOf" srcId="{D55107E7-7B18-47C9-BBE5-4FFDE439A139}" destId="{19399A10-7F5B-467B-82D0-2BB2693584D2}" srcOrd="1" destOrd="0" presId="urn:microsoft.com/office/officeart/2005/8/layout/hierarchy2"/>
@@ -1367,6 +1367,721 @@
       <dsp:cNvGrpSpPr/>
     </dsp:nvGrpSpPr>
     <dsp:grpSpPr/>
+    <dsp:sp modelId="{D50786B4-76D4-4E84-96A2-43CA01A74DF8}">
+      <dsp:nvSpPr>
+        <dsp:cNvPr id="0" name=""/>
+        <dsp:cNvSpPr/>
+      </dsp:nvSpPr>
+      <dsp:spPr>
+        <a:xfrm>
+          <a:off x="4085" y="1722097"/>
+          <a:ext cx="2163534" cy="1081767"/>
+        </a:xfrm>
+        <a:prstGeom prst="roundRect">
+          <a:avLst>
+            <a:gd name="adj" fmla="val 10000"/>
+          </a:avLst>
+        </a:prstGeom>
+        <a:solidFill>
+          <a:schemeClr val="accent1">
+            <a:hueOff val="0"/>
+            <a:satOff val="0"/>
+            <a:lumOff val="0"/>
+            <a:alphaOff val="0"/>
+          </a:schemeClr>
+        </a:solidFill>
+        <a:ln w="25400" cap="flat" cmpd="sng" algn="ctr">
+          <a:solidFill>
+            <a:schemeClr val="lt1">
+              <a:hueOff val="0"/>
+              <a:satOff val="0"/>
+              <a:lumOff val="0"/>
+              <a:alphaOff val="0"/>
+            </a:schemeClr>
+          </a:solidFill>
+          <a:prstDash val="solid"/>
+        </a:ln>
+        <a:effectLst/>
+      </dsp:spPr>
+      <dsp:style>
+        <a:lnRef idx="2">
+          <a:scrgbClr r="0" g="0" b="0"/>
+        </a:lnRef>
+        <a:fillRef idx="1">
+          <a:scrgbClr r="0" g="0" b="0"/>
+        </a:fillRef>
+        <a:effectRef idx="0">
+          <a:scrgbClr r="0" g="0" b="0"/>
+        </a:effectRef>
+        <a:fontRef idx="minor">
+          <a:schemeClr val="lt1"/>
+        </a:fontRef>
+      </dsp:style>
+      <dsp:txBody>
+        <a:bodyPr spcFirstLastPara="0" vert="horz" wrap="square" lIns="19050" tIns="19050" rIns="19050" bIns="19050" numCol="1" spcCol="1270" anchor="ctr" anchorCtr="0">
+          <a:noAutofit/>
+        </a:bodyPr>
+        <a:lstStyle/>
+        <a:p>
+          <a:pPr lvl="0" algn="ctr" defTabSz="1333500">
+            <a:lnSpc>
+              <a:spcPct val="90000"/>
+            </a:lnSpc>
+            <a:spcBef>
+              <a:spcPct val="0"/>
+            </a:spcBef>
+            <a:spcAft>
+              <a:spcPct val="35000"/>
+            </a:spcAft>
+          </a:pPr>
+          <a:r>
+            <a:rPr lang="nl-BE" sz="3000" kern="1200" dirty="0" smtClean="0"/>
+            <a:t>Data</a:t>
+          </a:r>
+          <a:endParaRPr lang="nl-BE" sz="3000" kern="1200" dirty="0"/>
+        </a:p>
+      </dsp:txBody>
+      <dsp:txXfrm>
+        <a:off x="35769" y="1753781"/>
+        <a:ext cx="2100166" cy="1018399"/>
+      </dsp:txXfrm>
+    </dsp:sp>
+    <dsp:sp modelId="{2DF3C455-C390-4894-945C-5945CEDF0695}">
+      <dsp:nvSpPr>
+        <dsp:cNvPr id="0" name=""/>
+        <dsp:cNvSpPr/>
+      </dsp:nvSpPr>
+      <dsp:spPr>
+        <a:xfrm rot="19457599">
+          <a:off x="2067446" y="1930462"/>
+          <a:ext cx="1065760" cy="43022"/>
+        </a:xfrm>
+        <a:custGeom>
+          <a:avLst/>
+          <a:gdLst/>
+          <a:ahLst/>
+          <a:cxnLst/>
+          <a:rect l="0" t="0" r="0" b="0"/>
+          <a:pathLst>
+            <a:path>
+              <a:moveTo>
+                <a:pt x="0" y="21511"/>
+              </a:moveTo>
+              <a:lnTo>
+                <a:pt x="1065760" y="21511"/>
+              </a:lnTo>
+            </a:path>
+          </a:pathLst>
+        </a:custGeom>
+        <a:noFill/>
+        <a:ln w="25400" cap="flat" cmpd="sng" algn="ctr">
+          <a:solidFill>
+            <a:schemeClr val="accent1">
+              <a:shade val="60000"/>
+              <a:hueOff val="0"/>
+              <a:satOff val="0"/>
+              <a:lumOff val="0"/>
+              <a:alphaOff val="0"/>
+            </a:schemeClr>
+          </a:solidFill>
+          <a:prstDash val="solid"/>
+        </a:ln>
+        <a:effectLst/>
+      </dsp:spPr>
+      <dsp:style>
+        <a:lnRef idx="2">
+          <a:scrgbClr r="0" g="0" b="0"/>
+        </a:lnRef>
+        <a:fillRef idx="0">
+          <a:scrgbClr r="0" g="0" b="0"/>
+        </a:fillRef>
+        <a:effectRef idx="0">
+          <a:scrgbClr r="0" g="0" b="0"/>
+        </a:effectRef>
+        <a:fontRef idx="minor"/>
+      </dsp:style>
+      <dsp:txBody>
+        <a:bodyPr spcFirstLastPara="0" vert="horz" wrap="square" lIns="12700" tIns="0" rIns="12700" bIns="0" numCol="1" spcCol="1270" anchor="ctr" anchorCtr="0">
+          <a:noAutofit/>
+        </a:bodyPr>
+        <a:lstStyle/>
+        <a:p>
+          <a:pPr lvl="0" algn="ctr" defTabSz="222250">
+            <a:lnSpc>
+              <a:spcPct val="90000"/>
+            </a:lnSpc>
+            <a:spcBef>
+              <a:spcPct val="0"/>
+            </a:spcBef>
+            <a:spcAft>
+              <a:spcPct val="35000"/>
+            </a:spcAft>
+          </a:pPr>
+          <a:endParaRPr lang="nl-BE" sz="500" kern="1200"/>
+        </a:p>
+      </dsp:txBody>
+      <dsp:txXfrm>
+        <a:off x="2573682" y="1925329"/>
+        <a:ext cx="53288" cy="53288"/>
+      </dsp:txXfrm>
+    </dsp:sp>
+    <dsp:sp modelId="{AA82381F-3358-4A1A-9B68-C283C04A3CEB}">
+      <dsp:nvSpPr>
+        <dsp:cNvPr id="0" name=""/>
+        <dsp:cNvSpPr/>
+      </dsp:nvSpPr>
+      <dsp:spPr>
+        <a:xfrm>
+          <a:off x="3033032" y="1100081"/>
+          <a:ext cx="2163534" cy="1081767"/>
+        </a:xfrm>
+        <a:prstGeom prst="roundRect">
+          <a:avLst>
+            <a:gd name="adj" fmla="val 10000"/>
+          </a:avLst>
+        </a:prstGeom>
+        <a:solidFill>
+          <a:schemeClr val="accent1">
+            <a:hueOff val="0"/>
+            <a:satOff val="0"/>
+            <a:lumOff val="0"/>
+            <a:alphaOff val="0"/>
+          </a:schemeClr>
+        </a:solidFill>
+        <a:ln w="25400" cap="flat" cmpd="sng" algn="ctr">
+          <a:solidFill>
+            <a:schemeClr val="lt1">
+              <a:hueOff val="0"/>
+              <a:satOff val="0"/>
+              <a:lumOff val="0"/>
+              <a:alphaOff val="0"/>
+            </a:schemeClr>
+          </a:solidFill>
+          <a:prstDash val="solid"/>
+        </a:ln>
+        <a:effectLst/>
+      </dsp:spPr>
+      <dsp:style>
+        <a:lnRef idx="2">
+          <a:scrgbClr r="0" g="0" b="0"/>
+        </a:lnRef>
+        <a:fillRef idx="1">
+          <a:scrgbClr r="0" g="0" b="0"/>
+        </a:fillRef>
+        <a:effectRef idx="0">
+          <a:scrgbClr r="0" g="0" b="0"/>
+        </a:effectRef>
+        <a:fontRef idx="minor">
+          <a:schemeClr val="lt1"/>
+        </a:fontRef>
+      </dsp:style>
+      <dsp:txBody>
+        <a:bodyPr spcFirstLastPara="0" vert="horz" wrap="square" lIns="19050" tIns="19050" rIns="19050" bIns="19050" numCol="1" spcCol="1270" anchor="ctr" anchorCtr="0">
+          <a:noAutofit/>
+        </a:bodyPr>
+        <a:lstStyle/>
+        <a:p>
+          <a:pPr lvl="0" algn="ctr" defTabSz="1333500">
+            <a:lnSpc>
+              <a:spcPct val="90000"/>
+            </a:lnSpc>
+            <a:spcBef>
+              <a:spcPct val="0"/>
+            </a:spcBef>
+            <a:spcAft>
+              <a:spcPct val="35000"/>
+            </a:spcAft>
+          </a:pPr>
+          <a:r>
+            <a:rPr lang="nl-BE" sz="3000" kern="1200" dirty="0" err="1" smtClean="0"/>
+            <a:t>Gathering</a:t>
+          </a:r>
+          <a:endParaRPr lang="nl-BE" sz="3000" kern="1200" dirty="0"/>
+        </a:p>
+      </dsp:txBody>
+      <dsp:txXfrm>
+        <a:off x="3064716" y="1131765"/>
+        <a:ext cx="2100166" cy="1018399"/>
+      </dsp:txXfrm>
+    </dsp:sp>
+    <dsp:sp modelId="{6CBF796B-60DB-48FC-99B1-668282A960CE}">
+      <dsp:nvSpPr>
+        <dsp:cNvPr id="0" name=""/>
+        <dsp:cNvSpPr/>
+      </dsp:nvSpPr>
+      <dsp:spPr>
+        <a:xfrm>
+          <a:off x="5196567" y="1619454"/>
+          <a:ext cx="865413" cy="43022"/>
+        </a:xfrm>
+        <a:custGeom>
+          <a:avLst/>
+          <a:gdLst/>
+          <a:ahLst/>
+          <a:cxnLst/>
+          <a:rect l="0" t="0" r="0" b="0"/>
+          <a:pathLst>
+            <a:path>
+              <a:moveTo>
+                <a:pt x="0" y="21511"/>
+              </a:moveTo>
+              <a:lnTo>
+                <a:pt x="865413" y="21511"/>
+              </a:lnTo>
+            </a:path>
+          </a:pathLst>
+        </a:custGeom>
+        <a:noFill/>
+        <a:ln w="25400" cap="flat" cmpd="sng" algn="ctr">
+          <a:solidFill>
+            <a:schemeClr val="accent1">
+              <a:shade val="80000"/>
+              <a:hueOff val="0"/>
+              <a:satOff val="0"/>
+              <a:lumOff val="0"/>
+              <a:alphaOff val="0"/>
+            </a:schemeClr>
+          </a:solidFill>
+          <a:prstDash val="solid"/>
+        </a:ln>
+        <a:effectLst/>
+      </dsp:spPr>
+      <dsp:style>
+        <a:lnRef idx="2">
+          <a:scrgbClr r="0" g="0" b="0"/>
+        </a:lnRef>
+        <a:fillRef idx="0">
+          <a:scrgbClr r="0" g="0" b="0"/>
+        </a:fillRef>
+        <a:effectRef idx="0">
+          <a:scrgbClr r="0" g="0" b="0"/>
+        </a:effectRef>
+        <a:fontRef idx="minor"/>
+      </dsp:style>
+      <dsp:txBody>
+        <a:bodyPr spcFirstLastPara="0" vert="horz" wrap="square" lIns="12700" tIns="0" rIns="12700" bIns="0" numCol="1" spcCol="1270" anchor="ctr" anchorCtr="0">
+          <a:noAutofit/>
+        </a:bodyPr>
+        <a:lstStyle/>
+        <a:p>
+          <a:pPr lvl="0" algn="ctr" defTabSz="222250">
+            <a:lnSpc>
+              <a:spcPct val="90000"/>
+            </a:lnSpc>
+            <a:spcBef>
+              <a:spcPct val="0"/>
+            </a:spcBef>
+            <a:spcAft>
+              <a:spcPct val="35000"/>
+            </a:spcAft>
+          </a:pPr>
+          <a:endParaRPr lang="nl-BE" sz="500" kern="1200"/>
+        </a:p>
+      </dsp:txBody>
+      <dsp:txXfrm>
+        <a:off x="5607638" y="1619330"/>
+        <a:ext cx="43270" cy="43270"/>
+      </dsp:txXfrm>
+    </dsp:sp>
+    <dsp:sp modelId="{C79BEA28-5F21-4532-9188-1C7ABAA70D8F}">
+      <dsp:nvSpPr>
+        <dsp:cNvPr id="0" name=""/>
+        <dsp:cNvSpPr/>
+      </dsp:nvSpPr>
+      <dsp:spPr>
+        <a:xfrm>
+          <a:off x="6061980" y="1100081"/>
+          <a:ext cx="2163534" cy="1081767"/>
+        </a:xfrm>
+        <a:prstGeom prst="roundRect">
+          <a:avLst>
+            <a:gd name="adj" fmla="val 10000"/>
+          </a:avLst>
+        </a:prstGeom>
+        <a:solidFill>
+          <a:schemeClr val="accent1">
+            <a:hueOff val="0"/>
+            <a:satOff val="0"/>
+            <a:lumOff val="0"/>
+            <a:alphaOff val="0"/>
+          </a:schemeClr>
+        </a:solidFill>
+        <a:ln w="25400" cap="flat" cmpd="sng" algn="ctr">
+          <a:solidFill>
+            <a:schemeClr val="lt1">
+              <a:hueOff val="0"/>
+              <a:satOff val="0"/>
+              <a:lumOff val="0"/>
+              <a:alphaOff val="0"/>
+            </a:schemeClr>
+          </a:solidFill>
+          <a:prstDash val="solid"/>
+        </a:ln>
+        <a:effectLst/>
+      </dsp:spPr>
+      <dsp:style>
+        <a:lnRef idx="2">
+          <a:scrgbClr r="0" g="0" b="0"/>
+        </a:lnRef>
+        <a:fillRef idx="1">
+          <a:scrgbClr r="0" g="0" b="0"/>
+        </a:fillRef>
+        <a:effectRef idx="0">
+          <a:scrgbClr r="0" g="0" b="0"/>
+        </a:effectRef>
+        <a:fontRef idx="minor">
+          <a:schemeClr val="lt1"/>
+        </a:fontRef>
+      </dsp:style>
+      <dsp:txBody>
+        <a:bodyPr spcFirstLastPara="0" vert="horz" wrap="square" lIns="19050" tIns="19050" rIns="19050" bIns="19050" numCol="1" spcCol="1270" anchor="ctr" anchorCtr="0">
+          <a:noAutofit/>
+        </a:bodyPr>
+        <a:lstStyle/>
+        <a:p>
+          <a:pPr lvl="0" algn="ctr" defTabSz="1333500">
+            <a:lnSpc>
+              <a:spcPct val="90000"/>
+            </a:lnSpc>
+            <a:spcBef>
+              <a:spcPct val="0"/>
+            </a:spcBef>
+            <a:spcAft>
+              <a:spcPct val="35000"/>
+            </a:spcAft>
+          </a:pPr>
+          <a:r>
+            <a:rPr lang="nl-BE" sz="3000" kern="1200" dirty="0" smtClean="0"/>
+            <a:t>Live prototype</a:t>
+          </a:r>
+          <a:endParaRPr lang="nl-BE" sz="3000" kern="1200" dirty="0"/>
+        </a:p>
+      </dsp:txBody>
+      <dsp:txXfrm>
+        <a:off x="6093664" y="1131765"/>
+        <a:ext cx="2100166" cy="1018399"/>
+      </dsp:txXfrm>
+    </dsp:sp>
+    <dsp:sp modelId="{67F8769C-B753-45D8-B0B1-EC206E48ED9F}">
+      <dsp:nvSpPr>
+        <dsp:cNvPr id="0" name=""/>
+        <dsp:cNvSpPr/>
+      </dsp:nvSpPr>
+      <dsp:spPr>
+        <a:xfrm rot="2142401">
+          <a:off x="2067446" y="2552478"/>
+          <a:ext cx="1065760" cy="43022"/>
+        </a:xfrm>
+        <a:custGeom>
+          <a:avLst/>
+          <a:gdLst/>
+          <a:ahLst/>
+          <a:cxnLst/>
+          <a:rect l="0" t="0" r="0" b="0"/>
+          <a:pathLst>
+            <a:path>
+              <a:moveTo>
+                <a:pt x="0" y="21511"/>
+              </a:moveTo>
+              <a:lnTo>
+                <a:pt x="1065760" y="21511"/>
+              </a:lnTo>
+            </a:path>
+          </a:pathLst>
+        </a:custGeom>
+        <a:noFill/>
+        <a:ln w="25400" cap="flat" cmpd="sng" algn="ctr">
+          <a:solidFill>
+            <a:schemeClr val="accent1">
+              <a:shade val="60000"/>
+              <a:hueOff val="0"/>
+              <a:satOff val="0"/>
+              <a:lumOff val="0"/>
+              <a:alphaOff val="0"/>
+            </a:schemeClr>
+          </a:solidFill>
+          <a:prstDash val="solid"/>
+        </a:ln>
+        <a:effectLst/>
+      </dsp:spPr>
+      <dsp:style>
+        <a:lnRef idx="2">
+          <a:scrgbClr r="0" g="0" b="0"/>
+        </a:lnRef>
+        <a:fillRef idx="0">
+          <a:scrgbClr r="0" g="0" b="0"/>
+        </a:fillRef>
+        <a:effectRef idx="0">
+          <a:scrgbClr r="0" g="0" b="0"/>
+        </a:effectRef>
+        <a:fontRef idx="minor"/>
+      </dsp:style>
+      <dsp:txBody>
+        <a:bodyPr spcFirstLastPara="0" vert="horz" wrap="square" lIns="12700" tIns="0" rIns="12700" bIns="0" numCol="1" spcCol="1270" anchor="ctr" anchorCtr="0">
+          <a:noAutofit/>
+        </a:bodyPr>
+        <a:lstStyle/>
+        <a:p>
+          <a:pPr lvl="0" algn="ctr" defTabSz="222250">
+            <a:lnSpc>
+              <a:spcPct val="90000"/>
+            </a:lnSpc>
+            <a:spcBef>
+              <a:spcPct val="0"/>
+            </a:spcBef>
+            <a:spcAft>
+              <a:spcPct val="35000"/>
+            </a:spcAft>
+          </a:pPr>
+          <a:endParaRPr lang="nl-BE" sz="500" kern="1200"/>
+        </a:p>
+      </dsp:txBody>
+      <dsp:txXfrm>
+        <a:off x="2573682" y="2547345"/>
+        <a:ext cx="53288" cy="53288"/>
+      </dsp:txXfrm>
+    </dsp:sp>
+    <dsp:sp modelId="{6ADDB12E-F225-4DAA-8EEF-D28B268A5EC0}">
+      <dsp:nvSpPr>
+        <dsp:cNvPr id="0" name=""/>
+        <dsp:cNvSpPr/>
+      </dsp:nvSpPr>
+      <dsp:spPr>
+        <a:xfrm>
+          <a:off x="3033032" y="2344114"/>
+          <a:ext cx="2163534" cy="1081767"/>
+        </a:xfrm>
+        <a:prstGeom prst="roundRect">
+          <a:avLst>
+            <a:gd name="adj" fmla="val 10000"/>
+          </a:avLst>
+        </a:prstGeom>
+        <a:solidFill>
+          <a:schemeClr val="accent1">
+            <a:hueOff val="0"/>
+            <a:satOff val="0"/>
+            <a:lumOff val="0"/>
+            <a:alphaOff val="0"/>
+          </a:schemeClr>
+        </a:solidFill>
+        <a:ln w="25400" cap="flat" cmpd="sng" algn="ctr">
+          <a:solidFill>
+            <a:schemeClr val="lt1">
+              <a:hueOff val="0"/>
+              <a:satOff val="0"/>
+              <a:lumOff val="0"/>
+              <a:alphaOff val="0"/>
+            </a:schemeClr>
+          </a:solidFill>
+          <a:prstDash val="solid"/>
+        </a:ln>
+        <a:effectLst/>
+      </dsp:spPr>
+      <dsp:style>
+        <a:lnRef idx="2">
+          <a:scrgbClr r="0" g="0" b="0"/>
+        </a:lnRef>
+        <a:fillRef idx="1">
+          <a:scrgbClr r="0" g="0" b="0"/>
+        </a:fillRef>
+        <a:effectRef idx="0">
+          <a:scrgbClr r="0" g="0" b="0"/>
+        </a:effectRef>
+        <a:fontRef idx="minor">
+          <a:schemeClr val="lt1"/>
+        </a:fontRef>
+      </dsp:style>
+      <dsp:txBody>
+        <a:bodyPr spcFirstLastPara="0" vert="horz" wrap="square" lIns="19050" tIns="19050" rIns="19050" bIns="19050" numCol="1" spcCol="1270" anchor="ctr" anchorCtr="0">
+          <a:noAutofit/>
+        </a:bodyPr>
+        <a:lstStyle/>
+        <a:p>
+          <a:pPr lvl="0" algn="ctr" defTabSz="1333500">
+            <a:lnSpc>
+              <a:spcPct val="90000"/>
+            </a:lnSpc>
+            <a:spcBef>
+              <a:spcPct val="0"/>
+            </a:spcBef>
+            <a:spcAft>
+              <a:spcPct val="35000"/>
+            </a:spcAft>
+          </a:pPr>
+          <a:r>
+            <a:rPr lang="nl-BE" sz="3000" kern="1200" dirty="0" err="1" smtClean="0"/>
+            <a:t>Visualisation</a:t>
+          </a:r>
+          <a:endParaRPr lang="nl-BE" sz="3000" kern="1200" dirty="0"/>
+        </a:p>
+      </dsp:txBody>
+      <dsp:txXfrm>
+        <a:off x="3064716" y="2375798"/>
+        <a:ext cx="2100166" cy="1018399"/>
+      </dsp:txXfrm>
+    </dsp:sp>
+    <dsp:sp modelId="{4EB53B17-163D-4E4E-99AA-789A7AB458C4}">
+      <dsp:nvSpPr>
+        <dsp:cNvPr id="0" name=""/>
+        <dsp:cNvSpPr/>
+      </dsp:nvSpPr>
+      <dsp:spPr>
+        <a:xfrm>
+          <a:off x="5196567" y="2863486"/>
+          <a:ext cx="865413" cy="43022"/>
+        </a:xfrm>
+        <a:custGeom>
+          <a:avLst/>
+          <a:gdLst/>
+          <a:ahLst/>
+          <a:cxnLst/>
+          <a:rect l="0" t="0" r="0" b="0"/>
+          <a:pathLst>
+            <a:path>
+              <a:moveTo>
+                <a:pt x="0" y="21511"/>
+              </a:moveTo>
+              <a:lnTo>
+                <a:pt x="865413" y="21511"/>
+              </a:lnTo>
+            </a:path>
+          </a:pathLst>
+        </a:custGeom>
+        <a:noFill/>
+        <a:ln w="25400" cap="flat" cmpd="sng" algn="ctr">
+          <a:solidFill>
+            <a:schemeClr val="accent1">
+              <a:shade val="80000"/>
+              <a:hueOff val="0"/>
+              <a:satOff val="0"/>
+              <a:lumOff val="0"/>
+              <a:alphaOff val="0"/>
+            </a:schemeClr>
+          </a:solidFill>
+          <a:prstDash val="solid"/>
+        </a:ln>
+        <a:effectLst/>
+      </dsp:spPr>
+      <dsp:style>
+        <a:lnRef idx="2">
+          <a:scrgbClr r="0" g="0" b="0"/>
+        </a:lnRef>
+        <a:fillRef idx="0">
+          <a:scrgbClr r="0" g="0" b="0"/>
+        </a:fillRef>
+        <a:effectRef idx="0">
+          <a:scrgbClr r="0" g="0" b="0"/>
+        </a:effectRef>
+        <a:fontRef idx="minor"/>
+      </dsp:style>
+      <dsp:txBody>
+        <a:bodyPr spcFirstLastPara="0" vert="horz" wrap="square" lIns="12700" tIns="0" rIns="12700" bIns="0" numCol="1" spcCol="1270" anchor="ctr" anchorCtr="0">
+          <a:noAutofit/>
+        </a:bodyPr>
+        <a:lstStyle/>
+        <a:p>
+          <a:pPr lvl="0" algn="ctr" defTabSz="222250">
+            <a:lnSpc>
+              <a:spcPct val="90000"/>
+            </a:lnSpc>
+            <a:spcBef>
+              <a:spcPct val="0"/>
+            </a:spcBef>
+            <a:spcAft>
+              <a:spcPct val="35000"/>
+            </a:spcAft>
+          </a:pPr>
+          <a:endParaRPr lang="nl-BE" sz="500" kern="1200"/>
+        </a:p>
+      </dsp:txBody>
+      <dsp:txXfrm>
+        <a:off x="5607638" y="2863362"/>
+        <a:ext cx="43270" cy="43270"/>
+      </dsp:txXfrm>
+    </dsp:sp>
+    <dsp:sp modelId="{30A78D99-01E9-4FD6-B365-8A0A655DF402}">
+      <dsp:nvSpPr>
+        <dsp:cNvPr id="0" name=""/>
+        <dsp:cNvSpPr/>
+      </dsp:nvSpPr>
+      <dsp:spPr>
+        <a:xfrm>
+          <a:off x="6061980" y="2344114"/>
+          <a:ext cx="2163534" cy="1081767"/>
+        </a:xfrm>
+        <a:prstGeom prst="roundRect">
+          <a:avLst>
+            <a:gd name="adj" fmla="val 10000"/>
+          </a:avLst>
+        </a:prstGeom>
+        <a:solidFill>
+          <a:schemeClr val="accent1">
+            <a:hueOff val="0"/>
+            <a:satOff val="0"/>
+            <a:lumOff val="0"/>
+            <a:alphaOff val="0"/>
+          </a:schemeClr>
+        </a:solidFill>
+        <a:ln w="25400" cap="flat" cmpd="sng" algn="ctr">
+          <a:solidFill>
+            <a:schemeClr val="lt1">
+              <a:hueOff val="0"/>
+              <a:satOff val="0"/>
+              <a:lumOff val="0"/>
+              <a:alphaOff val="0"/>
+            </a:schemeClr>
+          </a:solidFill>
+          <a:prstDash val="solid"/>
+        </a:ln>
+        <a:effectLst/>
+      </dsp:spPr>
+      <dsp:style>
+        <a:lnRef idx="2">
+          <a:scrgbClr r="0" g="0" b="0"/>
+        </a:lnRef>
+        <a:fillRef idx="1">
+          <a:scrgbClr r="0" g="0" b="0"/>
+        </a:fillRef>
+        <a:effectRef idx="0">
+          <a:scrgbClr r="0" g="0" b="0"/>
+        </a:effectRef>
+        <a:fontRef idx="minor">
+          <a:schemeClr val="lt1"/>
+        </a:fontRef>
+      </dsp:style>
+      <dsp:txBody>
+        <a:bodyPr spcFirstLastPara="0" vert="horz" wrap="square" lIns="19050" tIns="19050" rIns="19050" bIns="19050" numCol="1" spcCol="1270" anchor="ctr" anchorCtr="0">
+          <a:noAutofit/>
+        </a:bodyPr>
+        <a:lstStyle/>
+        <a:p>
+          <a:pPr lvl="0" algn="ctr" defTabSz="1333500">
+            <a:lnSpc>
+              <a:spcPct val="90000"/>
+            </a:lnSpc>
+            <a:spcBef>
+              <a:spcPct val="0"/>
+            </a:spcBef>
+            <a:spcAft>
+              <a:spcPct val="35000"/>
+            </a:spcAft>
+          </a:pPr>
+          <a:r>
+            <a:rPr lang="nl-BE" sz="3000" kern="1200" dirty="0" err="1" smtClean="0"/>
+            <a:t>goo.gl</a:t>
+          </a:r>
+          <a:r>
+            <a:rPr lang="nl-BE" sz="3000" kern="1200" dirty="0" smtClean="0"/>
+            <a:t>/Ycl6iG</a:t>
+          </a:r>
+          <a:endParaRPr lang="nl-BE" sz="3000" kern="1200" dirty="0"/>
+        </a:p>
+      </dsp:txBody>
+      <dsp:txXfrm>
+        <a:off x="6093664" y="2375798"/>
+        <a:ext cx="2100166" cy="1018399"/>
+      </dsp:txXfrm>
+    </dsp:sp>
   </dsp:spTree>
 </dsp:drawing>
 </file>
@@ -2950,7 +3665,7 @@
             <a:fld id="{399A7B18-4CF9-2C4D-A962-DC5233A676A7}" type="slidenum">
               <a:rPr lang="nl-BE" smtClean="0"/>
               <a:pPr/>
-              <a:t>‹#›</a:t>
+              <a:t>‹nr.›</a:t>
             </a:fld>
             <a:endParaRPr lang="nl-BE"/>
           </a:p>
@@ -3122,7 +3837,7 @@
             <a:fld id="{399A7B18-4CF9-2C4D-A962-DC5233A676A7}" type="slidenum">
               <a:rPr lang="nl-BE" smtClean="0"/>
               <a:pPr/>
-              <a:t>‹#›</a:t>
+              <a:t>‹nr.›</a:t>
             </a:fld>
             <a:endParaRPr lang="nl-BE"/>
           </a:p>
@@ -3304,7 +4019,7 @@
             <a:fld id="{399A7B18-4CF9-2C4D-A962-DC5233A676A7}" type="slidenum">
               <a:rPr lang="nl-BE" smtClean="0"/>
               <a:pPr/>
-              <a:t>‹#›</a:t>
+              <a:t>‹nr.›</a:t>
             </a:fld>
             <a:endParaRPr lang="nl-BE"/>
           </a:p>
@@ -3476,7 +4191,7 @@
             <a:fld id="{399A7B18-4CF9-2C4D-A962-DC5233A676A7}" type="slidenum">
               <a:rPr lang="nl-BE" smtClean="0"/>
               <a:pPr/>
-              <a:t>‹#›</a:t>
+              <a:t>‹nr.›</a:t>
             </a:fld>
             <a:endParaRPr lang="nl-BE"/>
           </a:p>
@@ -3724,7 +4439,7 @@
             <a:fld id="{399A7B18-4CF9-2C4D-A962-DC5233A676A7}" type="slidenum">
               <a:rPr lang="nl-BE" smtClean="0"/>
               <a:pPr/>
-              <a:t>‹#›</a:t>
+              <a:t>‹nr.›</a:t>
             </a:fld>
             <a:endParaRPr lang="nl-BE"/>
           </a:p>
@@ -4014,7 +4729,7 @@
             <a:fld id="{399A7B18-4CF9-2C4D-A962-DC5233A676A7}" type="slidenum">
               <a:rPr lang="nl-BE" smtClean="0"/>
               <a:pPr/>
-              <a:t>‹#›</a:t>
+              <a:t>‹nr.›</a:t>
             </a:fld>
             <a:endParaRPr lang="nl-BE"/>
           </a:p>
@@ -4438,7 +5153,7 @@
             <a:fld id="{399A7B18-4CF9-2C4D-A962-DC5233A676A7}" type="slidenum">
               <a:rPr lang="nl-BE" smtClean="0"/>
               <a:pPr/>
-              <a:t>‹#›</a:t>
+              <a:t>‹nr.›</a:t>
             </a:fld>
             <a:endParaRPr lang="nl-BE"/>
           </a:p>
@@ -4558,7 +5273,7 @@
             <a:fld id="{399A7B18-4CF9-2C4D-A962-DC5233A676A7}" type="slidenum">
               <a:rPr lang="nl-BE" smtClean="0"/>
               <a:pPr/>
-              <a:t>‹#›</a:t>
+              <a:t>‹nr.›</a:t>
             </a:fld>
             <a:endParaRPr lang="nl-BE"/>
           </a:p>
@@ -4655,7 +5370,7 @@
             <a:fld id="{399A7B18-4CF9-2C4D-A962-DC5233A676A7}" type="slidenum">
               <a:rPr lang="nl-BE" smtClean="0"/>
               <a:pPr/>
-              <a:t>‹#›</a:t>
+              <a:t>‹nr.›</a:t>
             </a:fld>
             <a:endParaRPr lang="nl-BE"/>
           </a:p>
@@ -4934,7 +5649,7 @@
             <a:fld id="{399A7B18-4CF9-2C4D-A962-DC5233A676A7}" type="slidenum">
               <a:rPr lang="nl-BE" smtClean="0"/>
               <a:pPr/>
-              <a:t>‹#›</a:t>
+              <a:t>‹nr.›</a:t>
             </a:fld>
             <a:endParaRPr lang="nl-BE"/>
           </a:p>
@@ -5189,7 +5904,7 @@
             <a:fld id="{399A7B18-4CF9-2C4D-A962-DC5233A676A7}" type="slidenum">
               <a:rPr lang="nl-BE" smtClean="0"/>
               <a:pPr/>
-              <a:t>‹#›</a:t>
+              <a:t>‹nr.›</a:t>
             </a:fld>
             <a:endParaRPr lang="nl-BE"/>
           </a:p>
@@ -5440,7 +6155,7 @@
             <a:fld id="{399A7B18-4CF9-2C4D-A962-DC5233A676A7}" type="slidenum">
               <a:rPr lang="nl-BE" smtClean="0"/>
               <a:pPr/>
-              <a:t>‹#›</a:t>
+              <a:t>‹nr.›</a:t>
             </a:fld>
             <a:endParaRPr lang="nl-BE"/>
           </a:p>
@@ -6236,7 +6951,6 @@
               <a:rPr lang="nl-BE" dirty="0" smtClean="0"/>
               <a:t>Temperature</a:t>
             </a:r>
-            <a:endParaRPr lang="nl-BE" dirty="0" smtClean="0"/>
           </a:p>
           <a:p>
             <a:r>
@@ -6441,7 +7155,6 @@
               <a:rPr lang="nl-BE" dirty="0" smtClean="0"/>
               <a:t>Realtime sending of data</a:t>
             </a:r>
-            <a:endParaRPr lang="nl-BE" dirty="0" smtClean="0"/>
           </a:p>
           <a:p>
             <a:pPr lvl="1"/>
@@ -6471,21 +7184,46 @@
           <a:p>
             <a:pPr lvl="1"/>
             <a:r>
+              <a:rPr lang="nl-BE" dirty="0" smtClean="0"/>
+              <a:t>Website slow, </a:t>
+            </a:r>
+            <a:r>
               <a:rPr lang="nl-BE" dirty="0" err="1" smtClean="0"/>
-              <a:t>Bli</a:t>
+              <a:t>froze</a:t>
+            </a:r>
+            <a:r>
+              <a:rPr lang="nl-BE" dirty="0" smtClean="0"/>
+              <a:t> a </a:t>
+            </a:r>
+            <a:r>
+              <a:rPr lang="nl-BE" dirty="0" err="1" smtClean="0"/>
+              <a:t>couple</a:t>
+            </a:r>
+            <a:r>
+              <a:rPr lang="nl-BE" dirty="0" smtClean="0"/>
+              <a:t> of </a:t>
+            </a:r>
+            <a:r>
+              <a:rPr lang="nl-BE" dirty="0" err="1" smtClean="0"/>
+              <a:t>times</a:t>
             </a:r>
             <a:endParaRPr lang="nl-BE" dirty="0" smtClean="0"/>
           </a:p>
           <a:p>
             <a:pPr lvl="1"/>
             <a:r>
+              <a:rPr lang="nl-BE" dirty="0" smtClean="0"/>
+              <a:t>Speed plot </a:t>
+            </a:r>
+            <a:r>
               <a:rPr lang="nl-BE" dirty="0" err="1" smtClean="0"/>
-              <a:t>Bli</a:t>
+              <a:t>not</a:t>
             </a:r>
             <a:r>
               <a:rPr lang="nl-BE" dirty="0" smtClean="0"/>
-              <a:t> </a:t>
-            </a:r>
+              <a:t> accurate at first</a:t>
+            </a:r>
+            <a:endParaRPr lang="nl-BE" dirty="0" smtClean="0"/>
           </a:p>
         </p:txBody>
       </p:sp>

--- a/Verslagen/intermediatedemo.pptx
+++ b/Verslagen/intermediatedemo.pptx
@@ -2,19 +2,17 @@
 <file path=ppt/presentation.xml><?xml version="1.0" encoding="utf-8"?>
 <p:presentation xmlns:a="http://schemas.openxmlformats.org/drawingml/2006/main" xmlns:r="http://schemas.openxmlformats.org/officeDocument/2006/relationships" xmlns:p="http://schemas.openxmlformats.org/presentationml/2006/main" saveSubsetFonts="1" autoCompressPictures="0">
   <p:sldMasterIdLst>
-    <p:sldMasterId id="2147483648" r:id="rId1"/>
+    <p:sldMasterId id="2147483672" r:id="rId1"/>
   </p:sldMasterIdLst>
   <p:sldIdLst>
-    <p:sldId id="256" r:id="rId2"/>
-    <p:sldId id="262" r:id="rId3"/>
-    <p:sldId id="257" r:id="rId4"/>
-    <p:sldId id="263" r:id="rId5"/>
-    <p:sldId id="258" r:id="rId6"/>
-    <p:sldId id="264" r:id="rId7"/>
-    <p:sldId id="260" r:id="rId8"/>
-    <p:sldId id="265" r:id="rId9"/>
-    <p:sldId id="261" r:id="rId10"/>
-    <p:sldId id="266" r:id="rId11"/>
+    <p:sldId id="269" r:id="rId2"/>
+    <p:sldId id="257" r:id="rId3"/>
+    <p:sldId id="267" r:id="rId4"/>
+    <p:sldId id="258" r:id="rId5"/>
+    <p:sldId id="260" r:id="rId6"/>
+    <p:sldId id="261" r:id="rId7"/>
+    <p:sldId id="270" r:id="rId8"/>
+    <p:sldId id="268" r:id="rId9"/>
   </p:sldIdLst>
   <p:sldSz cx="9144000" cy="6858000" type="screen4x3"/>
   <p:notesSz cx="6858000" cy="9144000"/>
@@ -115,7 +113,7 @@
   </p:defaultTextStyle>
   <p:extLst>
     <p:ext uri="{EFAFB233-063F-42B5-8137-9DF3F51BA10A}">
-      <p15:sldGuideLst xmlns:p15="http://schemas.microsoft.com/office/powerpoint/2012/main" xmlns="">
+      <p15:sldGuideLst xmlns="" xmlns:p15="http://schemas.microsoft.com/office/powerpoint/2012/main">
         <p15:guide id="1" orient="horz" pos="2160">
           <p15:clr>
             <a:srgbClr val="A4A3A4"/>
@@ -1048,15 +1046,18 @@
         <a:bodyPr/>
         <a:lstStyle/>
         <a:p>
+          <a:pPr algn="ctr"/>
           <a:r>
-            <a:rPr lang="nl-BE" dirty="0" err="1" smtClean="0"/>
-            <a:t>goo.gl</a:t>
+            <a:rPr lang="nl-BE" dirty="0" smtClean="0">
+              <a:hlinkClick xmlns:r="http://schemas.openxmlformats.org/officeDocument/2006/relationships" r:id="rId1"/>
+            </a:rPr>
+            <a:t>Calendar.html</a:t>
           </a:r>
-          <a:r>
-            <a:rPr lang="nl-BE" dirty="0" smtClean="0"/>
-            <a:t>/Ycl6iG</a:t>
-          </a:r>
-          <a:endParaRPr lang="nl-BE" dirty="0"/>
+          <a:endParaRPr lang="nl-BE" dirty="0" smtClean="0"/>
+        </a:p>
+        <a:p>
+          <a:pPr algn="ctr"/>
+          <a:endParaRPr lang="nl-BE" dirty="0" smtClean="0"/>
         </a:p>
       </dgm:t>
     </dgm:pt>
@@ -1151,7 +1152,7 @@
       <dgm:spPr/>
     </dgm:pt>
     <dgm:pt modelId="{AA82381F-3358-4A1A-9B68-C283C04A3CEB}" type="pres">
-      <dgm:prSet presAssocID="{276A363E-C704-4D52-9F85-35548A6AA593}" presName="LevelTwoTextNode" presStyleLbl="node2" presStyleIdx="0" presStyleCnt="2">
+      <dgm:prSet presAssocID="{276A363E-C704-4D52-9F85-35548A6AA593}" presName="LevelTwoTextNode" presStyleLbl="node2" presStyleIdx="0" presStyleCnt="2" custScaleX="131081">
         <dgm:presLayoutVars>
           <dgm:chPref val="3"/>
         </dgm:presLayoutVars>
@@ -1196,7 +1197,7 @@
       <dgm:spPr/>
     </dgm:pt>
     <dgm:pt modelId="{C79BEA28-5F21-4532-9188-1C7ABAA70D8F}" type="pres">
-      <dgm:prSet presAssocID="{D6591959-5F0F-489A-8468-D242C17A36C8}" presName="LevelTwoTextNode" presStyleLbl="node3" presStyleIdx="0" presStyleCnt="2">
+      <dgm:prSet presAssocID="{D6591959-5F0F-489A-8468-D242C17A36C8}" presName="LevelTwoTextNode" presStyleLbl="node3" presStyleIdx="0" presStyleCnt="2" custScaleX="137584">
         <dgm:presLayoutVars>
           <dgm:chPref val="3"/>
         </dgm:presLayoutVars>
@@ -1241,7 +1242,7 @@
       <dgm:spPr/>
     </dgm:pt>
     <dgm:pt modelId="{6ADDB12E-F225-4DAA-8EEF-D28B268A5EC0}" type="pres">
-      <dgm:prSet presAssocID="{8532AD7D-7EE2-4007-A3F5-FD348991FF6F}" presName="LevelTwoTextNode" presStyleLbl="node2" presStyleIdx="1" presStyleCnt="2">
+      <dgm:prSet presAssocID="{8532AD7D-7EE2-4007-A3F5-FD348991FF6F}" presName="LevelTwoTextNode" presStyleLbl="node2" presStyleIdx="1" presStyleCnt="2" custScaleX="147618">
         <dgm:presLayoutVars>
           <dgm:chPref val="3"/>
         </dgm:presLayoutVars>
@@ -1286,7 +1287,7 @@
       <dgm:spPr/>
     </dgm:pt>
     <dgm:pt modelId="{30A78D99-01E9-4FD6-B365-8A0A655DF402}" type="pres">
-      <dgm:prSet presAssocID="{15BB76D7-2BDA-4EDE-8F73-9D4BB2CD4971}" presName="LevelTwoTextNode" presStyleLbl="node3" presStyleIdx="1" presStyleCnt="2">
+      <dgm:prSet presAssocID="{15BB76D7-2BDA-4EDE-8F73-9D4BB2CD4971}" presName="LevelTwoTextNode" presStyleLbl="node3" presStyleIdx="1" presStyleCnt="2" custScaleX="137225" custScaleY="100912">
         <dgm:presLayoutVars>
           <dgm:chPref val="3"/>
         </dgm:presLayoutVars>
@@ -1306,25 +1307,25 @@
     </dgm:pt>
   </dgm:ptLst>
   <dgm:cxnLst>
+    <dgm:cxn modelId="{B421108B-6A37-46D2-8F4E-7F31E0A9D32F}" srcId="{58034E90-686B-4E9C-8AEB-2433A1E08532}" destId="{1C0E55F7-5FB2-4E48-8149-913E77520486}" srcOrd="0" destOrd="0" parTransId="{250126AC-706A-4CAF-AFC6-19E3D386D61D}" sibTransId="{138B2F27-93A1-4B70-8DBB-133DAC434903}"/>
+    <dgm:cxn modelId="{21BD81D8-CC54-4DF9-9E22-187FF8B3E52E}" type="presOf" srcId="{C9578D12-980E-4D95-810E-BC0A9848635E}" destId="{4F19358C-CCDF-4C4F-862A-0F4BA4AA4FD2}" srcOrd="1" destOrd="0" presId="urn:microsoft.com/office/officeart/2005/8/layout/hierarchy2"/>
+    <dgm:cxn modelId="{12350B6C-4924-4064-BA0D-D6DAE6DD3551}" type="presOf" srcId="{DD4D1D16-CBD2-43EE-A7C9-814070E34D3A}" destId="{67F8769C-B753-45D8-B0B1-EC206E48ED9F}" srcOrd="0" destOrd="0" presId="urn:microsoft.com/office/officeart/2005/8/layout/hierarchy2"/>
     <dgm:cxn modelId="{CE40A55A-ECFD-4168-91EE-B8C494101F3E}" srcId="{1C0E55F7-5FB2-4E48-8149-913E77520486}" destId="{276A363E-C704-4D52-9F85-35548A6AA593}" srcOrd="0" destOrd="0" parTransId="{C9578D12-980E-4D95-810E-BC0A9848635E}" sibTransId="{329C8A27-588C-434B-A7D9-B1144CC485D6}"/>
-    <dgm:cxn modelId="{B421108B-6A37-46D2-8F4E-7F31E0A9D32F}" srcId="{58034E90-686B-4E9C-8AEB-2433A1E08532}" destId="{1C0E55F7-5FB2-4E48-8149-913E77520486}" srcOrd="0" destOrd="0" parTransId="{250126AC-706A-4CAF-AFC6-19E3D386D61D}" sibTransId="{138B2F27-93A1-4B70-8DBB-133DAC434903}"/>
-    <dgm:cxn modelId="{DA2A0E92-B307-48E4-B1C2-C75EED2E8CD2}" type="presOf" srcId="{F82C1CBE-91A2-4EF8-A552-08262AC94C07}" destId="{1A7D3E5A-6333-4372-90E5-93AD86B30A4A}" srcOrd="1" destOrd="0" presId="urn:microsoft.com/office/officeart/2005/8/layout/hierarchy2"/>
-    <dgm:cxn modelId="{EE2626C9-1E79-40BD-943C-4ADAE9826321}" type="presOf" srcId="{D6591959-5F0F-489A-8468-D242C17A36C8}" destId="{C79BEA28-5F21-4532-9188-1C7ABAA70D8F}" srcOrd="0" destOrd="0" presId="urn:microsoft.com/office/officeart/2005/8/layout/hierarchy2"/>
-    <dgm:cxn modelId="{026A628E-BCB1-47DE-AF6D-036DA013FFD5}" type="presOf" srcId="{F82C1CBE-91A2-4EF8-A552-08262AC94C07}" destId="{4EB53B17-163D-4E4E-99AA-789A7AB458C4}" srcOrd="0" destOrd="0" presId="urn:microsoft.com/office/officeart/2005/8/layout/hierarchy2"/>
-    <dgm:cxn modelId="{E294910F-1EC7-43F8-972B-8CC0404A3C30}" type="presOf" srcId="{1C0E55F7-5FB2-4E48-8149-913E77520486}" destId="{D50786B4-76D4-4E84-96A2-43CA01A74DF8}" srcOrd="0" destOrd="0" presId="urn:microsoft.com/office/officeart/2005/8/layout/hierarchy2"/>
-    <dgm:cxn modelId="{88AF8D27-2832-44C2-BCEA-7D5075880880}" type="presOf" srcId="{779B853E-8E32-480B-8726-6D7F90F79F45}" destId="{6CBF796B-60DB-48FC-99B1-668282A960CE}" srcOrd="0" destOrd="0" presId="urn:microsoft.com/office/officeart/2005/8/layout/hierarchy2"/>
-    <dgm:cxn modelId="{EBDF1461-CA97-4833-A590-8DD626B23D7E}" type="presOf" srcId="{779B853E-8E32-480B-8726-6D7F90F79F45}" destId="{26C445C5-4FF3-4917-9A53-77D0B357F9B8}" srcOrd="1" destOrd="0" presId="urn:microsoft.com/office/officeart/2005/8/layout/hierarchy2"/>
-    <dgm:cxn modelId="{3E6931BD-56DC-445E-B034-1F0A9324CEF5}" type="presOf" srcId="{DD4D1D16-CBD2-43EE-A7C9-814070E34D3A}" destId="{89372812-2771-4395-9F3B-247111C80A40}" srcOrd="1" destOrd="0" presId="urn:microsoft.com/office/officeart/2005/8/layout/hierarchy2"/>
-    <dgm:cxn modelId="{27AF9362-E21F-451C-A964-D53F36723BDA}" srcId="{276A363E-C704-4D52-9F85-35548A6AA593}" destId="{D6591959-5F0F-489A-8468-D242C17A36C8}" srcOrd="0" destOrd="0" parTransId="{779B853E-8E32-480B-8726-6D7F90F79F45}" sibTransId="{11B1830F-1949-43B7-A28A-33CB04060664}"/>
-    <dgm:cxn modelId="{21BD81D8-CC54-4DF9-9E22-187FF8B3E52E}" type="presOf" srcId="{C9578D12-980E-4D95-810E-BC0A9848635E}" destId="{4F19358C-CCDF-4C4F-862A-0F4BA4AA4FD2}" srcOrd="1" destOrd="0" presId="urn:microsoft.com/office/officeart/2005/8/layout/hierarchy2"/>
-    <dgm:cxn modelId="{40D62DF1-BF91-4B62-9E0E-3628428104F0}" srcId="{1C0E55F7-5FB2-4E48-8149-913E77520486}" destId="{8532AD7D-7EE2-4007-A3F5-FD348991FF6F}" srcOrd="1" destOrd="0" parTransId="{DD4D1D16-CBD2-43EE-A7C9-814070E34D3A}" sibTransId="{C4059019-8137-4DB8-AF28-E6FFB55C576F}"/>
-    <dgm:cxn modelId="{AF24CD37-0DF9-45C0-AF15-642EC0DAA77E}" srcId="{8532AD7D-7EE2-4007-A3F5-FD348991FF6F}" destId="{15BB76D7-2BDA-4EDE-8F73-9D4BB2CD4971}" srcOrd="0" destOrd="0" parTransId="{F82C1CBE-91A2-4EF8-A552-08262AC94C07}" sibTransId="{444924F7-DEC1-4773-8E01-3AA584BF6495}"/>
-    <dgm:cxn modelId="{12350B6C-4924-4064-BA0D-D6DAE6DD3551}" type="presOf" srcId="{DD4D1D16-CBD2-43EE-A7C9-814070E34D3A}" destId="{67F8769C-B753-45D8-B0B1-EC206E48ED9F}" srcOrd="0" destOrd="0" presId="urn:microsoft.com/office/officeart/2005/8/layout/hierarchy2"/>
-    <dgm:cxn modelId="{41511535-6B13-46C2-A701-A47E7FA6CA61}" type="presOf" srcId="{8532AD7D-7EE2-4007-A3F5-FD348991FF6F}" destId="{6ADDB12E-F225-4DAA-8EEF-D28B268A5EC0}" srcOrd="0" destOrd="0" presId="urn:microsoft.com/office/officeart/2005/8/layout/hierarchy2"/>
-    <dgm:cxn modelId="{004107B0-E35A-4CCF-B519-AEECD9E23E42}" type="presOf" srcId="{C9578D12-980E-4D95-810E-BC0A9848635E}" destId="{2DF3C455-C390-4894-945C-5945CEDF0695}" srcOrd="0" destOrd="0" presId="urn:microsoft.com/office/officeart/2005/8/layout/hierarchy2"/>
     <dgm:cxn modelId="{83AE0AC5-BF21-492B-8AC5-0EDD38FBDEE3}" type="presOf" srcId="{58034E90-686B-4E9C-8AEB-2433A1E08532}" destId="{6F16B71C-2660-4279-AAE8-8E2A2C798710}" srcOrd="0" destOrd="0" presId="urn:microsoft.com/office/officeart/2005/8/layout/hierarchy2"/>
     <dgm:cxn modelId="{302FEF1B-2DB6-4BCC-82E0-49245D471E4B}" type="presOf" srcId="{15BB76D7-2BDA-4EDE-8F73-9D4BB2CD4971}" destId="{30A78D99-01E9-4FD6-B365-8A0A655DF402}" srcOrd="0" destOrd="0" presId="urn:microsoft.com/office/officeart/2005/8/layout/hierarchy2"/>
+    <dgm:cxn modelId="{DA2A0E92-B307-48E4-B1C2-C75EED2E8CD2}" type="presOf" srcId="{F82C1CBE-91A2-4EF8-A552-08262AC94C07}" destId="{1A7D3E5A-6333-4372-90E5-93AD86B30A4A}" srcOrd="1" destOrd="0" presId="urn:microsoft.com/office/officeart/2005/8/layout/hierarchy2"/>
+    <dgm:cxn modelId="{AF24CD37-0DF9-45C0-AF15-642EC0DAA77E}" srcId="{8532AD7D-7EE2-4007-A3F5-FD348991FF6F}" destId="{15BB76D7-2BDA-4EDE-8F73-9D4BB2CD4971}" srcOrd="0" destOrd="0" parTransId="{F82C1CBE-91A2-4EF8-A552-08262AC94C07}" sibTransId="{444924F7-DEC1-4773-8E01-3AA584BF6495}"/>
+    <dgm:cxn modelId="{3E6931BD-56DC-445E-B034-1F0A9324CEF5}" type="presOf" srcId="{DD4D1D16-CBD2-43EE-A7C9-814070E34D3A}" destId="{89372812-2771-4395-9F3B-247111C80A40}" srcOrd="1" destOrd="0" presId="urn:microsoft.com/office/officeart/2005/8/layout/hierarchy2"/>
+    <dgm:cxn modelId="{88AF8D27-2832-44C2-BCEA-7D5075880880}" type="presOf" srcId="{779B853E-8E32-480B-8726-6D7F90F79F45}" destId="{6CBF796B-60DB-48FC-99B1-668282A960CE}" srcOrd="0" destOrd="0" presId="urn:microsoft.com/office/officeart/2005/8/layout/hierarchy2"/>
+    <dgm:cxn modelId="{026A628E-BCB1-47DE-AF6D-036DA013FFD5}" type="presOf" srcId="{F82C1CBE-91A2-4EF8-A552-08262AC94C07}" destId="{4EB53B17-163D-4E4E-99AA-789A7AB458C4}" srcOrd="0" destOrd="0" presId="urn:microsoft.com/office/officeart/2005/8/layout/hierarchy2"/>
+    <dgm:cxn modelId="{004107B0-E35A-4CCF-B519-AEECD9E23E42}" type="presOf" srcId="{C9578D12-980E-4D95-810E-BC0A9848635E}" destId="{2DF3C455-C390-4894-945C-5945CEDF0695}" srcOrd="0" destOrd="0" presId="urn:microsoft.com/office/officeart/2005/8/layout/hierarchy2"/>
     <dgm:cxn modelId="{A587323E-FBE6-426F-8637-91A927CE26F2}" type="presOf" srcId="{276A363E-C704-4D52-9F85-35548A6AA593}" destId="{AA82381F-3358-4A1A-9B68-C283C04A3CEB}" srcOrd="0" destOrd="0" presId="urn:microsoft.com/office/officeart/2005/8/layout/hierarchy2"/>
+    <dgm:cxn modelId="{27AF9362-E21F-451C-A964-D53F36723BDA}" srcId="{276A363E-C704-4D52-9F85-35548A6AA593}" destId="{D6591959-5F0F-489A-8468-D242C17A36C8}" srcOrd="0" destOrd="0" parTransId="{779B853E-8E32-480B-8726-6D7F90F79F45}" sibTransId="{11B1830F-1949-43B7-A28A-33CB04060664}"/>
+    <dgm:cxn modelId="{EE2626C9-1E79-40BD-943C-4ADAE9826321}" type="presOf" srcId="{D6591959-5F0F-489A-8468-D242C17A36C8}" destId="{C79BEA28-5F21-4532-9188-1C7ABAA70D8F}" srcOrd="0" destOrd="0" presId="urn:microsoft.com/office/officeart/2005/8/layout/hierarchy2"/>
+    <dgm:cxn modelId="{EBDF1461-CA97-4833-A590-8DD626B23D7E}" type="presOf" srcId="{779B853E-8E32-480B-8726-6D7F90F79F45}" destId="{26C445C5-4FF3-4917-9A53-77D0B357F9B8}" srcOrd="1" destOrd="0" presId="urn:microsoft.com/office/officeart/2005/8/layout/hierarchy2"/>
+    <dgm:cxn modelId="{E294910F-1EC7-43F8-972B-8CC0404A3C30}" type="presOf" srcId="{1C0E55F7-5FB2-4E48-8149-913E77520486}" destId="{D50786B4-76D4-4E84-96A2-43CA01A74DF8}" srcOrd="0" destOrd="0" presId="urn:microsoft.com/office/officeart/2005/8/layout/hierarchy2"/>
+    <dgm:cxn modelId="{40D62DF1-BF91-4B62-9E0E-3628428104F0}" srcId="{1C0E55F7-5FB2-4E48-8149-913E77520486}" destId="{8532AD7D-7EE2-4007-A3F5-FD348991FF6F}" srcOrd="1" destOrd="0" parTransId="{DD4D1D16-CBD2-43EE-A7C9-814070E34D3A}" sibTransId="{C4059019-8137-4DB8-AF28-E6FFB55C576F}"/>
+    <dgm:cxn modelId="{41511535-6B13-46C2-A701-A47E7FA6CA61}" type="presOf" srcId="{8532AD7D-7EE2-4007-A3F5-FD348991FF6F}" destId="{6ADDB12E-F225-4DAA-8EEF-D28B268A5EC0}" srcOrd="0" destOrd="0" presId="urn:microsoft.com/office/officeart/2005/8/layout/hierarchy2"/>
     <dgm:cxn modelId="{3042C3FA-3646-497C-9376-7B65F4B1358F}" type="presParOf" srcId="{6F16B71C-2660-4279-AAE8-8E2A2C798710}" destId="{D55107E7-7B18-47C9-BBE5-4FFDE439A139}" srcOrd="0" destOrd="0" presId="urn:microsoft.com/office/officeart/2005/8/layout/hierarchy2"/>
     <dgm:cxn modelId="{7298C79F-0696-4CE0-A41A-EE8BFBC57104}" type="presParOf" srcId="{D55107E7-7B18-47C9-BBE5-4FFDE439A139}" destId="{D50786B4-76D4-4E84-96A2-43CA01A74DF8}" srcOrd="0" destOrd="0" presId="urn:microsoft.com/office/officeart/2005/8/layout/hierarchy2"/>
     <dgm:cxn modelId="{0043B9F3-1E8A-47C0-B041-D9E830E3EB68}" type="presParOf" srcId="{D55107E7-7B18-47C9-BBE5-4FFDE439A139}" destId="{19399A10-7F5B-467B-82D0-2BB2693584D2}" srcOrd="1" destOrd="0" presId="urn:microsoft.com/office/officeart/2005/8/layout/hierarchy2"/>
@@ -1374,8 +1375,8 @@
       </dsp:nvSpPr>
       <dsp:spPr>
         <a:xfrm>
-          <a:off x="4085" y="1722097"/>
-          <a:ext cx="2163534" cy="1081767"/>
+          <a:off x="7765" y="1738040"/>
+          <a:ext cx="1726764" cy="863382"/>
         </a:xfrm>
         <a:prstGeom prst="roundRect">
           <a:avLst>
@@ -1390,7 +1391,7 @@
             <a:alphaOff val="0"/>
           </a:schemeClr>
         </a:solidFill>
-        <a:ln w="25400" cap="flat" cmpd="sng" algn="ctr">
+        <a:ln w="25400" cap="flat" cmpd="dbl" algn="ctr">
           <a:solidFill>
             <a:schemeClr val="lt1">
               <a:hueOff val="0"/>
@@ -1442,8 +1443,8 @@
         </a:p>
       </dsp:txBody>
       <dsp:txXfrm>
-        <a:off x="35769" y="1753781"/>
-        <a:ext cx="2100166" cy="1018399"/>
+        <a:off x="33053" y="1763328"/>
+        <a:ext cx="1676188" cy="812806"/>
       </dsp:txXfrm>
     </dsp:sp>
     <dsp:sp modelId="{2DF3C455-C390-4894-945C-5945CEDF0695}">
@@ -1452,9 +1453,9 @@
         <dsp:cNvSpPr/>
       </dsp:nvSpPr>
       <dsp:spPr>
-        <a:xfrm rot="19457599">
-          <a:off x="2067446" y="1930462"/>
-          <a:ext cx="1065760" cy="43022"/>
+        <a:xfrm rot="19451147">
+          <a:off x="1654004" y="1902634"/>
+          <a:ext cx="851757" cy="35780"/>
         </a:xfrm>
         <a:custGeom>
           <a:avLst/>
@@ -1465,16 +1466,16 @@
           <a:pathLst>
             <a:path>
               <a:moveTo>
-                <a:pt x="0" y="21511"/>
+                <a:pt x="0" y="17890"/>
               </a:moveTo>
               <a:lnTo>
-                <a:pt x="1065760" y="21511"/>
+                <a:pt x="851757" y="17890"/>
               </a:lnTo>
             </a:path>
           </a:pathLst>
         </a:custGeom>
         <a:noFill/>
-        <a:ln w="25400" cap="flat" cmpd="sng" algn="ctr">
+        <a:ln w="25400" cap="flat" cmpd="dbl" algn="ctr">
           <a:solidFill>
             <a:schemeClr val="accent1">
               <a:shade val="60000"/>
@@ -1521,8 +1522,8 @@
         </a:p>
       </dsp:txBody>
       <dsp:txXfrm>
-        <a:off x="2573682" y="1925329"/>
-        <a:ext cx="53288" cy="53288"/>
+        <a:off x="2058588" y="1899230"/>
+        <a:ext cx="42587" cy="42587"/>
       </dsp:txXfrm>
     </dsp:sp>
     <dsp:sp modelId="{AA82381F-3358-4A1A-9B68-C283C04A3CEB}">
@@ -1532,8 +1533,8 @@
       </dsp:nvSpPr>
       <dsp:spPr>
         <a:xfrm>
-          <a:off x="3033032" y="1100081"/>
-          <a:ext cx="2163534" cy="1081767"/>
+          <a:off x="2425235" y="1239626"/>
+          <a:ext cx="2263460" cy="863382"/>
         </a:xfrm>
         <a:prstGeom prst="roundRect">
           <a:avLst>
@@ -1548,7 +1549,7 @@
             <a:alphaOff val="0"/>
           </a:schemeClr>
         </a:solidFill>
-        <a:ln w="25400" cap="flat" cmpd="sng" algn="ctr">
+        <a:ln w="25400" cap="flat" cmpd="dbl" algn="ctr">
           <a:solidFill>
             <a:schemeClr val="lt1">
               <a:hueOff val="0"/>
@@ -1600,8 +1601,8 @@
         </a:p>
       </dsp:txBody>
       <dsp:txXfrm>
-        <a:off x="3064716" y="1131765"/>
-        <a:ext cx="2100166" cy="1018399"/>
+        <a:off x="2450523" y="1264914"/>
+        <a:ext cx="2212884" cy="812806"/>
       </dsp:txXfrm>
     </dsp:sp>
     <dsp:sp modelId="{6CBF796B-60DB-48FC-99B1-668282A960CE}">
@@ -1611,8 +1612,8 @@
       </dsp:nvSpPr>
       <dsp:spPr>
         <a:xfrm>
-          <a:off x="5196567" y="1619454"/>
-          <a:ext cx="865413" cy="43022"/>
+          <a:off x="4688696" y="1653427"/>
+          <a:ext cx="690705" cy="35780"/>
         </a:xfrm>
         <a:custGeom>
           <a:avLst/>
@@ -1623,16 +1624,16 @@
           <a:pathLst>
             <a:path>
               <a:moveTo>
-                <a:pt x="0" y="21511"/>
+                <a:pt x="0" y="17890"/>
               </a:moveTo>
               <a:lnTo>
-                <a:pt x="865413" y="21511"/>
+                <a:pt x="690705" y="17890"/>
               </a:lnTo>
             </a:path>
           </a:pathLst>
         </a:custGeom>
         <a:noFill/>
-        <a:ln w="25400" cap="flat" cmpd="sng" algn="ctr">
+        <a:ln w="25400" cap="flat" cmpd="dbl" algn="ctr">
           <a:solidFill>
             <a:schemeClr val="accent1">
               <a:shade val="80000"/>
@@ -1679,8 +1680,8 @@
         </a:p>
       </dsp:txBody>
       <dsp:txXfrm>
-        <a:off x="5607638" y="1619330"/>
-        <a:ext cx="43270" cy="43270"/>
+        <a:off x="5016781" y="1654050"/>
+        <a:ext cx="34535" cy="34535"/>
       </dsp:txXfrm>
     </dsp:sp>
     <dsp:sp modelId="{C79BEA28-5F21-4532-9188-1C7ABAA70D8F}">
@@ -1690,8 +1691,8 @@
       </dsp:nvSpPr>
       <dsp:spPr>
         <a:xfrm>
-          <a:off x="6061980" y="1100081"/>
-          <a:ext cx="2163534" cy="1081767"/>
+          <a:off x="5379401" y="1239626"/>
+          <a:ext cx="2375751" cy="863382"/>
         </a:xfrm>
         <a:prstGeom prst="roundRect">
           <a:avLst>
@@ -1706,7 +1707,7 @@
             <a:alphaOff val="0"/>
           </a:schemeClr>
         </a:solidFill>
-        <a:ln w="25400" cap="flat" cmpd="sng" algn="ctr">
+        <a:ln w="25400" cap="flat" cmpd="dbl" algn="ctr">
           <a:solidFill>
             <a:schemeClr val="lt1">
               <a:hueOff val="0"/>
@@ -1734,12 +1735,12 @@
         </a:fontRef>
       </dsp:style>
       <dsp:txBody>
-        <a:bodyPr spcFirstLastPara="0" vert="horz" wrap="square" lIns="19050" tIns="19050" rIns="19050" bIns="19050" numCol="1" spcCol="1270" anchor="ctr" anchorCtr="0">
+        <a:bodyPr spcFirstLastPara="0" vert="horz" wrap="square" lIns="13970" tIns="13970" rIns="13970" bIns="13970" numCol="1" spcCol="1270" anchor="ctr" anchorCtr="0">
           <a:noAutofit/>
         </a:bodyPr>
         <a:lstStyle/>
         <a:p>
-          <a:pPr lvl="0" algn="ctr" defTabSz="1333500">
+          <a:pPr lvl="0" algn="ctr" defTabSz="977900">
             <a:lnSpc>
               <a:spcPct val="90000"/>
             </a:lnSpc>
@@ -1751,15 +1752,15 @@
             </a:spcAft>
           </a:pPr>
           <a:r>
-            <a:rPr lang="nl-BE" sz="3000" kern="1200" dirty="0" smtClean="0"/>
+            <a:rPr lang="nl-BE" sz="2200" kern="1200" dirty="0" smtClean="0"/>
             <a:t>Live prototype</a:t>
           </a:r>
-          <a:endParaRPr lang="nl-BE" sz="3000" kern="1200" dirty="0"/>
+          <a:endParaRPr lang="nl-BE" sz="2200" kern="1200" dirty="0"/>
         </a:p>
       </dsp:txBody>
       <dsp:txXfrm>
-        <a:off x="6093664" y="1131765"/>
-        <a:ext cx="2100166" cy="1018399"/>
+        <a:off x="5404689" y="1264914"/>
+        <a:ext cx="2325175" cy="812806"/>
       </dsp:txXfrm>
     </dsp:sp>
     <dsp:sp modelId="{67F8769C-B753-45D8-B0B1-EC206E48ED9F}">
@@ -1768,9 +1769,9 @@
         <dsp:cNvSpPr/>
       </dsp:nvSpPr>
       <dsp:spPr>
-        <a:xfrm rot="2142401">
-          <a:off x="2067446" y="2552478"/>
-          <a:ext cx="1065760" cy="43022"/>
+        <a:xfrm rot="2148853">
+          <a:off x="1654004" y="2401047"/>
+          <a:ext cx="851757" cy="35780"/>
         </a:xfrm>
         <a:custGeom>
           <a:avLst/>
@@ -1781,16 +1782,16 @@
           <a:pathLst>
             <a:path>
               <a:moveTo>
-                <a:pt x="0" y="21511"/>
+                <a:pt x="0" y="17890"/>
               </a:moveTo>
               <a:lnTo>
-                <a:pt x="1065760" y="21511"/>
+                <a:pt x="851757" y="17890"/>
               </a:lnTo>
             </a:path>
           </a:pathLst>
         </a:custGeom>
         <a:noFill/>
-        <a:ln w="25400" cap="flat" cmpd="sng" algn="ctr">
+        <a:ln w="25400" cap="flat" cmpd="dbl" algn="ctr">
           <a:solidFill>
             <a:schemeClr val="accent1">
               <a:shade val="60000"/>
@@ -1837,8 +1838,8 @@
         </a:p>
       </dsp:txBody>
       <dsp:txXfrm>
-        <a:off x="2573682" y="2547345"/>
-        <a:ext cx="53288" cy="53288"/>
+        <a:off x="2058588" y="2397644"/>
+        <a:ext cx="42587" cy="42587"/>
       </dsp:txXfrm>
     </dsp:sp>
     <dsp:sp modelId="{6ADDB12E-F225-4DAA-8EEF-D28B268A5EC0}">
@@ -1848,8 +1849,8 @@
       </dsp:nvSpPr>
       <dsp:spPr>
         <a:xfrm>
-          <a:off x="3033032" y="2344114"/>
-          <a:ext cx="2163534" cy="1081767"/>
+          <a:off x="2425235" y="2236453"/>
+          <a:ext cx="2549015" cy="863382"/>
         </a:xfrm>
         <a:prstGeom prst="roundRect">
           <a:avLst>
@@ -1864,7 +1865,7 @@
             <a:alphaOff val="0"/>
           </a:schemeClr>
         </a:solidFill>
-        <a:ln w="25400" cap="flat" cmpd="sng" algn="ctr">
+        <a:ln w="25400" cap="flat" cmpd="dbl" algn="ctr">
           <a:solidFill>
             <a:schemeClr val="lt1">
               <a:hueOff val="0"/>
@@ -1916,8 +1917,8 @@
         </a:p>
       </dsp:txBody>
       <dsp:txXfrm>
-        <a:off x="3064716" y="2375798"/>
-        <a:ext cx="2100166" cy="1018399"/>
+        <a:off x="2450523" y="2261741"/>
+        <a:ext cx="2498439" cy="812806"/>
       </dsp:txXfrm>
     </dsp:sp>
     <dsp:sp modelId="{4EB53B17-163D-4E4E-99AA-789A7AB458C4}">
@@ -1927,8 +1928,8 @@
       </dsp:nvSpPr>
       <dsp:spPr>
         <a:xfrm>
-          <a:off x="5196567" y="2863486"/>
-          <a:ext cx="865413" cy="43022"/>
+          <a:off x="4974251" y="2650254"/>
+          <a:ext cx="690705" cy="35780"/>
         </a:xfrm>
         <a:custGeom>
           <a:avLst/>
@@ -1939,16 +1940,16 @@
           <a:pathLst>
             <a:path>
               <a:moveTo>
-                <a:pt x="0" y="21511"/>
+                <a:pt x="0" y="17890"/>
               </a:moveTo>
               <a:lnTo>
-                <a:pt x="865413" y="21511"/>
+                <a:pt x="690705" y="17890"/>
               </a:lnTo>
             </a:path>
           </a:pathLst>
         </a:custGeom>
         <a:noFill/>
-        <a:ln w="25400" cap="flat" cmpd="sng" algn="ctr">
+        <a:ln w="25400" cap="flat" cmpd="dbl" algn="ctr">
           <a:solidFill>
             <a:schemeClr val="accent1">
               <a:shade val="80000"/>
@@ -1995,8 +1996,8 @@
         </a:p>
       </dsp:txBody>
       <dsp:txXfrm>
-        <a:off x="5607638" y="2863362"/>
-        <a:ext cx="43270" cy="43270"/>
+        <a:off x="5302336" y="2650877"/>
+        <a:ext cx="34535" cy="34535"/>
       </dsp:txXfrm>
     </dsp:sp>
     <dsp:sp modelId="{30A78D99-01E9-4FD6-B365-8A0A655DF402}">
@@ -2006,8 +2007,8 @@
       </dsp:nvSpPr>
       <dsp:spPr>
         <a:xfrm>
-          <a:off x="6061980" y="2344114"/>
-          <a:ext cx="2163534" cy="1081767"/>
+          <a:off x="5664957" y="2232516"/>
+          <a:ext cx="2369552" cy="871256"/>
         </a:xfrm>
         <a:prstGeom prst="roundRect">
           <a:avLst>
@@ -2022,7 +2023,7 @@
             <a:alphaOff val="0"/>
           </a:schemeClr>
         </a:solidFill>
-        <a:ln w="25400" cap="flat" cmpd="sng" algn="ctr">
+        <a:ln w="25400" cap="flat" cmpd="dbl" algn="ctr">
           <a:solidFill>
             <a:schemeClr val="lt1">
               <a:hueOff val="0"/>
@@ -2050,12 +2051,12 @@
         </a:fontRef>
       </dsp:style>
       <dsp:txBody>
-        <a:bodyPr spcFirstLastPara="0" vert="horz" wrap="square" lIns="19050" tIns="19050" rIns="19050" bIns="19050" numCol="1" spcCol="1270" anchor="ctr" anchorCtr="0">
+        <a:bodyPr spcFirstLastPara="0" vert="horz" wrap="square" lIns="13970" tIns="13970" rIns="13970" bIns="13970" numCol="1" spcCol="1270" anchor="ctr" anchorCtr="0">
           <a:noAutofit/>
         </a:bodyPr>
         <a:lstStyle/>
         <a:p>
-          <a:pPr lvl="0" algn="ctr" defTabSz="1333500">
+          <a:pPr lvl="0" algn="ctr" defTabSz="977900">
             <a:lnSpc>
               <a:spcPct val="90000"/>
             </a:lnSpc>
@@ -2067,19 +2068,31 @@
             </a:spcAft>
           </a:pPr>
           <a:r>
-            <a:rPr lang="nl-BE" sz="3000" kern="1200" dirty="0" err="1" smtClean="0"/>
-            <a:t>goo.gl</a:t>
+            <a:rPr lang="nl-BE" sz="2200" kern="1200" dirty="0" smtClean="0">
+              <a:hlinkClick xmlns:r="http://schemas.openxmlformats.org/officeDocument/2006/relationships" r:id="rId1"/>
+            </a:rPr>
+            <a:t>Calendar.html</a:t>
           </a:r>
-          <a:r>
-            <a:rPr lang="nl-BE" sz="3000" kern="1200" dirty="0" smtClean="0"/>
-            <a:t>/Ycl6iG</a:t>
-          </a:r>
-          <a:endParaRPr lang="nl-BE" sz="3000" kern="1200" dirty="0"/>
+          <a:endParaRPr lang="nl-BE" sz="2200" kern="1200" dirty="0" smtClean="0"/>
+        </a:p>
+        <a:p>
+          <a:pPr lvl="0" algn="ctr" defTabSz="977900">
+            <a:lnSpc>
+              <a:spcPct val="90000"/>
+            </a:lnSpc>
+            <a:spcBef>
+              <a:spcPct val="0"/>
+            </a:spcBef>
+            <a:spcAft>
+              <a:spcPct val="35000"/>
+            </a:spcAft>
+          </a:pPr>
+          <a:endParaRPr lang="nl-BE" sz="2200" kern="1200" dirty="0" smtClean="0"/>
         </a:p>
       </dsp:txBody>
       <dsp:txXfrm>
-        <a:off x="6093664" y="2375798"/>
-        <a:ext cx="2100166" cy="1018399"/>
+        <a:off x="5690475" y="2258034"/>
+        <a:ext cx="2318516" cy="820220"/>
       </dsp:txXfrm>
     </dsp:sp>
   </dsp:spTree>
@@ -3442,7 +3455,348 @@
 
 <file path=ppt/slideLayouts/slideLayout1.xml><?xml version="1.0" encoding="utf-8"?>
 <p:sldLayout xmlns:a="http://schemas.openxmlformats.org/drawingml/2006/main" xmlns:r="http://schemas.openxmlformats.org/officeDocument/2006/relationships" xmlns:p="http://schemas.openxmlformats.org/presentationml/2006/main" type="title" preserve="1">
-  <p:cSld name="Title Slide">
+  <p:cSld name="Titeldia">
+    <p:spTree>
+      <p:nvGrpSpPr>
+        <p:cNvPr id="1" name=""/>
+        <p:cNvGrpSpPr/>
+        <p:nvPr/>
+      </p:nvGrpSpPr>
+      <p:grpSpPr>
+        <a:xfrm>
+          <a:off x="0" y="0"/>
+          <a:ext cx="0" cy="0"/>
+          <a:chOff x="0" y="0"/>
+          <a:chExt cx="0" cy="0"/>
+        </a:xfrm>
+      </p:grpSpPr>
+      <p:sp>
+        <p:nvSpPr>
+          <p:cNvPr id="7" name="Rectangle 6"/>
+          <p:cNvSpPr/>
+          <p:nvPr/>
+        </p:nvSpPr>
+        <p:spPr>
+          <a:xfrm>
+            <a:off x="1328166" y="1295400"/>
+            <a:ext cx="6487668" cy="3152887"/>
+          </a:xfrm>
+          <a:prstGeom prst="rect">
+            <a:avLst/>
+          </a:prstGeom>
+          <a:ln w="3175">
+            <a:solidFill>
+              <a:schemeClr val="bg1"/>
+            </a:solidFill>
+          </a:ln>
+          <a:effectLst>
+            <a:outerShdw blurRad="63500" sx="100500" sy="100500" algn="ctr" rotWithShape="0">
+              <a:prstClr val="black">
+                <a:alpha val="50000"/>
+              </a:prstClr>
+            </a:outerShdw>
+          </a:effectLst>
+        </p:spPr>
+        <p:txBody>
+          <a:bodyPr vert="horz" lIns="91440" tIns="45720" rIns="91440" bIns="45720" rtlCol="0">
+            <a:normAutofit/>
+          </a:bodyPr>
+          <a:lstStyle/>
+          <a:p>
+            <a:pPr marL="0" indent="0" algn="l" defTabSz="914400" rtl="0" eaLnBrk="1" latinLnBrk="0" hangingPunct="1">
+              <a:spcBef>
+                <a:spcPts val="2000"/>
+              </a:spcBef>
+              <a:buClr>
+                <a:schemeClr val="accent1">
+                  <a:lumMod val="60000"/>
+                  <a:lumOff val="40000"/>
+                </a:schemeClr>
+              </a:buClr>
+              <a:buSzPct val="110000"/>
+              <a:buFont typeface="Wingdings 2" pitchFamily="18" charset="2"/>
+              <a:buNone/>
+            </a:pPr>
+            <a:endParaRPr sz="3200" kern="1200">
+              <a:solidFill>
+                <a:schemeClr val="tx1">
+                  <a:lumMod val="65000"/>
+                  <a:lumOff val="35000"/>
+                </a:schemeClr>
+              </a:solidFill>
+              <a:latin typeface="+mn-lt"/>
+              <a:ea typeface="+mn-ea"/>
+              <a:cs typeface="+mn-cs"/>
+            </a:endParaRPr>
+          </a:p>
+        </p:txBody>
+      </p:sp>
+      <p:sp>
+        <p:nvSpPr>
+          <p:cNvPr id="2" name="Title 1"/>
+          <p:cNvSpPr>
+            <a:spLocks noGrp="1"/>
+          </p:cNvSpPr>
+          <p:nvPr>
+            <p:ph type="ctrTitle"/>
+          </p:nvPr>
+        </p:nvSpPr>
+        <p:spPr>
+          <a:xfrm>
+            <a:off x="1322921" y="1523999"/>
+            <a:ext cx="6498158" cy="1724867"/>
+          </a:xfrm>
+        </p:spPr>
+        <p:txBody>
+          <a:bodyPr vert="horz" lIns="91440" tIns="45720" rIns="91440" bIns="45720" rtlCol="0" anchor="b" anchorCtr="0">
+            <a:noAutofit/>
+          </a:bodyPr>
+          <a:lstStyle>
+            <a:lvl1pPr marL="0" indent="0" algn="ctr" defTabSz="914400" rtl="0" eaLnBrk="1" latinLnBrk="0" hangingPunct="1">
+              <a:spcBef>
+                <a:spcPct val="0"/>
+              </a:spcBef>
+              <a:buClr>
+                <a:schemeClr val="accent1">
+                  <a:lumMod val="60000"/>
+                  <a:lumOff val="40000"/>
+                </a:schemeClr>
+              </a:buClr>
+              <a:buSzPct val="110000"/>
+              <a:buFont typeface="Wingdings 2" pitchFamily="18" charset="2"/>
+              <a:buNone/>
+              <a:defRPr sz="4600" kern="1200">
+                <a:solidFill>
+                  <a:schemeClr val="accent1"/>
+                </a:solidFill>
+                <a:latin typeface="+mj-lt"/>
+                <a:ea typeface="+mj-ea"/>
+                <a:cs typeface="+mj-cs"/>
+              </a:defRPr>
+            </a:lvl1pPr>
+          </a:lstStyle>
+          <a:p>
+            <a:r>
+              <a:rPr lang="nl-BE" smtClean="0"/>
+              <a:t>Titelstijl van model bewerken</a:t>
+            </a:r>
+            <a:endParaRPr/>
+          </a:p>
+        </p:txBody>
+      </p:sp>
+      <p:sp>
+        <p:nvSpPr>
+          <p:cNvPr id="3" name="Subtitle 2"/>
+          <p:cNvSpPr>
+            <a:spLocks noGrp="1"/>
+          </p:cNvSpPr>
+          <p:nvPr>
+            <p:ph type="subTitle" idx="1"/>
+          </p:nvPr>
+        </p:nvSpPr>
+        <p:spPr>
+          <a:xfrm>
+            <a:off x="1322921" y="3299012"/>
+            <a:ext cx="6498159" cy="916641"/>
+          </a:xfrm>
+        </p:spPr>
+        <p:txBody>
+          <a:bodyPr vert="horz" lIns="91440" tIns="45720" rIns="91440" bIns="45720" rtlCol="0">
+            <a:normAutofit/>
+          </a:bodyPr>
+          <a:lstStyle>
+            <a:lvl1pPr marL="0" indent="0" algn="ctr" defTabSz="914400" rtl="0" eaLnBrk="1" latinLnBrk="0" hangingPunct="1">
+              <a:spcBef>
+                <a:spcPts val="300"/>
+              </a:spcBef>
+              <a:buClr>
+                <a:schemeClr val="accent1">
+                  <a:lumMod val="60000"/>
+                  <a:lumOff val="40000"/>
+                </a:schemeClr>
+              </a:buClr>
+              <a:buSzPct val="110000"/>
+              <a:buFont typeface="Wingdings 2" pitchFamily="18" charset="2"/>
+              <a:buNone/>
+              <a:defRPr sz="1800" kern="1200">
+                <a:solidFill>
+                  <a:schemeClr val="tx1">
+                    <a:tint val="75000"/>
+                  </a:schemeClr>
+                </a:solidFill>
+                <a:latin typeface="+mn-lt"/>
+                <a:ea typeface="+mn-ea"/>
+                <a:cs typeface="+mn-cs"/>
+              </a:defRPr>
+            </a:lvl1pPr>
+            <a:lvl2pPr marL="457200" indent="0" algn="ctr">
+              <a:buNone/>
+              <a:defRPr>
+                <a:solidFill>
+                  <a:schemeClr val="tx1">
+                    <a:tint val="75000"/>
+                  </a:schemeClr>
+                </a:solidFill>
+              </a:defRPr>
+            </a:lvl2pPr>
+            <a:lvl3pPr marL="914400" indent="0" algn="ctr">
+              <a:buNone/>
+              <a:defRPr>
+                <a:solidFill>
+                  <a:schemeClr val="tx1">
+                    <a:tint val="75000"/>
+                  </a:schemeClr>
+                </a:solidFill>
+              </a:defRPr>
+            </a:lvl3pPr>
+            <a:lvl4pPr marL="1371600" indent="0" algn="ctr">
+              <a:buNone/>
+              <a:defRPr>
+                <a:solidFill>
+                  <a:schemeClr val="tx1">
+                    <a:tint val="75000"/>
+                  </a:schemeClr>
+                </a:solidFill>
+              </a:defRPr>
+            </a:lvl4pPr>
+            <a:lvl5pPr marL="1828800" indent="0" algn="ctr">
+              <a:buNone/>
+              <a:defRPr>
+                <a:solidFill>
+                  <a:schemeClr val="tx1">
+                    <a:tint val="75000"/>
+                  </a:schemeClr>
+                </a:solidFill>
+              </a:defRPr>
+            </a:lvl5pPr>
+            <a:lvl6pPr marL="2286000" indent="0" algn="ctr">
+              <a:buNone/>
+              <a:defRPr>
+                <a:solidFill>
+                  <a:schemeClr val="tx1">
+                    <a:tint val="75000"/>
+                  </a:schemeClr>
+                </a:solidFill>
+              </a:defRPr>
+            </a:lvl6pPr>
+            <a:lvl7pPr marL="2743200" indent="0" algn="ctr">
+              <a:buNone/>
+              <a:defRPr>
+                <a:solidFill>
+                  <a:schemeClr val="tx1">
+                    <a:tint val="75000"/>
+                  </a:schemeClr>
+                </a:solidFill>
+              </a:defRPr>
+            </a:lvl7pPr>
+            <a:lvl8pPr marL="3200400" indent="0" algn="ctr">
+              <a:buNone/>
+              <a:defRPr>
+                <a:solidFill>
+                  <a:schemeClr val="tx1">
+                    <a:tint val="75000"/>
+                  </a:schemeClr>
+                </a:solidFill>
+              </a:defRPr>
+            </a:lvl8pPr>
+            <a:lvl9pPr marL="3657600" indent="0" algn="ctr">
+              <a:buNone/>
+              <a:defRPr>
+                <a:solidFill>
+                  <a:schemeClr val="tx1">
+                    <a:tint val="75000"/>
+                  </a:schemeClr>
+                </a:solidFill>
+              </a:defRPr>
+            </a:lvl9pPr>
+          </a:lstStyle>
+          <a:p>
+            <a:r>
+              <a:rPr lang="nl-BE" smtClean="0"/>
+              <a:t>Klik om de titelstijl van het model te bewerken</a:t>
+            </a:r>
+            <a:endParaRPr dirty="0"/>
+          </a:p>
+        </p:txBody>
+      </p:sp>
+      <p:sp>
+        <p:nvSpPr>
+          <p:cNvPr id="4" name="Date Placeholder 3"/>
+          <p:cNvSpPr>
+            <a:spLocks noGrp="1"/>
+          </p:cNvSpPr>
+          <p:nvPr>
+            <p:ph type="dt" sz="half" idx="10"/>
+          </p:nvPr>
+        </p:nvSpPr>
+        <p:spPr/>
+        <p:txBody>
+          <a:bodyPr/>
+          <a:lstStyle/>
+          <a:p>
+            <a:fld id="{C29160A7-5F71-2B44-B5DD-B5EECC5B0C89}" type="datetimeFigureOut">
+              <a:rPr lang="en-US" smtClean="0"/>
+              <a:pPr/>
+              <a:t>24/11/14</a:t>
+            </a:fld>
+            <a:endParaRPr lang="nl-BE"/>
+          </a:p>
+        </p:txBody>
+      </p:sp>
+      <p:sp>
+        <p:nvSpPr>
+          <p:cNvPr id="5" name="Footer Placeholder 4"/>
+          <p:cNvSpPr>
+            <a:spLocks noGrp="1"/>
+          </p:cNvSpPr>
+          <p:nvPr>
+            <p:ph type="ftr" sz="quarter" idx="11"/>
+          </p:nvPr>
+        </p:nvSpPr>
+        <p:spPr/>
+        <p:txBody>
+          <a:bodyPr/>
+          <a:lstStyle/>
+          <a:p>
+            <a:endParaRPr lang="nl-BE"/>
+          </a:p>
+        </p:txBody>
+      </p:sp>
+      <p:sp>
+        <p:nvSpPr>
+          <p:cNvPr id="6" name="Slide Number Placeholder 5"/>
+          <p:cNvSpPr>
+            <a:spLocks noGrp="1"/>
+          </p:cNvSpPr>
+          <p:nvPr>
+            <p:ph type="sldNum" sz="quarter" idx="12"/>
+          </p:nvPr>
+        </p:nvSpPr>
+        <p:spPr/>
+        <p:txBody>
+          <a:bodyPr/>
+          <a:lstStyle/>
+          <a:p>
+            <a:fld id="{399A7B18-4CF9-2C4D-A962-DC5233A676A7}" type="slidenum">
+              <a:rPr lang="nl-BE" smtClean="0"/>
+              <a:pPr/>
+              <a:t>‹nr.›</a:t>
+            </a:fld>
+            <a:endParaRPr lang="nl-BE"/>
+          </a:p>
+        </p:txBody>
+      </p:sp>
+    </p:spTree>
+  </p:cSld>
+  <p:clrMapOvr>
+    <a:masterClrMapping/>
+  </p:clrMapOvr>
+</p:sldLayout>
+</file>
+
+<file path=ppt/slideLayouts/slideLayout10.xml><?xml version="1.0" encoding="utf-8"?>
+<p:sldLayout xmlns:a="http://schemas.openxmlformats.org/drawingml/2006/main" xmlns:r="http://schemas.openxmlformats.org/officeDocument/2006/relationships" xmlns:p="http://schemas.openxmlformats.org/presentationml/2006/main" preserve="1">
+  <p:cSld name="Afbeelding met bijschrift">
     <p:spTree>
       <p:nvGrpSpPr>
         <p:cNvPr id="1" name=""/>
@@ -3464,149 +3818,104 @@
             <a:spLocks noGrp="1"/>
           </p:cNvSpPr>
           <p:nvPr>
-            <p:ph type="ctrTitle"/>
+            <p:ph type="title"/>
           </p:nvPr>
         </p:nvSpPr>
         <p:spPr>
           <a:xfrm>
-            <a:off x="685800" y="2130425"/>
-            <a:ext cx="7772400" cy="1470025"/>
+            <a:off x="533398" y="611872"/>
+            <a:ext cx="4079545" cy="1162050"/>
           </a:xfrm>
         </p:spPr>
         <p:txBody>
-          <a:bodyPr/>
-          <a:lstStyle/>
-          <a:p>
-            <a:r>
-              <a:rPr lang="fr-FR" smtClean="0"/>
-              <a:t>Click to edit Master title style</a:t>
-            </a:r>
-            <a:endParaRPr lang="nl-BE"/>
+          <a:bodyPr anchor="b"/>
+          <a:lstStyle>
+            <a:lvl1pPr algn="ctr">
+              <a:defRPr sz="3600" b="0"/>
+            </a:lvl1pPr>
+          </a:lstStyle>
+          <a:p>
+            <a:r>
+              <a:rPr lang="nl-BE" smtClean="0"/>
+              <a:t>Titelstijl van model bewerken</a:t>
+            </a:r>
+            <a:endParaRPr/>
           </a:p>
         </p:txBody>
       </p:sp>
       <p:sp>
         <p:nvSpPr>
-          <p:cNvPr id="3" name="Subtitle 2"/>
+          <p:cNvPr id="4" name="Text Placeholder 3"/>
           <p:cNvSpPr>
             <a:spLocks noGrp="1"/>
           </p:cNvSpPr>
           <p:nvPr>
-            <p:ph type="subTitle" idx="1"/>
+            <p:ph type="body" sz="half" idx="2"/>
           </p:nvPr>
         </p:nvSpPr>
         <p:spPr>
           <a:xfrm>
-            <a:off x="1371600" y="3886200"/>
-            <a:ext cx="6400800" cy="1752600"/>
+            <a:off x="533398" y="1787856"/>
+            <a:ext cx="4079545" cy="3720152"/>
           </a:xfrm>
         </p:spPr>
         <p:txBody>
-          <a:bodyPr/>
+          <a:bodyPr>
+            <a:normAutofit/>
+          </a:bodyPr>
           <a:lstStyle>
             <a:lvl1pPr marL="0" indent="0" algn="ctr">
-              <a:buNone/>
-              <a:defRPr>
-                <a:solidFill>
-                  <a:schemeClr val="tx1">
-                    <a:tint val="75000"/>
-                  </a:schemeClr>
-                </a:solidFill>
-              </a:defRPr>
+              <a:spcBef>
+                <a:spcPts val="600"/>
+              </a:spcBef>
+              <a:buNone/>
+              <a:defRPr sz="1800"/>
             </a:lvl1pPr>
-            <a:lvl2pPr marL="457200" indent="0" algn="ctr">
-              <a:buNone/>
-              <a:defRPr>
-                <a:solidFill>
-                  <a:schemeClr val="tx1">
-                    <a:tint val="75000"/>
-                  </a:schemeClr>
-                </a:solidFill>
-              </a:defRPr>
+            <a:lvl2pPr marL="457200" indent="0">
+              <a:buNone/>
+              <a:defRPr sz="1200"/>
             </a:lvl2pPr>
-            <a:lvl3pPr marL="914400" indent="0" algn="ctr">
-              <a:buNone/>
-              <a:defRPr>
-                <a:solidFill>
-                  <a:schemeClr val="tx1">
-                    <a:tint val="75000"/>
-                  </a:schemeClr>
-                </a:solidFill>
-              </a:defRPr>
+            <a:lvl3pPr marL="914400" indent="0">
+              <a:buNone/>
+              <a:defRPr sz="1000"/>
             </a:lvl3pPr>
-            <a:lvl4pPr marL="1371600" indent="0" algn="ctr">
-              <a:buNone/>
-              <a:defRPr>
-                <a:solidFill>
-                  <a:schemeClr val="tx1">
-                    <a:tint val="75000"/>
-                  </a:schemeClr>
-                </a:solidFill>
-              </a:defRPr>
+            <a:lvl4pPr marL="1371600" indent="0">
+              <a:buNone/>
+              <a:defRPr sz="900"/>
             </a:lvl4pPr>
-            <a:lvl5pPr marL="1828800" indent="0" algn="ctr">
-              <a:buNone/>
-              <a:defRPr>
-                <a:solidFill>
-                  <a:schemeClr val="tx1">
-                    <a:tint val="75000"/>
-                  </a:schemeClr>
-                </a:solidFill>
-              </a:defRPr>
+            <a:lvl5pPr marL="1828800" indent="0">
+              <a:buNone/>
+              <a:defRPr sz="900"/>
             </a:lvl5pPr>
-            <a:lvl6pPr marL="2286000" indent="0" algn="ctr">
-              <a:buNone/>
-              <a:defRPr>
-                <a:solidFill>
-                  <a:schemeClr val="tx1">
-                    <a:tint val="75000"/>
-                  </a:schemeClr>
-                </a:solidFill>
-              </a:defRPr>
+            <a:lvl6pPr marL="2286000" indent="0">
+              <a:buNone/>
+              <a:defRPr sz="900"/>
             </a:lvl6pPr>
-            <a:lvl7pPr marL="2743200" indent="0" algn="ctr">
-              <a:buNone/>
-              <a:defRPr>
-                <a:solidFill>
-                  <a:schemeClr val="tx1">
-                    <a:tint val="75000"/>
-                  </a:schemeClr>
-                </a:solidFill>
-              </a:defRPr>
+            <a:lvl7pPr marL="2743200" indent="0">
+              <a:buNone/>
+              <a:defRPr sz="900"/>
             </a:lvl7pPr>
-            <a:lvl8pPr marL="3200400" indent="0" algn="ctr">
-              <a:buNone/>
-              <a:defRPr>
-                <a:solidFill>
-                  <a:schemeClr val="tx1">
-                    <a:tint val="75000"/>
-                  </a:schemeClr>
-                </a:solidFill>
-              </a:defRPr>
+            <a:lvl8pPr marL="3200400" indent="0">
+              <a:buNone/>
+              <a:defRPr sz="900"/>
             </a:lvl8pPr>
-            <a:lvl9pPr marL="3657600" indent="0" algn="ctr">
-              <a:buNone/>
-              <a:defRPr>
-                <a:solidFill>
-                  <a:schemeClr val="tx1">
-                    <a:tint val="75000"/>
-                  </a:schemeClr>
-                </a:solidFill>
-              </a:defRPr>
+            <a:lvl9pPr marL="3657600" indent="0">
+              <a:buNone/>
+              <a:defRPr sz="900"/>
             </a:lvl9pPr>
           </a:lstStyle>
           <a:p>
-            <a:r>
-              <a:rPr lang="fr-FR" smtClean="0"/>
-              <a:t>Click to edit Master subtitle style</a:t>
-            </a:r>
-            <a:endParaRPr lang="nl-BE"/>
+            <a:pPr lvl="0"/>
+            <a:r>
+              <a:rPr lang="nl-BE" smtClean="0"/>
+              <a:t>Klik om de tekststijl van het model te bewerken</a:t>
+            </a:r>
           </a:p>
         </p:txBody>
       </p:sp>
       <p:sp>
         <p:nvSpPr>
-          <p:cNvPr id="4" name="Date Placeholder 3"/>
+          <p:cNvPr id="5" name="Date Placeholder 4"/>
           <p:cNvSpPr>
             <a:spLocks noGrp="1"/>
           </p:cNvSpPr>
@@ -3622,7 +3931,7 @@
             <a:fld id="{C29160A7-5F71-2B44-B5DD-B5EECC5B0C89}" type="datetimeFigureOut">
               <a:rPr lang="en-US" smtClean="0"/>
               <a:pPr/>
-              <a:t>11/23/2014</a:t>
+              <a:t>24/11/14</a:t>
             </a:fld>
             <a:endParaRPr lang="nl-BE"/>
           </a:p>
@@ -3630,7 +3939,7 @@
       </p:sp>
       <p:sp>
         <p:nvSpPr>
-          <p:cNvPr id="5" name="Footer Placeholder 4"/>
+          <p:cNvPr id="6" name="Footer Placeholder 5"/>
           <p:cNvSpPr>
             <a:spLocks noGrp="1"/>
           </p:cNvSpPr>
@@ -3649,7 +3958,7 @@
       </p:sp>
       <p:sp>
         <p:nvSpPr>
-          <p:cNvPr id="6" name="Slide Number Placeholder 5"/>
+          <p:cNvPr id="7" name="Slide Number Placeholder 6"/>
           <p:cNvSpPr>
             <a:spLocks noGrp="1"/>
           </p:cNvSpPr>
@@ -3671,12 +3980,107 @@
           </a:p>
         </p:txBody>
       </p:sp>
+      <p:sp>
+        <p:nvSpPr>
+          <p:cNvPr id="8" name="Picture Placeholder 2"/>
+          <p:cNvSpPr>
+            <a:spLocks noGrp="1"/>
+          </p:cNvSpPr>
+          <p:nvPr>
+            <p:ph type="pic" idx="1"/>
+          </p:nvPr>
+        </p:nvSpPr>
+        <p:spPr>
+          <a:xfrm>
+            <a:off x="5090617" y="359392"/>
+            <a:ext cx="3657600" cy="5318077"/>
+          </a:xfrm>
+          <a:ln w="3175">
+            <a:solidFill>
+              <a:schemeClr val="bg1"/>
+            </a:solidFill>
+          </a:ln>
+          <a:effectLst>
+            <a:outerShdw blurRad="63500" sx="100500" sy="100500" algn="ctr" rotWithShape="0">
+              <a:prstClr val="black">
+                <a:alpha val="50000"/>
+              </a:prstClr>
+            </a:outerShdw>
+          </a:effectLst>
+        </p:spPr>
+        <p:txBody>
+          <a:bodyPr vert="horz" lIns="91440" tIns="45720" rIns="91440" bIns="45720" rtlCol="0">
+            <a:normAutofit/>
+          </a:bodyPr>
+          <a:lstStyle>
+            <a:lvl1pPr marL="0" indent="0" algn="l" defTabSz="914400" rtl="0" eaLnBrk="1" latinLnBrk="0" hangingPunct="1">
+              <a:spcBef>
+                <a:spcPts val="2000"/>
+              </a:spcBef>
+              <a:buClr>
+                <a:schemeClr val="accent1">
+                  <a:lumMod val="60000"/>
+                  <a:lumOff val="40000"/>
+                </a:schemeClr>
+              </a:buClr>
+              <a:buSzPct val="110000"/>
+              <a:buFont typeface="Wingdings 2" pitchFamily="18" charset="2"/>
+              <a:buNone/>
+              <a:defRPr sz="3200" kern="1200">
+                <a:solidFill>
+                  <a:schemeClr val="tx1">
+                    <a:lumMod val="65000"/>
+                    <a:lumOff val="35000"/>
+                  </a:schemeClr>
+                </a:solidFill>
+                <a:latin typeface="+mn-lt"/>
+                <a:ea typeface="+mn-ea"/>
+                <a:cs typeface="+mn-cs"/>
+              </a:defRPr>
+            </a:lvl1pPr>
+            <a:lvl2pPr marL="457200" indent="0">
+              <a:buNone/>
+              <a:defRPr sz="2800"/>
+            </a:lvl2pPr>
+            <a:lvl3pPr marL="914400" indent="0">
+              <a:buNone/>
+              <a:defRPr sz="2400"/>
+            </a:lvl3pPr>
+            <a:lvl4pPr marL="1371600" indent="0">
+              <a:buNone/>
+              <a:defRPr sz="2000"/>
+            </a:lvl4pPr>
+            <a:lvl5pPr marL="1828800" indent="0">
+              <a:buNone/>
+              <a:defRPr sz="2000"/>
+            </a:lvl5pPr>
+            <a:lvl6pPr marL="2286000" indent="0">
+              <a:buNone/>
+              <a:defRPr sz="2000"/>
+            </a:lvl6pPr>
+            <a:lvl7pPr marL="2743200" indent="0">
+              <a:buNone/>
+              <a:defRPr sz="2000"/>
+            </a:lvl7pPr>
+            <a:lvl8pPr marL="3200400" indent="0">
+              <a:buNone/>
+              <a:defRPr sz="2000"/>
+            </a:lvl8pPr>
+            <a:lvl9pPr marL="3657600" indent="0">
+              <a:buNone/>
+              <a:defRPr sz="2000"/>
+            </a:lvl9pPr>
+          </a:lstStyle>
+          <a:p>
+            <a:r>
+              <a:rPr lang="nl-BE" smtClean="0"/>
+              <a:t>Sleep de afbeelding naar de tijdelijke aanduiding of klik op het pictogram als u een afbeelding wilt toevoegen</a:t>
+            </a:r>
+            <a:endParaRPr/>
+          </a:p>
+        </p:txBody>
+      </p:sp>
     </p:spTree>
-    <p:extLst>
-      <p:ext uri="{BB962C8B-B14F-4D97-AF65-F5344CB8AC3E}">
-        <p14:creationId xmlns:p14="http://schemas.microsoft.com/office/powerpoint/2010/main" val="1239019115"/>
-      </p:ext>
-    </p:extLst>
   </p:cSld>
   <p:clrMapOvr>
     <a:masterClrMapping/>
@@ -3684,9 +4088,9 @@
 </p:sldLayout>
 </file>
 
-<file path=ppt/slideLayouts/slideLayout10.xml><?xml version="1.0" encoding="utf-8"?>
+<file path=ppt/slideLayouts/slideLayout11.xml><?xml version="1.0" encoding="utf-8"?>
 <p:sldLayout xmlns:a="http://schemas.openxmlformats.org/drawingml/2006/main" xmlns:r="http://schemas.openxmlformats.org/officeDocument/2006/relationships" xmlns:p="http://schemas.openxmlformats.org/presentationml/2006/main" type="vertTx" preserve="1">
-  <p:cSld name="Title and Vertical Text">
+  <p:cSld name="Titel en verticale tekst">
     <p:spTree>
       <p:nvGrpSpPr>
         <p:cNvPr id="1" name=""/>
@@ -3717,10 +4121,10 @@
           <a:lstStyle/>
           <a:p>
             <a:r>
-              <a:rPr lang="fr-FR" smtClean="0"/>
-              <a:t>Click to edit Master title style</a:t>
-            </a:r>
-            <a:endParaRPr lang="nl-BE"/>
+              <a:rPr lang="nl-BE" smtClean="0"/>
+              <a:t>Titelstijl van model bewerken</a:t>
+            </a:r>
+            <a:endParaRPr/>
           </a:p>
         </p:txBody>
       </p:sp>
@@ -3737,42 +4141,46 @@
         <p:spPr/>
         <p:txBody>
           <a:bodyPr vert="eaVert"/>
-          <a:lstStyle/>
+          <a:lstStyle>
+            <a:lvl5pPr>
+              <a:defRPr/>
+            </a:lvl5pPr>
+          </a:lstStyle>
           <a:p>
             <a:pPr lvl="0"/>
             <a:r>
-              <a:rPr lang="fr-FR" smtClean="0"/>
-              <a:t>Click to edit Master text styles</a:t>
+              <a:rPr lang="nl-BE" smtClean="0"/>
+              <a:t>Klik om de tekststijl van het model te bewerken</a:t>
             </a:r>
           </a:p>
           <a:p>
             <a:pPr lvl="1"/>
             <a:r>
-              <a:rPr lang="fr-FR" smtClean="0"/>
-              <a:t>Second level</a:t>
+              <a:rPr lang="nl-BE" smtClean="0"/>
+              <a:t>Tweede niveau</a:t>
             </a:r>
           </a:p>
           <a:p>
             <a:pPr lvl="2"/>
             <a:r>
-              <a:rPr lang="fr-FR" smtClean="0"/>
-              <a:t>Third level</a:t>
+              <a:rPr lang="nl-BE" smtClean="0"/>
+              <a:t>Derde niveau</a:t>
             </a:r>
           </a:p>
           <a:p>
             <a:pPr lvl="3"/>
             <a:r>
-              <a:rPr lang="fr-FR" smtClean="0"/>
-              <a:t>Fourth level</a:t>
+              <a:rPr lang="nl-BE" smtClean="0"/>
+              <a:t>Vierde niveau</a:t>
             </a:r>
           </a:p>
           <a:p>
             <a:pPr lvl="4"/>
             <a:r>
-              <a:rPr lang="fr-FR" smtClean="0"/>
-              <a:t>Fifth level</a:t>
-            </a:r>
-            <a:endParaRPr lang="nl-BE"/>
+              <a:rPr lang="nl-BE" smtClean="0"/>
+              <a:t>Vijfde niveau</a:t>
+            </a:r>
+            <a:endParaRPr dirty="0"/>
           </a:p>
         </p:txBody>
       </p:sp>
@@ -3794,7 +4202,7 @@
             <a:fld id="{C29160A7-5F71-2B44-B5DD-B5EECC5B0C89}" type="datetimeFigureOut">
               <a:rPr lang="en-US" smtClean="0"/>
               <a:pPr/>
-              <a:t>11/23/2014</a:t>
+              <a:t>24/11/14</a:t>
             </a:fld>
             <a:endParaRPr lang="nl-BE"/>
           </a:p>
@@ -3844,11 +4252,6 @@
         </p:txBody>
       </p:sp>
     </p:spTree>
-    <p:extLst>
-      <p:ext uri="{BB962C8B-B14F-4D97-AF65-F5344CB8AC3E}">
-        <p14:creationId xmlns:p14="http://schemas.microsoft.com/office/powerpoint/2010/main" val="23215085"/>
-      </p:ext>
-    </p:extLst>
   </p:cSld>
   <p:clrMapOvr>
     <a:masterClrMapping/>
@@ -3856,9 +4259,9 @@
 </p:sldLayout>
 </file>
 
-<file path=ppt/slideLayouts/slideLayout11.xml><?xml version="1.0" encoding="utf-8"?>
+<file path=ppt/slideLayouts/slideLayout12.xml><?xml version="1.0" encoding="utf-8"?>
 <p:sldLayout xmlns:a="http://schemas.openxmlformats.org/drawingml/2006/main" xmlns:r="http://schemas.openxmlformats.org/officeDocument/2006/relationships" xmlns:p="http://schemas.openxmlformats.org/presentationml/2006/main" type="vertTitleAndTx" preserve="1">
-  <p:cSld name="Vertical Title and Text">
+  <p:cSld name="Verticale titel en tekst">
     <p:spTree>
       <p:nvGrpSpPr>
         <p:cNvPr id="1" name=""/>
@@ -3885,8 +4288,8 @@
         </p:nvSpPr>
         <p:spPr>
           <a:xfrm>
-            <a:off x="6629400" y="274638"/>
-            <a:ext cx="2057400" cy="5851525"/>
+            <a:off x="7369792" y="368301"/>
+            <a:ext cx="1524000" cy="5575300"/>
           </a:xfrm>
         </p:spPr>
         <p:txBody>
@@ -3894,10 +4297,10 @@
           <a:lstStyle/>
           <a:p>
             <a:r>
-              <a:rPr lang="fr-FR" smtClean="0"/>
-              <a:t>Click to edit Master title style</a:t>
-            </a:r>
-            <a:endParaRPr lang="nl-BE"/>
+              <a:rPr lang="nl-BE" smtClean="0"/>
+              <a:t>Titelstijl van model bewerken</a:t>
+            </a:r>
+            <a:endParaRPr/>
           </a:p>
         </p:txBody>
       </p:sp>
@@ -3913,48 +4316,52 @@
         </p:nvSpPr>
         <p:spPr>
           <a:xfrm>
-            <a:off x="457200" y="274638"/>
-            <a:ext cx="6019800" cy="5851525"/>
+            <a:off x="549274" y="368301"/>
+            <a:ext cx="6689726" cy="5575300"/>
           </a:xfrm>
         </p:spPr>
         <p:txBody>
           <a:bodyPr vert="eaVert"/>
-          <a:lstStyle/>
+          <a:lstStyle>
+            <a:lvl5pPr>
+              <a:defRPr/>
+            </a:lvl5pPr>
+          </a:lstStyle>
           <a:p>
             <a:pPr lvl="0"/>
             <a:r>
-              <a:rPr lang="fr-FR" smtClean="0"/>
-              <a:t>Click to edit Master text styles</a:t>
+              <a:rPr lang="nl-BE" smtClean="0"/>
+              <a:t>Klik om de tekststijl van het model te bewerken</a:t>
             </a:r>
           </a:p>
           <a:p>
             <a:pPr lvl="1"/>
             <a:r>
-              <a:rPr lang="fr-FR" smtClean="0"/>
-              <a:t>Second level</a:t>
+              <a:rPr lang="nl-BE" smtClean="0"/>
+              <a:t>Tweede niveau</a:t>
             </a:r>
           </a:p>
           <a:p>
             <a:pPr lvl="2"/>
             <a:r>
-              <a:rPr lang="fr-FR" smtClean="0"/>
-              <a:t>Third level</a:t>
+              <a:rPr lang="nl-BE" smtClean="0"/>
+              <a:t>Derde niveau</a:t>
             </a:r>
           </a:p>
           <a:p>
             <a:pPr lvl="3"/>
             <a:r>
-              <a:rPr lang="fr-FR" smtClean="0"/>
-              <a:t>Fourth level</a:t>
+              <a:rPr lang="nl-BE" smtClean="0"/>
+              <a:t>Vierde niveau</a:t>
             </a:r>
           </a:p>
           <a:p>
             <a:pPr lvl="4"/>
             <a:r>
-              <a:rPr lang="fr-FR" smtClean="0"/>
-              <a:t>Fifth level</a:t>
-            </a:r>
-            <a:endParaRPr lang="nl-BE"/>
+              <a:rPr lang="nl-BE" smtClean="0"/>
+              <a:t>Vijfde niveau</a:t>
+            </a:r>
+            <a:endParaRPr dirty="0"/>
           </a:p>
         </p:txBody>
       </p:sp>
@@ -3976,7 +4383,7 @@
             <a:fld id="{C29160A7-5F71-2B44-B5DD-B5EECC5B0C89}" type="datetimeFigureOut">
               <a:rPr lang="en-US" smtClean="0"/>
               <a:pPr/>
-              <a:t>11/23/2014</a:t>
+              <a:t>24/11/14</a:t>
             </a:fld>
             <a:endParaRPr lang="nl-BE"/>
           </a:p>
@@ -4026,11 +4433,6 @@
         </p:txBody>
       </p:sp>
     </p:spTree>
-    <p:extLst>
-      <p:ext uri="{BB962C8B-B14F-4D97-AF65-F5344CB8AC3E}">
-        <p14:creationId xmlns:p14="http://schemas.microsoft.com/office/powerpoint/2010/main" val="2863814101"/>
-      </p:ext>
-    </p:extLst>
   </p:cSld>
   <p:clrMapOvr>
     <a:masterClrMapping/>
@@ -4040,7 +4442,7 @@
 
 <file path=ppt/slideLayouts/slideLayout2.xml><?xml version="1.0" encoding="utf-8"?>
 <p:sldLayout xmlns:a="http://schemas.openxmlformats.org/drawingml/2006/main" xmlns:r="http://schemas.openxmlformats.org/officeDocument/2006/relationships" xmlns:p="http://schemas.openxmlformats.org/presentationml/2006/main" type="obj" preserve="1">
-  <p:cSld name="Title and Content">
+  <p:cSld name="Titel en object">
     <p:spTree>
       <p:nvGrpSpPr>
         <p:cNvPr id="1" name=""/>
@@ -4071,10 +4473,10 @@
           <a:lstStyle/>
           <a:p>
             <a:r>
-              <a:rPr lang="fr-FR" smtClean="0"/>
-              <a:t>Click to edit Master title style</a:t>
-            </a:r>
-            <a:endParaRPr lang="nl-BE"/>
+              <a:rPr lang="nl-BE" smtClean="0"/>
+              <a:t>Titelstijl van model bewerken</a:t>
+            </a:r>
+            <a:endParaRPr/>
           </a:p>
         </p:txBody>
       </p:sp>
@@ -4091,42 +4493,46 @@
         <p:spPr/>
         <p:txBody>
           <a:bodyPr/>
-          <a:lstStyle/>
+          <a:lstStyle>
+            <a:lvl5pPr>
+              <a:defRPr/>
+            </a:lvl5pPr>
+          </a:lstStyle>
           <a:p>
             <a:pPr lvl="0"/>
             <a:r>
-              <a:rPr lang="fr-FR" smtClean="0"/>
-              <a:t>Click to edit Master text styles</a:t>
+              <a:rPr lang="nl-BE" smtClean="0"/>
+              <a:t>Klik om de tekststijl van het model te bewerken</a:t>
             </a:r>
           </a:p>
           <a:p>
             <a:pPr lvl="1"/>
             <a:r>
-              <a:rPr lang="fr-FR" smtClean="0"/>
-              <a:t>Second level</a:t>
+              <a:rPr lang="nl-BE" smtClean="0"/>
+              <a:t>Tweede niveau</a:t>
             </a:r>
           </a:p>
           <a:p>
             <a:pPr lvl="2"/>
             <a:r>
-              <a:rPr lang="fr-FR" smtClean="0"/>
-              <a:t>Third level</a:t>
+              <a:rPr lang="nl-BE" smtClean="0"/>
+              <a:t>Derde niveau</a:t>
             </a:r>
           </a:p>
           <a:p>
             <a:pPr lvl="3"/>
             <a:r>
-              <a:rPr lang="fr-FR" smtClean="0"/>
-              <a:t>Fourth level</a:t>
+              <a:rPr lang="nl-BE" smtClean="0"/>
+              <a:t>Vierde niveau</a:t>
             </a:r>
           </a:p>
           <a:p>
             <a:pPr lvl="4"/>
             <a:r>
-              <a:rPr lang="fr-FR" smtClean="0"/>
-              <a:t>Fifth level</a:t>
-            </a:r>
-            <a:endParaRPr lang="nl-BE"/>
+              <a:rPr lang="nl-BE" smtClean="0"/>
+              <a:t>Vijfde niveau</a:t>
+            </a:r>
+            <a:endParaRPr dirty="0"/>
           </a:p>
         </p:txBody>
       </p:sp>
@@ -4148,7 +4554,7 @@
             <a:fld id="{C29160A7-5F71-2B44-B5DD-B5EECC5B0C89}" type="datetimeFigureOut">
               <a:rPr lang="en-US" smtClean="0"/>
               <a:pPr/>
-              <a:t>11/23/2014</a:t>
+              <a:t>24/11/14</a:t>
             </a:fld>
             <a:endParaRPr lang="nl-BE"/>
           </a:p>
@@ -4198,11 +4604,6 @@
         </p:txBody>
       </p:sp>
     </p:spTree>
-    <p:extLst>
-      <p:ext uri="{BB962C8B-B14F-4D97-AF65-F5344CB8AC3E}">
-        <p14:creationId xmlns:p14="http://schemas.microsoft.com/office/powerpoint/2010/main" val="3507002085"/>
-      </p:ext>
-    </p:extLst>
   </p:cSld>
   <p:clrMapOvr>
     <a:masterClrMapping/>
@@ -4211,8 +4612,329 @@
 </file>
 
 <file path=ppt/slideLayouts/slideLayout3.xml><?xml version="1.0" encoding="utf-8"?>
+<p:sldLayout xmlns:a="http://schemas.openxmlformats.org/drawingml/2006/main" xmlns:r="http://schemas.openxmlformats.org/officeDocument/2006/relationships" xmlns:p="http://schemas.openxmlformats.org/presentationml/2006/main" preserve="1">
+  <p:cSld name="Titeldia met afbeelding">
+    <p:spTree>
+      <p:nvGrpSpPr>
+        <p:cNvPr id="1" name=""/>
+        <p:cNvGrpSpPr/>
+        <p:nvPr/>
+      </p:nvGrpSpPr>
+      <p:grpSpPr>
+        <a:xfrm>
+          <a:off x="0" y="0"/>
+          <a:ext cx="0" cy="0"/>
+          <a:chOff x="0" y="0"/>
+          <a:chExt cx="0" cy="0"/>
+        </a:xfrm>
+      </p:grpSpPr>
+      <p:sp>
+        <p:nvSpPr>
+          <p:cNvPr id="2" name="Title 1"/>
+          <p:cNvSpPr>
+            <a:spLocks noGrp="1"/>
+          </p:cNvSpPr>
+          <p:nvPr>
+            <p:ph type="ctrTitle"/>
+          </p:nvPr>
+        </p:nvSpPr>
+        <p:spPr>
+          <a:xfrm>
+            <a:off x="363538" y="3352801"/>
+            <a:ext cx="8416925" cy="1470025"/>
+          </a:xfrm>
+        </p:spPr>
+        <p:txBody>
+          <a:bodyPr/>
+          <a:lstStyle/>
+          <a:p>
+            <a:r>
+              <a:rPr lang="nl-BE" smtClean="0"/>
+              <a:t>Titelstijl van model bewerken</a:t>
+            </a:r>
+            <a:endParaRPr dirty="0"/>
+          </a:p>
+        </p:txBody>
+      </p:sp>
+      <p:sp>
+        <p:nvSpPr>
+          <p:cNvPr id="3" name="Subtitle 2"/>
+          <p:cNvSpPr>
+            <a:spLocks noGrp="1"/>
+          </p:cNvSpPr>
+          <p:nvPr>
+            <p:ph type="subTitle" idx="1"/>
+          </p:nvPr>
+        </p:nvSpPr>
+        <p:spPr>
+          <a:xfrm>
+            <a:off x="363538" y="4771029"/>
+            <a:ext cx="8416925" cy="972671"/>
+          </a:xfrm>
+        </p:spPr>
+        <p:txBody>
+          <a:bodyPr>
+            <a:normAutofit/>
+          </a:bodyPr>
+          <a:lstStyle>
+            <a:lvl1pPr marL="0" indent="0" algn="ctr">
+              <a:spcBef>
+                <a:spcPts val="300"/>
+              </a:spcBef>
+              <a:buNone/>
+              <a:defRPr sz="1800">
+                <a:solidFill>
+                  <a:schemeClr val="tx1">
+                    <a:tint val="75000"/>
+                  </a:schemeClr>
+                </a:solidFill>
+              </a:defRPr>
+            </a:lvl1pPr>
+            <a:lvl2pPr marL="457200" indent="0" algn="ctr">
+              <a:buNone/>
+              <a:defRPr>
+                <a:solidFill>
+                  <a:schemeClr val="tx1">
+                    <a:tint val="75000"/>
+                  </a:schemeClr>
+                </a:solidFill>
+              </a:defRPr>
+            </a:lvl2pPr>
+            <a:lvl3pPr marL="914400" indent="0" algn="ctr">
+              <a:buNone/>
+              <a:defRPr>
+                <a:solidFill>
+                  <a:schemeClr val="tx1">
+                    <a:tint val="75000"/>
+                  </a:schemeClr>
+                </a:solidFill>
+              </a:defRPr>
+            </a:lvl3pPr>
+            <a:lvl4pPr marL="1371600" indent="0" algn="ctr">
+              <a:buNone/>
+              <a:defRPr>
+                <a:solidFill>
+                  <a:schemeClr val="tx1">
+                    <a:tint val="75000"/>
+                  </a:schemeClr>
+                </a:solidFill>
+              </a:defRPr>
+            </a:lvl4pPr>
+            <a:lvl5pPr marL="1828800" indent="0" algn="ctr">
+              <a:buNone/>
+              <a:defRPr>
+                <a:solidFill>
+                  <a:schemeClr val="tx1">
+                    <a:tint val="75000"/>
+                  </a:schemeClr>
+                </a:solidFill>
+              </a:defRPr>
+            </a:lvl5pPr>
+            <a:lvl6pPr marL="2286000" indent="0" algn="ctr">
+              <a:buNone/>
+              <a:defRPr>
+                <a:solidFill>
+                  <a:schemeClr val="tx1">
+                    <a:tint val="75000"/>
+                  </a:schemeClr>
+                </a:solidFill>
+              </a:defRPr>
+            </a:lvl6pPr>
+            <a:lvl7pPr marL="2743200" indent="0" algn="ctr">
+              <a:buNone/>
+              <a:defRPr>
+                <a:solidFill>
+                  <a:schemeClr val="tx1">
+                    <a:tint val="75000"/>
+                  </a:schemeClr>
+                </a:solidFill>
+              </a:defRPr>
+            </a:lvl7pPr>
+            <a:lvl8pPr marL="3200400" indent="0" algn="ctr">
+              <a:buNone/>
+              <a:defRPr>
+                <a:solidFill>
+                  <a:schemeClr val="tx1">
+                    <a:tint val="75000"/>
+                  </a:schemeClr>
+                </a:solidFill>
+              </a:defRPr>
+            </a:lvl8pPr>
+            <a:lvl9pPr marL="3657600" indent="0" algn="ctr">
+              <a:buNone/>
+              <a:defRPr>
+                <a:solidFill>
+                  <a:schemeClr val="tx1">
+                    <a:tint val="75000"/>
+                  </a:schemeClr>
+                </a:solidFill>
+              </a:defRPr>
+            </a:lvl9pPr>
+          </a:lstStyle>
+          <a:p>
+            <a:r>
+              <a:rPr lang="nl-BE" smtClean="0"/>
+              <a:t>Klik om de titelstijl van het model te bewerken</a:t>
+            </a:r>
+            <a:endParaRPr dirty="0"/>
+          </a:p>
+        </p:txBody>
+      </p:sp>
+      <p:sp>
+        <p:nvSpPr>
+          <p:cNvPr id="4" name="Date Placeholder 3"/>
+          <p:cNvSpPr>
+            <a:spLocks noGrp="1"/>
+          </p:cNvSpPr>
+          <p:nvPr>
+            <p:ph type="dt" sz="half" idx="10"/>
+          </p:nvPr>
+        </p:nvSpPr>
+        <p:spPr/>
+        <p:txBody>
+          <a:bodyPr/>
+          <a:lstStyle/>
+          <a:p>
+            <a:fld id="{C29160A7-5F71-2B44-B5DD-B5EECC5B0C89}" type="datetimeFigureOut">
+              <a:rPr lang="en-US" smtClean="0"/>
+              <a:pPr/>
+              <a:t>24/11/14</a:t>
+            </a:fld>
+            <a:endParaRPr lang="nl-BE"/>
+          </a:p>
+        </p:txBody>
+      </p:sp>
+      <p:sp>
+        <p:nvSpPr>
+          <p:cNvPr id="5" name="Footer Placeholder 4"/>
+          <p:cNvSpPr>
+            <a:spLocks noGrp="1"/>
+          </p:cNvSpPr>
+          <p:nvPr>
+            <p:ph type="ftr" sz="quarter" idx="11"/>
+          </p:nvPr>
+        </p:nvSpPr>
+        <p:spPr/>
+        <p:txBody>
+          <a:bodyPr/>
+          <a:lstStyle/>
+          <a:p>
+            <a:endParaRPr lang="nl-BE"/>
+          </a:p>
+        </p:txBody>
+      </p:sp>
+      <p:sp>
+        <p:nvSpPr>
+          <p:cNvPr id="6" name="Slide Number Placeholder 5"/>
+          <p:cNvSpPr>
+            <a:spLocks noGrp="1"/>
+          </p:cNvSpPr>
+          <p:nvPr>
+            <p:ph type="sldNum" sz="quarter" idx="12"/>
+          </p:nvPr>
+        </p:nvSpPr>
+        <p:spPr/>
+        <p:txBody>
+          <a:bodyPr/>
+          <a:lstStyle/>
+          <a:p>
+            <a:fld id="{399A7B18-4CF9-2C4D-A962-DC5233A676A7}" type="slidenum">
+              <a:rPr lang="nl-BE" smtClean="0"/>
+              <a:pPr/>
+              <a:t>‹nr.›</a:t>
+            </a:fld>
+            <a:endParaRPr lang="nl-BE"/>
+          </a:p>
+        </p:txBody>
+      </p:sp>
+      <p:sp>
+        <p:nvSpPr>
+          <p:cNvPr id="9" name="Picture Placeholder 2"/>
+          <p:cNvSpPr>
+            <a:spLocks noGrp="1"/>
+          </p:cNvSpPr>
+          <p:nvPr>
+            <p:ph type="pic" idx="13"/>
+          </p:nvPr>
+        </p:nvSpPr>
+        <p:spPr>
+          <a:xfrm>
+            <a:off x="370980" y="363538"/>
+            <a:ext cx="8402040" cy="2836862"/>
+          </a:xfrm>
+          <a:ln w="3175">
+            <a:solidFill>
+              <a:schemeClr val="bg1"/>
+            </a:solidFill>
+          </a:ln>
+          <a:effectLst>
+            <a:outerShdw blurRad="63500" sx="100500" sy="100500" algn="ctr" rotWithShape="0">
+              <a:prstClr val="black">
+                <a:alpha val="50000"/>
+              </a:prstClr>
+            </a:outerShdw>
+          </a:effectLst>
+        </p:spPr>
+        <p:txBody>
+          <a:bodyPr/>
+          <a:lstStyle>
+            <a:lvl1pPr marL="0" indent="0">
+              <a:buNone/>
+              <a:defRPr sz="3200"/>
+            </a:lvl1pPr>
+            <a:lvl2pPr marL="457200" indent="0">
+              <a:buNone/>
+              <a:defRPr sz="2800"/>
+            </a:lvl2pPr>
+            <a:lvl3pPr marL="914400" indent="0">
+              <a:buNone/>
+              <a:defRPr sz="2400"/>
+            </a:lvl3pPr>
+            <a:lvl4pPr marL="1371600" indent="0">
+              <a:buNone/>
+              <a:defRPr sz="2000"/>
+            </a:lvl4pPr>
+            <a:lvl5pPr marL="1828800" indent="0">
+              <a:buNone/>
+              <a:defRPr sz="2000"/>
+            </a:lvl5pPr>
+            <a:lvl6pPr marL="2286000" indent="0">
+              <a:buNone/>
+              <a:defRPr sz="2000"/>
+            </a:lvl6pPr>
+            <a:lvl7pPr marL="2743200" indent="0">
+              <a:buNone/>
+              <a:defRPr sz="2000"/>
+            </a:lvl7pPr>
+            <a:lvl8pPr marL="3200400" indent="0">
+              <a:buNone/>
+              <a:defRPr sz="2000"/>
+            </a:lvl8pPr>
+            <a:lvl9pPr marL="3657600" indent="0">
+              <a:buNone/>
+              <a:defRPr sz="2000"/>
+            </a:lvl9pPr>
+          </a:lstStyle>
+          <a:p>
+            <a:r>
+              <a:rPr lang="nl-BE" smtClean="0"/>
+              <a:t>Sleep de afbeelding naar de tijdelijke aanduiding of klik op het pictogram als u een afbeelding wilt toevoegen</a:t>
+            </a:r>
+            <a:endParaRPr/>
+          </a:p>
+        </p:txBody>
+      </p:sp>
+    </p:spTree>
+  </p:cSld>
+  <p:clrMapOvr>
+    <a:masterClrMapping/>
+  </p:clrMapOvr>
+</p:sldLayout>
+</file>
+
+<file path=ppt/slideLayouts/slideLayout4.xml><?xml version="1.0" encoding="utf-8"?>
 <p:sldLayout xmlns:a="http://schemas.openxmlformats.org/drawingml/2006/main" xmlns:r="http://schemas.openxmlformats.org/officeDocument/2006/relationships" xmlns:p="http://schemas.openxmlformats.org/presentationml/2006/main" type="secHead" preserve="1">
-  <p:cSld name="Section Header">
+  <p:cSld name="Sectiekop">
     <p:spTree>
       <p:nvGrpSpPr>
         <p:cNvPr id="1" name=""/>
@@ -4239,23 +4961,23 @@
         </p:nvSpPr>
         <p:spPr>
           <a:xfrm>
-            <a:off x="722313" y="4406900"/>
-            <a:ext cx="7772400" cy="1362075"/>
+            <a:off x="549275" y="2403144"/>
+            <a:ext cx="8056563" cy="1362075"/>
           </a:xfrm>
         </p:spPr>
         <p:txBody>
-          <a:bodyPr anchor="t"/>
+          <a:bodyPr anchor="b" anchorCtr="0"/>
           <a:lstStyle>
-            <a:lvl1pPr algn="l">
-              <a:defRPr sz="4000" b="1" cap="all"/>
+            <a:lvl1pPr algn="ctr">
+              <a:defRPr sz="4600" b="0" cap="none" baseline="0"/>
             </a:lvl1pPr>
           </a:lstStyle>
           <a:p>
             <a:r>
-              <a:rPr lang="fr-FR" smtClean="0"/>
-              <a:t>Click to edit Master title style</a:t>
-            </a:r>
-            <a:endParaRPr lang="nl-BE"/>
+              <a:rPr lang="nl-BE" smtClean="0"/>
+              <a:t>Titelstijl van model bewerken</a:t>
+            </a:r>
+            <a:endParaRPr/>
           </a:p>
         </p:txBody>
       </p:sp>
@@ -4271,16 +4993,21 @@
         </p:nvSpPr>
         <p:spPr>
           <a:xfrm>
-            <a:off x="722313" y="2906713"/>
-            <a:ext cx="7772400" cy="1500187"/>
+            <a:off x="549275" y="3736005"/>
+            <a:ext cx="8056563" cy="1500187"/>
           </a:xfrm>
         </p:spPr>
         <p:txBody>
-          <a:bodyPr anchor="b"/>
+          <a:bodyPr anchor="t" anchorCtr="0">
+            <a:normAutofit/>
+          </a:bodyPr>
           <a:lstStyle>
-            <a:lvl1pPr marL="0" indent="0">
-              <a:buNone/>
-              <a:defRPr sz="2000">
+            <a:lvl1pPr marL="0" indent="0" algn="ctr">
+              <a:spcBef>
+                <a:spcPts val="300"/>
+              </a:spcBef>
+              <a:buNone/>
+              <a:defRPr sz="1800">
                 <a:solidFill>
                   <a:schemeClr val="tx1">
                     <a:tint val="75000"/>
@@ -4372,8 +5099,8 @@
           <a:p>
             <a:pPr lvl="0"/>
             <a:r>
-              <a:rPr lang="fr-FR" smtClean="0"/>
-              <a:t>Click to edit Master text styles</a:t>
+              <a:rPr lang="nl-BE" smtClean="0"/>
+              <a:t>Klik om de tekststijl van het model te bewerken</a:t>
             </a:r>
           </a:p>
         </p:txBody>
@@ -4396,7 +5123,7 @@
             <a:fld id="{C29160A7-5F71-2B44-B5DD-B5EECC5B0C89}" type="datetimeFigureOut">
               <a:rPr lang="en-US" smtClean="0"/>
               <a:pPr/>
-              <a:t>11/23/2014</a:t>
+              <a:t>24/11/14</a:t>
             </a:fld>
             <a:endParaRPr lang="nl-BE"/>
           </a:p>
@@ -4446,11 +5173,6 @@
         </p:txBody>
       </p:sp>
     </p:spTree>
-    <p:extLst>
-      <p:ext uri="{BB962C8B-B14F-4D97-AF65-F5344CB8AC3E}">
-        <p14:creationId xmlns:p14="http://schemas.microsoft.com/office/powerpoint/2010/main" val="172103146"/>
-      </p:ext>
-    </p:extLst>
   </p:cSld>
   <p:clrMapOvr>
     <a:masterClrMapping/>
@@ -4458,9 +5180,767 @@
 </p:sldLayout>
 </file>
 
-<file path=ppt/slideLayouts/slideLayout4.xml><?xml version="1.0" encoding="utf-8"?>
+<file path=ppt/slideLayouts/slideLayout5.xml><?xml version="1.0" encoding="utf-8"?>
 <p:sldLayout xmlns:a="http://schemas.openxmlformats.org/drawingml/2006/main" xmlns:r="http://schemas.openxmlformats.org/officeDocument/2006/relationships" xmlns:p="http://schemas.openxmlformats.org/presentationml/2006/main" type="twoObj" preserve="1">
-  <p:cSld name="Two Content">
+  <p:cSld name="Twee objecten">
+    <p:spTree>
+      <p:nvGrpSpPr>
+        <p:cNvPr id="1" name=""/>
+        <p:cNvGrpSpPr/>
+        <p:nvPr/>
+      </p:nvGrpSpPr>
+      <p:grpSpPr>
+        <a:xfrm>
+          <a:off x="0" y="0"/>
+          <a:ext cx="0" cy="0"/>
+          <a:chOff x="0" y="0"/>
+          <a:chExt cx="0" cy="0"/>
+        </a:xfrm>
+      </p:grpSpPr>
+      <p:sp>
+        <p:nvSpPr>
+          <p:cNvPr id="2" name="Title 1"/>
+          <p:cNvSpPr>
+            <a:spLocks noGrp="1"/>
+          </p:cNvSpPr>
+          <p:nvPr>
+            <p:ph type="title"/>
+          </p:nvPr>
+        </p:nvSpPr>
+        <p:spPr>
+          <a:xfrm>
+            <a:off x="549275" y="107576"/>
+            <a:ext cx="8042276" cy="1336956"/>
+          </a:xfrm>
+        </p:spPr>
+        <p:txBody>
+          <a:bodyPr/>
+          <a:lstStyle/>
+          <a:p>
+            <a:r>
+              <a:rPr lang="nl-BE" smtClean="0"/>
+              <a:t>Titelstijl van model bewerken</a:t>
+            </a:r>
+            <a:endParaRPr/>
+          </a:p>
+        </p:txBody>
+      </p:sp>
+      <p:sp>
+        <p:nvSpPr>
+          <p:cNvPr id="3" name="Content Placeholder 2"/>
+          <p:cNvSpPr>
+            <a:spLocks noGrp="1"/>
+          </p:cNvSpPr>
+          <p:nvPr>
+            <p:ph sz="half" idx="1"/>
+          </p:nvPr>
+        </p:nvSpPr>
+        <p:spPr>
+          <a:xfrm>
+            <a:off x="549275" y="1600201"/>
+            <a:ext cx="3840480" cy="4343400"/>
+          </a:xfrm>
+        </p:spPr>
+        <p:txBody>
+          <a:bodyPr>
+            <a:normAutofit/>
+          </a:bodyPr>
+          <a:lstStyle>
+            <a:lvl1pPr>
+              <a:spcBef>
+                <a:spcPts val="1600"/>
+              </a:spcBef>
+              <a:defRPr sz="2000"/>
+            </a:lvl1pPr>
+            <a:lvl2pPr>
+              <a:defRPr sz="1800"/>
+            </a:lvl2pPr>
+            <a:lvl3pPr>
+              <a:defRPr sz="1800"/>
+            </a:lvl3pPr>
+            <a:lvl4pPr>
+              <a:defRPr sz="1800"/>
+            </a:lvl4pPr>
+            <a:lvl5pPr>
+              <a:defRPr sz="1800"/>
+            </a:lvl5pPr>
+            <a:lvl6pPr>
+              <a:defRPr sz="1800"/>
+            </a:lvl6pPr>
+            <a:lvl7pPr>
+              <a:defRPr sz="1800"/>
+            </a:lvl7pPr>
+            <a:lvl8pPr>
+              <a:defRPr sz="1800"/>
+            </a:lvl8pPr>
+            <a:lvl9pPr>
+              <a:defRPr sz="1800"/>
+            </a:lvl9pPr>
+          </a:lstStyle>
+          <a:p>
+            <a:pPr lvl="0"/>
+            <a:r>
+              <a:rPr lang="nl-BE" smtClean="0"/>
+              <a:t>Klik om de tekststijl van het model te bewerken</a:t>
+            </a:r>
+          </a:p>
+          <a:p>
+            <a:pPr lvl="1"/>
+            <a:r>
+              <a:rPr lang="nl-BE" smtClean="0"/>
+              <a:t>Tweede niveau</a:t>
+            </a:r>
+          </a:p>
+          <a:p>
+            <a:pPr lvl="2"/>
+            <a:r>
+              <a:rPr lang="nl-BE" smtClean="0"/>
+              <a:t>Derde niveau</a:t>
+            </a:r>
+          </a:p>
+          <a:p>
+            <a:pPr lvl="3"/>
+            <a:r>
+              <a:rPr lang="nl-BE" smtClean="0"/>
+              <a:t>Vierde niveau</a:t>
+            </a:r>
+          </a:p>
+          <a:p>
+            <a:pPr lvl="4"/>
+            <a:r>
+              <a:rPr lang="nl-BE" smtClean="0"/>
+              <a:t>Vijfde niveau</a:t>
+            </a:r>
+            <a:endParaRPr dirty="0"/>
+          </a:p>
+        </p:txBody>
+      </p:sp>
+      <p:sp>
+        <p:nvSpPr>
+          <p:cNvPr id="4" name="Content Placeholder 3"/>
+          <p:cNvSpPr>
+            <a:spLocks noGrp="1"/>
+          </p:cNvSpPr>
+          <p:nvPr>
+            <p:ph sz="half" idx="2"/>
+          </p:nvPr>
+        </p:nvSpPr>
+        <p:spPr>
+          <a:xfrm>
+            <a:off x="4751071" y="1600201"/>
+            <a:ext cx="3840480" cy="4343400"/>
+          </a:xfrm>
+        </p:spPr>
+        <p:txBody>
+          <a:bodyPr>
+            <a:normAutofit/>
+          </a:bodyPr>
+          <a:lstStyle>
+            <a:lvl1pPr>
+              <a:spcBef>
+                <a:spcPts val="1600"/>
+              </a:spcBef>
+              <a:defRPr sz="2000"/>
+            </a:lvl1pPr>
+            <a:lvl2pPr>
+              <a:defRPr sz="1800"/>
+            </a:lvl2pPr>
+            <a:lvl3pPr>
+              <a:defRPr sz="1800"/>
+            </a:lvl3pPr>
+            <a:lvl4pPr>
+              <a:defRPr sz="1800"/>
+            </a:lvl4pPr>
+            <a:lvl5pPr>
+              <a:defRPr sz="1800"/>
+            </a:lvl5pPr>
+            <a:lvl6pPr>
+              <a:defRPr sz="1800"/>
+            </a:lvl6pPr>
+            <a:lvl7pPr>
+              <a:defRPr sz="1800"/>
+            </a:lvl7pPr>
+            <a:lvl8pPr>
+              <a:defRPr sz="1800"/>
+            </a:lvl8pPr>
+            <a:lvl9pPr>
+              <a:defRPr sz="1800"/>
+            </a:lvl9pPr>
+          </a:lstStyle>
+          <a:p>
+            <a:pPr lvl="0"/>
+            <a:r>
+              <a:rPr lang="nl-BE" smtClean="0"/>
+              <a:t>Klik om de tekststijl van het model te bewerken</a:t>
+            </a:r>
+          </a:p>
+          <a:p>
+            <a:pPr lvl="1"/>
+            <a:r>
+              <a:rPr lang="nl-BE" smtClean="0"/>
+              <a:t>Tweede niveau</a:t>
+            </a:r>
+          </a:p>
+          <a:p>
+            <a:pPr lvl="2"/>
+            <a:r>
+              <a:rPr lang="nl-BE" smtClean="0"/>
+              <a:t>Derde niveau</a:t>
+            </a:r>
+          </a:p>
+          <a:p>
+            <a:pPr lvl="3"/>
+            <a:r>
+              <a:rPr lang="nl-BE" smtClean="0"/>
+              <a:t>Vierde niveau</a:t>
+            </a:r>
+          </a:p>
+          <a:p>
+            <a:pPr lvl="4"/>
+            <a:r>
+              <a:rPr lang="nl-BE" smtClean="0"/>
+              <a:t>Vijfde niveau</a:t>
+            </a:r>
+            <a:endParaRPr dirty="0"/>
+          </a:p>
+        </p:txBody>
+      </p:sp>
+      <p:sp>
+        <p:nvSpPr>
+          <p:cNvPr id="5" name="Date Placeholder 4"/>
+          <p:cNvSpPr>
+            <a:spLocks noGrp="1"/>
+          </p:cNvSpPr>
+          <p:nvPr>
+            <p:ph type="dt" sz="half" idx="10"/>
+          </p:nvPr>
+        </p:nvSpPr>
+        <p:spPr/>
+        <p:txBody>
+          <a:bodyPr/>
+          <a:lstStyle/>
+          <a:p>
+            <a:fld id="{C29160A7-5F71-2B44-B5DD-B5EECC5B0C89}" type="datetimeFigureOut">
+              <a:rPr lang="en-US" smtClean="0"/>
+              <a:pPr/>
+              <a:t>24/11/14</a:t>
+            </a:fld>
+            <a:endParaRPr lang="nl-BE"/>
+          </a:p>
+        </p:txBody>
+      </p:sp>
+      <p:sp>
+        <p:nvSpPr>
+          <p:cNvPr id="6" name="Footer Placeholder 5"/>
+          <p:cNvSpPr>
+            <a:spLocks noGrp="1"/>
+          </p:cNvSpPr>
+          <p:nvPr>
+            <p:ph type="ftr" sz="quarter" idx="11"/>
+          </p:nvPr>
+        </p:nvSpPr>
+        <p:spPr/>
+        <p:txBody>
+          <a:bodyPr/>
+          <a:lstStyle/>
+          <a:p>
+            <a:endParaRPr lang="nl-BE"/>
+          </a:p>
+        </p:txBody>
+      </p:sp>
+      <p:sp>
+        <p:nvSpPr>
+          <p:cNvPr id="7" name="Slide Number Placeholder 6"/>
+          <p:cNvSpPr>
+            <a:spLocks noGrp="1"/>
+          </p:cNvSpPr>
+          <p:nvPr>
+            <p:ph type="sldNum" sz="quarter" idx="12"/>
+          </p:nvPr>
+        </p:nvSpPr>
+        <p:spPr/>
+        <p:txBody>
+          <a:bodyPr/>
+          <a:lstStyle/>
+          <a:p>
+            <a:fld id="{399A7B18-4CF9-2C4D-A962-DC5233A676A7}" type="slidenum">
+              <a:rPr lang="nl-BE" smtClean="0"/>
+              <a:pPr/>
+              <a:t>‹nr.›</a:t>
+            </a:fld>
+            <a:endParaRPr lang="nl-BE"/>
+          </a:p>
+        </p:txBody>
+      </p:sp>
+    </p:spTree>
+  </p:cSld>
+  <p:clrMapOvr>
+    <a:masterClrMapping/>
+  </p:clrMapOvr>
+</p:sldLayout>
+</file>
+
+<file path=ppt/slideLayouts/slideLayout6.xml><?xml version="1.0" encoding="utf-8"?>
+<p:sldLayout xmlns:a="http://schemas.openxmlformats.org/drawingml/2006/main" xmlns:r="http://schemas.openxmlformats.org/officeDocument/2006/relationships" xmlns:p="http://schemas.openxmlformats.org/presentationml/2006/main" type="twoTxTwoObj" preserve="1">
+  <p:cSld name="Vergelijking">
+    <p:spTree>
+      <p:nvGrpSpPr>
+        <p:cNvPr id="1" name=""/>
+        <p:cNvGrpSpPr/>
+        <p:nvPr/>
+      </p:nvGrpSpPr>
+      <p:grpSpPr>
+        <a:xfrm>
+          <a:off x="0" y="0"/>
+          <a:ext cx="0" cy="0"/>
+          <a:chOff x="0" y="0"/>
+          <a:chExt cx="0" cy="0"/>
+        </a:xfrm>
+      </p:grpSpPr>
+      <p:sp>
+        <p:nvSpPr>
+          <p:cNvPr id="2" name="Title 1"/>
+          <p:cNvSpPr>
+            <a:spLocks noGrp="1"/>
+          </p:cNvSpPr>
+          <p:nvPr>
+            <p:ph type="title"/>
+          </p:nvPr>
+        </p:nvSpPr>
+        <p:spPr>
+          <a:xfrm>
+            <a:off x="549274" y="107576"/>
+            <a:ext cx="8042276" cy="1336956"/>
+          </a:xfrm>
+        </p:spPr>
+        <p:txBody>
+          <a:bodyPr/>
+          <a:lstStyle>
+            <a:lvl1pPr>
+              <a:defRPr/>
+            </a:lvl1pPr>
+          </a:lstStyle>
+          <a:p>
+            <a:r>
+              <a:rPr lang="nl-BE" smtClean="0"/>
+              <a:t>Titelstijl van model bewerken</a:t>
+            </a:r>
+            <a:endParaRPr/>
+          </a:p>
+        </p:txBody>
+      </p:sp>
+      <p:sp>
+        <p:nvSpPr>
+          <p:cNvPr id="3" name="Text Placeholder 2"/>
+          <p:cNvSpPr>
+            <a:spLocks noGrp="1"/>
+          </p:cNvSpPr>
+          <p:nvPr>
+            <p:ph type="body" idx="1"/>
+          </p:nvPr>
+        </p:nvSpPr>
+        <p:spPr>
+          <a:xfrm>
+            <a:off x="549274" y="1453224"/>
+            <a:ext cx="3840480" cy="750887"/>
+          </a:xfrm>
+        </p:spPr>
+        <p:txBody>
+          <a:bodyPr anchor="b">
+            <a:noAutofit/>
+          </a:bodyPr>
+          <a:lstStyle>
+            <a:lvl1pPr marL="0" indent="0" algn="ctr">
+              <a:spcBef>
+                <a:spcPts val="0"/>
+              </a:spcBef>
+              <a:buNone/>
+              <a:defRPr sz="2400" b="0">
+                <a:solidFill>
+                  <a:schemeClr val="accent1">
+                    <a:lumMod val="60000"/>
+                    <a:lumOff val="40000"/>
+                  </a:schemeClr>
+                </a:solidFill>
+              </a:defRPr>
+            </a:lvl1pPr>
+            <a:lvl2pPr marL="457200" indent="0">
+              <a:buNone/>
+              <a:defRPr sz="2000" b="1"/>
+            </a:lvl2pPr>
+            <a:lvl3pPr marL="914400" indent="0">
+              <a:buNone/>
+              <a:defRPr sz="1800" b="1"/>
+            </a:lvl3pPr>
+            <a:lvl4pPr marL="1371600" indent="0">
+              <a:buNone/>
+              <a:defRPr sz="1600" b="1"/>
+            </a:lvl4pPr>
+            <a:lvl5pPr marL="1828800" indent="0">
+              <a:buNone/>
+              <a:defRPr sz="1600" b="1"/>
+            </a:lvl5pPr>
+            <a:lvl6pPr marL="2286000" indent="0">
+              <a:buNone/>
+              <a:defRPr sz="1600" b="1"/>
+            </a:lvl6pPr>
+            <a:lvl7pPr marL="2743200" indent="0">
+              <a:buNone/>
+              <a:defRPr sz="1600" b="1"/>
+            </a:lvl7pPr>
+            <a:lvl8pPr marL="3200400" indent="0">
+              <a:buNone/>
+              <a:defRPr sz="1600" b="1"/>
+            </a:lvl8pPr>
+            <a:lvl9pPr marL="3657600" indent="0">
+              <a:buNone/>
+              <a:defRPr sz="1600" b="1"/>
+            </a:lvl9pPr>
+          </a:lstStyle>
+          <a:p>
+            <a:pPr lvl="0"/>
+            <a:r>
+              <a:rPr lang="nl-BE" smtClean="0"/>
+              <a:t>Klik om de tekststijl van het model te bewerken</a:t>
+            </a:r>
+          </a:p>
+        </p:txBody>
+      </p:sp>
+      <p:sp>
+        <p:nvSpPr>
+          <p:cNvPr id="4" name="Content Placeholder 3"/>
+          <p:cNvSpPr>
+            <a:spLocks noGrp="1"/>
+          </p:cNvSpPr>
+          <p:nvPr>
+            <p:ph sz="half" idx="2"/>
+          </p:nvPr>
+        </p:nvSpPr>
+        <p:spPr>
+          <a:xfrm>
+            <a:off x="549274" y="2347415"/>
+            <a:ext cx="3840480" cy="3596185"/>
+          </a:xfrm>
+        </p:spPr>
+        <p:txBody>
+          <a:bodyPr>
+            <a:normAutofit/>
+          </a:bodyPr>
+          <a:lstStyle>
+            <a:lvl1pPr>
+              <a:spcBef>
+                <a:spcPts val="1600"/>
+              </a:spcBef>
+              <a:defRPr sz="2000"/>
+            </a:lvl1pPr>
+            <a:lvl2pPr>
+              <a:defRPr sz="1800"/>
+            </a:lvl2pPr>
+            <a:lvl3pPr>
+              <a:defRPr sz="1800"/>
+            </a:lvl3pPr>
+            <a:lvl4pPr>
+              <a:defRPr sz="1800"/>
+            </a:lvl4pPr>
+            <a:lvl5pPr>
+              <a:defRPr sz="1800"/>
+            </a:lvl5pPr>
+            <a:lvl6pPr>
+              <a:defRPr sz="1600"/>
+            </a:lvl6pPr>
+            <a:lvl7pPr>
+              <a:defRPr sz="1600"/>
+            </a:lvl7pPr>
+            <a:lvl8pPr>
+              <a:defRPr sz="1600"/>
+            </a:lvl8pPr>
+            <a:lvl9pPr>
+              <a:defRPr sz="1600"/>
+            </a:lvl9pPr>
+          </a:lstStyle>
+          <a:p>
+            <a:pPr lvl="0"/>
+            <a:r>
+              <a:rPr lang="nl-BE" smtClean="0"/>
+              <a:t>Klik om de tekststijl van het model te bewerken</a:t>
+            </a:r>
+          </a:p>
+          <a:p>
+            <a:pPr lvl="1"/>
+            <a:r>
+              <a:rPr lang="nl-BE" smtClean="0"/>
+              <a:t>Tweede niveau</a:t>
+            </a:r>
+          </a:p>
+          <a:p>
+            <a:pPr lvl="2"/>
+            <a:r>
+              <a:rPr lang="nl-BE" smtClean="0"/>
+              <a:t>Derde niveau</a:t>
+            </a:r>
+          </a:p>
+          <a:p>
+            <a:pPr lvl="3"/>
+            <a:r>
+              <a:rPr lang="nl-BE" smtClean="0"/>
+              <a:t>Vierde niveau</a:t>
+            </a:r>
+          </a:p>
+          <a:p>
+            <a:pPr lvl="4"/>
+            <a:r>
+              <a:rPr lang="nl-BE" smtClean="0"/>
+              <a:t>Vijfde niveau</a:t>
+            </a:r>
+            <a:endParaRPr dirty="0"/>
+          </a:p>
+        </p:txBody>
+      </p:sp>
+      <p:sp>
+        <p:nvSpPr>
+          <p:cNvPr id="5" name="Text Placeholder 4"/>
+          <p:cNvSpPr>
+            <a:spLocks noGrp="1"/>
+          </p:cNvSpPr>
+          <p:nvPr>
+            <p:ph type="body" sz="quarter" idx="3"/>
+          </p:nvPr>
+        </p:nvSpPr>
+        <p:spPr>
+          <a:xfrm>
+            <a:off x="4751070" y="1453224"/>
+            <a:ext cx="3840480" cy="750887"/>
+          </a:xfrm>
+        </p:spPr>
+        <p:txBody>
+          <a:bodyPr anchor="b">
+            <a:noAutofit/>
+          </a:bodyPr>
+          <a:lstStyle>
+            <a:lvl1pPr marL="0" indent="0" algn="ctr">
+              <a:spcBef>
+                <a:spcPts val="0"/>
+              </a:spcBef>
+              <a:buNone/>
+              <a:defRPr sz="2400" b="0">
+                <a:solidFill>
+                  <a:schemeClr val="accent1">
+                    <a:lumMod val="60000"/>
+                    <a:lumOff val="40000"/>
+                  </a:schemeClr>
+                </a:solidFill>
+              </a:defRPr>
+            </a:lvl1pPr>
+            <a:lvl2pPr marL="457200" indent="0">
+              <a:buNone/>
+              <a:defRPr sz="2000" b="1"/>
+            </a:lvl2pPr>
+            <a:lvl3pPr marL="914400" indent="0">
+              <a:buNone/>
+              <a:defRPr sz="1800" b="1"/>
+            </a:lvl3pPr>
+            <a:lvl4pPr marL="1371600" indent="0">
+              <a:buNone/>
+              <a:defRPr sz="1600" b="1"/>
+            </a:lvl4pPr>
+            <a:lvl5pPr marL="1828800" indent="0">
+              <a:buNone/>
+              <a:defRPr sz="1600" b="1"/>
+            </a:lvl5pPr>
+            <a:lvl6pPr marL="2286000" indent="0">
+              <a:buNone/>
+              <a:defRPr sz="1600" b="1"/>
+            </a:lvl6pPr>
+            <a:lvl7pPr marL="2743200" indent="0">
+              <a:buNone/>
+              <a:defRPr sz="1600" b="1"/>
+            </a:lvl7pPr>
+            <a:lvl8pPr marL="3200400" indent="0">
+              <a:buNone/>
+              <a:defRPr sz="1600" b="1"/>
+            </a:lvl8pPr>
+            <a:lvl9pPr marL="3657600" indent="0">
+              <a:buNone/>
+              <a:defRPr sz="1600" b="1"/>
+            </a:lvl9pPr>
+          </a:lstStyle>
+          <a:p>
+            <a:pPr lvl="0"/>
+            <a:r>
+              <a:rPr lang="nl-BE" smtClean="0"/>
+              <a:t>Klik om de tekststijl van het model te bewerken</a:t>
+            </a:r>
+          </a:p>
+        </p:txBody>
+      </p:sp>
+      <p:sp>
+        <p:nvSpPr>
+          <p:cNvPr id="6" name="Content Placeholder 5"/>
+          <p:cNvSpPr>
+            <a:spLocks noGrp="1"/>
+          </p:cNvSpPr>
+          <p:nvPr>
+            <p:ph sz="quarter" idx="4"/>
+          </p:nvPr>
+        </p:nvSpPr>
+        <p:spPr>
+          <a:xfrm>
+            <a:off x="4751070" y="2347415"/>
+            <a:ext cx="3840480" cy="3596185"/>
+          </a:xfrm>
+        </p:spPr>
+        <p:txBody>
+          <a:bodyPr>
+            <a:normAutofit/>
+          </a:bodyPr>
+          <a:lstStyle>
+            <a:lvl1pPr>
+              <a:spcBef>
+                <a:spcPts val="1600"/>
+              </a:spcBef>
+              <a:defRPr sz="2000"/>
+            </a:lvl1pPr>
+            <a:lvl2pPr>
+              <a:defRPr sz="1800"/>
+            </a:lvl2pPr>
+            <a:lvl3pPr>
+              <a:defRPr sz="1800"/>
+            </a:lvl3pPr>
+            <a:lvl4pPr>
+              <a:defRPr sz="1800"/>
+            </a:lvl4pPr>
+            <a:lvl5pPr>
+              <a:defRPr sz="1800"/>
+            </a:lvl5pPr>
+            <a:lvl6pPr>
+              <a:defRPr sz="1600"/>
+            </a:lvl6pPr>
+            <a:lvl7pPr>
+              <a:defRPr sz="1600"/>
+            </a:lvl7pPr>
+            <a:lvl8pPr>
+              <a:defRPr sz="1600"/>
+            </a:lvl8pPr>
+            <a:lvl9pPr>
+              <a:defRPr sz="1600"/>
+            </a:lvl9pPr>
+          </a:lstStyle>
+          <a:p>
+            <a:pPr lvl="0"/>
+            <a:r>
+              <a:rPr lang="nl-BE" smtClean="0"/>
+              <a:t>Klik om de tekststijl van het model te bewerken</a:t>
+            </a:r>
+          </a:p>
+          <a:p>
+            <a:pPr lvl="1"/>
+            <a:r>
+              <a:rPr lang="nl-BE" smtClean="0"/>
+              <a:t>Tweede niveau</a:t>
+            </a:r>
+          </a:p>
+          <a:p>
+            <a:pPr lvl="2"/>
+            <a:r>
+              <a:rPr lang="nl-BE" smtClean="0"/>
+              <a:t>Derde niveau</a:t>
+            </a:r>
+          </a:p>
+          <a:p>
+            <a:pPr lvl="3"/>
+            <a:r>
+              <a:rPr lang="nl-BE" smtClean="0"/>
+              <a:t>Vierde niveau</a:t>
+            </a:r>
+          </a:p>
+          <a:p>
+            <a:pPr lvl="4"/>
+            <a:r>
+              <a:rPr lang="nl-BE" smtClean="0"/>
+              <a:t>Vijfde niveau</a:t>
+            </a:r>
+            <a:endParaRPr dirty="0"/>
+          </a:p>
+        </p:txBody>
+      </p:sp>
+      <p:sp>
+        <p:nvSpPr>
+          <p:cNvPr id="7" name="Date Placeholder 6"/>
+          <p:cNvSpPr>
+            <a:spLocks noGrp="1"/>
+          </p:cNvSpPr>
+          <p:nvPr>
+            <p:ph type="dt" sz="half" idx="10"/>
+          </p:nvPr>
+        </p:nvSpPr>
+        <p:spPr/>
+        <p:txBody>
+          <a:bodyPr/>
+          <a:lstStyle/>
+          <a:p>
+            <a:fld id="{C29160A7-5F71-2B44-B5DD-B5EECC5B0C89}" type="datetimeFigureOut">
+              <a:rPr lang="en-US" smtClean="0"/>
+              <a:pPr/>
+              <a:t>24/11/14</a:t>
+            </a:fld>
+            <a:endParaRPr lang="nl-BE"/>
+          </a:p>
+        </p:txBody>
+      </p:sp>
+      <p:sp>
+        <p:nvSpPr>
+          <p:cNvPr id="8" name="Footer Placeholder 7"/>
+          <p:cNvSpPr>
+            <a:spLocks noGrp="1"/>
+          </p:cNvSpPr>
+          <p:nvPr>
+            <p:ph type="ftr" sz="quarter" idx="11"/>
+          </p:nvPr>
+        </p:nvSpPr>
+        <p:spPr/>
+        <p:txBody>
+          <a:bodyPr/>
+          <a:lstStyle/>
+          <a:p>
+            <a:endParaRPr lang="nl-BE"/>
+          </a:p>
+        </p:txBody>
+      </p:sp>
+      <p:sp>
+        <p:nvSpPr>
+          <p:cNvPr id="9" name="Slide Number Placeholder 8"/>
+          <p:cNvSpPr>
+            <a:spLocks noGrp="1"/>
+          </p:cNvSpPr>
+          <p:nvPr>
+            <p:ph type="sldNum" sz="quarter" idx="12"/>
+          </p:nvPr>
+        </p:nvSpPr>
+        <p:spPr/>
+        <p:txBody>
+          <a:bodyPr/>
+          <a:lstStyle/>
+          <a:p>
+            <a:fld id="{399A7B18-4CF9-2C4D-A962-DC5233A676A7}" type="slidenum">
+              <a:rPr lang="nl-BE" smtClean="0"/>
+              <a:pPr/>
+              <a:t>‹nr.›</a:t>
+            </a:fld>
+            <a:endParaRPr lang="nl-BE"/>
+          </a:p>
+        </p:txBody>
+      </p:sp>
+    </p:spTree>
+  </p:cSld>
+  <p:clrMapOvr>
+    <a:masterClrMapping/>
+  </p:clrMapOvr>
+</p:sldLayout>
+</file>
+
+<file path=ppt/slideLayouts/slideLayout7.xml><?xml version="1.0" encoding="utf-8"?>
+<p:sldLayout xmlns:a="http://schemas.openxmlformats.org/drawingml/2006/main" xmlns:r="http://schemas.openxmlformats.org/officeDocument/2006/relationships" xmlns:p="http://schemas.openxmlformats.org/presentationml/2006/main" type="titleOnly" preserve="1">
+  <p:cSld name="Alleen titel">
     <p:spTree>
       <p:nvGrpSpPr>
         <p:cNvPr id="1" name=""/>
@@ -4491,724 +5971,10 @@
           <a:lstStyle/>
           <a:p>
             <a:r>
-              <a:rPr lang="fr-FR" smtClean="0"/>
-              <a:t>Click to edit Master title style</a:t>
-            </a:r>
-            <a:endParaRPr lang="nl-BE"/>
-          </a:p>
-        </p:txBody>
-      </p:sp>
-      <p:sp>
-        <p:nvSpPr>
-          <p:cNvPr id="3" name="Content Placeholder 2"/>
-          <p:cNvSpPr>
-            <a:spLocks noGrp="1"/>
-          </p:cNvSpPr>
-          <p:nvPr>
-            <p:ph sz="half" idx="1"/>
-          </p:nvPr>
-        </p:nvSpPr>
-        <p:spPr>
-          <a:xfrm>
-            <a:off x="457200" y="1600200"/>
-            <a:ext cx="4038600" cy="4525963"/>
-          </a:xfrm>
-        </p:spPr>
-        <p:txBody>
-          <a:bodyPr/>
-          <a:lstStyle>
-            <a:lvl1pPr>
-              <a:defRPr sz="2800"/>
-            </a:lvl1pPr>
-            <a:lvl2pPr>
-              <a:defRPr sz="2400"/>
-            </a:lvl2pPr>
-            <a:lvl3pPr>
-              <a:defRPr sz="2000"/>
-            </a:lvl3pPr>
-            <a:lvl4pPr>
-              <a:defRPr sz="1800"/>
-            </a:lvl4pPr>
-            <a:lvl5pPr>
-              <a:defRPr sz="1800"/>
-            </a:lvl5pPr>
-            <a:lvl6pPr>
-              <a:defRPr sz="1800"/>
-            </a:lvl6pPr>
-            <a:lvl7pPr>
-              <a:defRPr sz="1800"/>
-            </a:lvl7pPr>
-            <a:lvl8pPr>
-              <a:defRPr sz="1800"/>
-            </a:lvl8pPr>
-            <a:lvl9pPr>
-              <a:defRPr sz="1800"/>
-            </a:lvl9pPr>
-          </a:lstStyle>
-          <a:p>
-            <a:pPr lvl="0"/>
-            <a:r>
-              <a:rPr lang="fr-FR" smtClean="0"/>
-              <a:t>Click to edit Master text styles</a:t>
-            </a:r>
-          </a:p>
-          <a:p>
-            <a:pPr lvl="1"/>
-            <a:r>
-              <a:rPr lang="fr-FR" smtClean="0"/>
-              <a:t>Second level</a:t>
-            </a:r>
-          </a:p>
-          <a:p>
-            <a:pPr lvl="2"/>
-            <a:r>
-              <a:rPr lang="fr-FR" smtClean="0"/>
-              <a:t>Third level</a:t>
-            </a:r>
-          </a:p>
-          <a:p>
-            <a:pPr lvl="3"/>
-            <a:r>
-              <a:rPr lang="fr-FR" smtClean="0"/>
-              <a:t>Fourth level</a:t>
-            </a:r>
-          </a:p>
-          <a:p>
-            <a:pPr lvl="4"/>
-            <a:r>
-              <a:rPr lang="fr-FR" smtClean="0"/>
-              <a:t>Fifth level</a:t>
-            </a:r>
-            <a:endParaRPr lang="nl-BE"/>
-          </a:p>
-        </p:txBody>
-      </p:sp>
-      <p:sp>
-        <p:nvSpPr>
-          <p:cNvPr id="4" name="Content Placeholder 3"/>
-          <p:cNvSpPr>
-            <a:spLocks noGrp="1"/>
-          </p:cNvSpPr>
-          <p:nvPr>
-            <p:ph sz="half" idx="2"/>
-          </p:nvPr>
-        </p:nvSpPr>
-        <p:spPr>
-          <a:xfrm>
-            <a:off x="4648200" y="1600200"/>
-            <a:ext cx="4038600" cy="4525963"/>
-          </a:xfrm>
-        </p:spPr>
-        <p:txBody>
-          <a:bodyPr/>
-          <a:lstStyle>
-            <a:lvl1pPr>
-              <a:defRPr sz="2800"/>
-            </a:lvl1pPr>
-            <a:lvl2pPr>
-              <a:defRPr sz="2400"/>
-            </a:lvl2pPr>
-            <a:lvl3pPr>
-              <a:defRPr sz="2000"/>
-            </a:lvl3pPr>
-            <a:lvl4pPr>
-              <a:defRPr sz="1800"/>
-            </a:lvl4pPr>
-            <a:lvl5pPr>
-              <a:defRPr sz="1800"/>
-            </a:lvl5pPr>
-            <a:lvl6pPr>
-              <a:defRPr sz="1800"/>
-            </a:lvl6pPr>
-            <a:lvl7pPr>
-              <a:defRPr sz="1800"/>
-            </a:lvl7pPr>
-            <a:lvl8pPr>
-              <a:defRPr sz="1800"/>
-            </a:lvl8pPr>
-            <a:lvl9pPr>
-              <a:defRPr sz="1800"/>
-            </a:lvl9pPr>
-          </a:lstStyle>
-          <a:p>
-            <a:pPr lvl="0"/>
-            <a:r>
-              <a:rPr lang="fr-FR" smtClean="0"/>
-              <a:t>Click to edit Master text styles</a:t>
-            </a:r>
-          </a:p>
-          <a:p>
-            <a:pPr lvl="1"/>
-            <a:r>
-              <a:rPr lang="fr-FR" smtClean="0"/>
-              <a:t>Second level</a:t>
-            </a:r>
-          </a:p>
-          <a:p>
-            <a:pPr lvl="2"/>
-            <a:r>
-              <a:rPr lang="fr-FR" smtClean="0"/>
-              <a:t>Third level</a:t>
-            </a:r>
-          </a:p>
-          <a:p>
-            <a:pPr lvl="3"/>
-            <a:r>
-              <a:rPr lang="fr-FR" smtClean="0"/>
-              <a:t>Fourth level</a:t>
-            </a:r>
-          </a:p>
-          <a:p>
-            <a:pPr lvl="4"/>
-            <a:r>
-              <a:rPr lang="fr-FR" smtClean="0"/>
-              <a:t>Fifth level</a:t>
-            </a:r>
-            <a:endParaRPr lang="nl-BE"/>
-          </a:p>
-        </p:txBody>
-      </p:sp>
-      <p:sp>
-        <p:nvSpPr>
-          <p:cNvPr id="5" name="Date Placeholder 4"/>
-          <p:cNvSpPr>
-            <a:spLocks noGrp="1"/>
-          </p:cNvSpPr>
-          <p:nvPr>
-            <p:ph type="dt" sz="half" idx="10"/>
-          </p:nvPr>
-        </p:nvSpPr>
-        <p:spPr/>
-        <p:txBody>
-          <a:bodyPr/>
-          <a:lstStyle/>
-          <a:p>
-            <a:fld id="{C29160A7-5F71-2B44-B5DD-B5EECC5B0C89}" type="datetimeFigureOut">
-              <a:rPr lang="en-US" smtClean="0"/>
-              <a:pPr/>
-              <a:t>11/23/2014</a:t>
-            </a:fld>
-            <a:endParaRPr lang="nl-BE"/>
-          </a:p>
-        </p:txBody>
-      </p:sp>
-      <p:sp>
-        <p:nvSpPr>
-          <p:cNvPr id="6" name="Footer Placeholder 5"/>
-          <p:cNvSpPr>
-            <a:spLocks noGrp="1"/>
-          </p:cNvSpPr>
-          <p:nvPr>
-            <p:ph type="ftr" sz="quarter" idx="11"/>
-          </p:nvPr>
-        </p:nvSpPr>
-        <p:spPr/>
-        <p:txBody>
-          <a:bodyPr/>
-          <a:lstStyle/>
-          <a:p>
-            <a:endParaRPr lang="nl-BE"/>
-          </a:p>
-        </p:txBody>
-      </p:sp>
-      <p:sp>
-        <p:nvSpPr>
-          <p:cNvPr id="7" name="Slide Number Placeholder 6"/>
-          <p:cNvSpPr>
-            <a:spLocks noGrp="1"/>
-          </p:cNvSpPr>
-          <p:nvPr>
-            <p:ph type="sldNum" sz="quarter" idx="12"/>
-          </p:nvPr>
-        </p:nvSpPr>
-        <p:spPr/>
-        <p:txBody>
-          <a:bodyPr/>
-          <a:lstStyle/>
-          <a:p>
-            <a:fld id="{399A7B18-4CF9-2C4D-A962-DC5233A676A7}" type="slidenum">
               <a:rPr lang="nl-BE" smtClean="0"/>
-              <a:pPr/>
-              <a:t>‹nr.›</a:t>
-            </a:fld>
-            <a:endParaRPr lang="nl-BE"/>
-          </a:p>
-        </p:txBody>
-      </p:sp>
-    </p:spTree>
-    <p:extLst>
-      <p:ext uri="{BB962C8B-B14F-4D97-AF65-F5344CB8AC3E}">
-        <p14:creationId xmlns:p14="http://schemas.microsoft.com/office/powerpoint/2010/main" val="3529438766"/>
-      </p:ext>
-    </p:extLst>
-  </p:cSld>
-  <p:clrMapOvr>
-    <a:masterClrMapping/>
-  </p:clrMapOvr>
-</p:sldLayout>
-</file>
-
-<file path=ppt/slideLayouts/slideLayout5.xml><?xml version="1.0" encoding="utf-8"?>
-<p:sldLayout xmlns:a="http://schemas.openxmlformats.org/drawingml/2006/main" xmlns:r="http://schemas.openxmlformats.org/officeDocument/2006/relationships" xmlns:p="http://schemas.openxmlformats.org/presentationml/2006/main" type="twoTxTwoObj" preserve="1">
-  <p:cSld name="Comparison">
-    <p:spTree>
-      <p:nvGrpSpPr>
-        <p:cNvPr id="1" name=""/>
-        <p:cNvGrpSpPr/>
-        <p:nvPr/>
-      </p:nvGrpSpPr>
-      <p:grpSpPr>
-        <a:xfrm>
-          <a:off x="0" y="0"/>
-          <a:ext cx="0" cy="0"/>
-          <a:chOff x="0" y="0"/>
-          <a:chExt cx="0" cy="0"/>
-        </a:xfrm>
-      </p:grpSpPr>
-      <p:sp>
-        <p:nvSpPr>
-          <p:cNvPr id="2" name="Title 1"/>
-          <p:cNvSpPr>
-            <a:spLocks noGrp="1"/>
-          </p:cNvSpPr>
-          <p:nvPr>
-            <p:ph type="title"/>
-          </p:nvPr>
-        </p:nvSpPr>
-        <p:spPr/>
-        <p:txBody>
-          <a:bodyPr/>
-          <a:lstStyle>
-            <a:lvl1pPr>
-              <a:defRPr/>
-            </a:lvl1pPr>
-          </a:lstStyle>
-          <a:p>
-            <a:r>
-              <a:rPr lang="fr-FR" smtClean="0"/>
-              <a:t>Click to edit Master title style</a:t>
-            </a:r>
-            <a:endParaRPr lang="nl-BE"/>
-          </a:p>
-        </p:txBody>
-      </p:sp>
-      <p:sp>
-        <p:nvSpPr>
-          <p:cNvPr id="3" name="Text Placeholder 2"/>
-          <p:cNvSpPr>
-            <a:spLocks noGrp="1"/>
-          </p:cNvSpPr>
-          <p:nvPr>
-            <p:ph type="body" idx="1"/>
-          </p:nvPr>
-        </p:nvSpPr>
-        <p:spPr>
-          <a:xfrm>
-            <a:off x="457200" y="1535113"/>
-            <a:ext cx="4040188" cy="639762"/>
-          </a:xfrm>
-        </p:spPr>
-        <p:txBody>
-          <a:bodyPr anchor="b"/>
-          <a:lstStyle>
-            <a:lvl1pPr marL="0" indent="0">
-              <a:buNone/>
-              <a:defRPr sz="2400" b="1"/>
-            </a:lvl1pPr>
-            <a:lvl2pPr marL="457200" indent="0">
-              <a:buNone/>
-              <a:defRPr sz="2000" b="1"/>
-            </a:lvl2pPr>
-            <a:lvl3pPr marL="914400" indent="0">
-              <a:buNone/>
-              <a:defRPr sz="1800" b="1"/>
-            </a:lvl3pPr>
-            <a:lvl4pPr marL="1371600" indent="0">
-              <a:buNone/>
-              <a:defRPr sz="1600" b="1"/>
-            </a:lvl4pPr>
-            <a:lvl5pPr marL="1828800" indent="0">
-              <a:buNone/>
-              <a:defRPr sz="1600" b="1"/>
-            </a:lvl5pPr>
-            <a:lvl6pPr marL="2286000" indent="0">
-              <a:buNone/>
-              <a:defRPr sz="1600" b="1"/>
-            </a:lvl6pPr>
-            <a:lvl7pPr marL="2743200" indent="0">
-              <a:buNone/>
-              <a:defRPr sz="1600" b="1"/>
-            </a:lvl7pPr>
-            <a:lvl8pPr marL="3200400" indent="0">
-              <a:buNone/>
-              <a:defRPr sz="1600" b="1"/>
-            </a:lvl8pPr>
-            <a:lvl9pPr marL="3657600" indent="0">
-              <a:buNone/>
-              <a:defRPr sz="1600" b="1"/>
-            </a:lvl9pPr>
-          </a:lstStyle>
-          <a:p>
-            <a:pPr lvl="0"/>
-            <a:r>
-              <a:rPr lang="fr-FR" smtClean="0"/>
-              <a:t>Click to edit Master text styles</a:t>
-            </a:r>
-          </a:p>
-        </p:txBody>
-      </p:sp>
-      <p:sp>
-        <p:nvSpPr>
-          <p:cNvPr id="4" name="Content Placeholder 3"/>
-          <p:cNvSpPr>
-            <a:spLocks noGrp="1"/>
-          </p:cNvSpPr>
-          <p:nvPr>
-            <p:ph sz="half" idx="2"/>
-          </p:nvPr>
-        </p:nvSpPr>
-        <p:spPr>
-          <a:xfrm>
-            <a:off x="457200" y="2174875"/>
-            <a:ext cx="4040188" cy="3951288"/>
-          </a:xfrm>
-        </p:spPr>
-        <p:txBody>
-          <a:bodyPr/>
-          <a:lstStyle>
-            <a:lvl1pPr>
-              <a:defRPr sz="2400"/>
-            </a:lvl1pPr>
-            <a:lvl2pPr>
-              <a:defRPr sz="2000"/>
-            </a:lvl2pPr>
-            <a:lvl3pPr>
-              <a:defRPr sz="1800"/>
-            </a:lvl3pPr>
-            <a:lvl4pPr>
-              <a:defRPr sz="1600"/>
-            </a:lvl4pPr>
-            <a:lvl5pPr>
-              <a:defRPr sz="1600"/>
-            </a:lvl5pPr>
-            <a:lvl6pPr>
-              <a:defRPr sz="1600"/>
-            </a:lvl6pPr>
-            <a:lvl7pPr>
-              <a:defRPr sz="1600"/>
-            </a:lvl7pPr>
-            <a:lvl8pPr>
-              <a:defRPr sz="1600"/>
-            </a:lvl8pPr>
-            <a:lvl9pPr>
-              <a:defRPr sz="1600"/>
-            </a:lvl9pPr>
-          </a:lstStyle>
-          <a:p>
-            <a:pPr lvl="0"/>
-            <a:r>
-              <a:rPr lang="fr-FR" smtClean="0"/>
-              <a:t>Click to edit Master text styles</a:t>
-            </a:r>
-          </a:p>
-          <a:p>
-            <a:pPr lvl="1"/>
-            <a:r>
-              <a:rPr lang="fr-FR" smtClean="0"/>
-              <a:t>Second level</a:t>
-            </a:r>
-          </a:p>
-          <a:p>
-            <a:pPr lvl="2"/>
-            <a:r>
-              <a:rPr lang="fr-FR" smtClean="0"/>
-              <a:t>Third level</a:t>
-            </a:r>
-          </a:p>
-          <a:p>
-            <a:pPr lvl="3"/>
-            <a:r>
-              <a:rPr lang="fr-FR" smtClean="0"/>
-              <a:t>Fourth level</a:t>
-            </a:r>
-          </a:p>
-          <a:p>
-            <a:pPr lvl="4"/>
-            <a:r>
-              <a:rPr lang="fr-FR" smtClean="0"/>
-              <a:t>Fifth level</a:t>
-            </a:r>
-            <a:endParaRPr lang="nl-BE"/>
-          </a:p>
-        </p:txBody>
-      </p:sp>
-      <p:sp>
-        <p:nvSpPr>
-          <p:cNvPr id="5" name="Text Placeholder 4"/>
-          <p:cNvSpPr>
-            <a:spLocks noGrp="1"/>
-          </p:cNvSpPr>
-          <p:nvPr>
-            <p:ph type="body" sz="quarter" idx="3"/>
-          </p:nvPr>
-        </p:nvSpPr>
-        <p:spPr>
-          <a:xfrm>
-            <a:off x="4645025" y="1535113"/>
-            <a:ext cx="4041775" cy="639762"/>
-          </a:xfrm>
-        </p:spPr>
-        <p:txBody>
-          <a:bodyPr anchor="b"/>
-          <a:lstStyle>
-            <a:lvl1pPr marL="0" indent="0">
-              <a:buNone/>
-              <a:defRPr sz="2400" b="1"/>
-            </a:lvl1pPr>
-            <a:lvl2pPr marL="457200" indent="0">
-              <a:buNone/>
-              <a:defRPr sz="2000" b="1"/>
-            </a:lvl2pPr>
-            <a:lvl3pPr marL="914400" indent="0">
-              <a:buNone/>
-              <a:defRPr sz="1800" b="1"/>
-            </a:lvl3pPr>
-            <a:lvl4pPr marL="1371600" indent="0">
-              <a:buNone/>
-              <a:defRPr sz="1600" b="1"/>
-            </a:lvl4pPr>
-            <a:lvl5pPr marL="1828800" indent="0">
-              <a:buNone/>
-              <a:defRPr sz="1600" b="1"/>
-            </a:lvl5pPr>
-            <a:lvl6pPr marL="2286000" indent="0">
-              <a:buNone/>
-              <a:defRPr sz="1600" b="1"/>
-            </a:lvl6pPr>
-            <a:lvl7pPr marL="2743200" indent="0">
-              <a:buNone/>
-              <a:defRPr sz="1600" b="1"/>
-            </a:lvl7pPr>
-            <a:lvl8pPr marL="3200400" indent="0">
-              <a:buNone/>
-              <a:defRPr sz="1600" b="1"/>
-            </a:lvl8pPr>
-            <a:lvl9pPr marL="3657600" indent="0">
-              <a:buNone/>
-              <a:defRPr sz="1600" b="1"/>
-            </a:lvl9pPr>
-          </a:lstStyle>
-          <a:p>
-            <a:pPr lvl="0"/>
-            <a:r>
-              <a:rPr lang="fr-FR" smtClean="0"/>
-              <a:t>Click to edit Master text styles</a:t>
-            </a:r>
-          </a:p>
-        </p:txBody>
-      </p:sp>
-      <p:sp>
-        <p:nvSpPr>
-          <p:cNvPr id="6" name="Content Placeholder 5"/>
-          <p:cNvSpPr>
-            <a:spLocks noGrp="1"/>
-          </p:cNvSpPr>
-          <p:nvPr>
-            <p:ph sz="quarter" idx="4"/>
-          </p:nvPr>
-        </p:nvSpPr>
-        <p:spPr>
-          <a:xfrm>
-            <a:off x="4645025" y="2174875"/>
-            <a:ext cx="4041775" cy="3951288"/>
-          </a:xfrm>
-        </p:spPr>
-        <p:txBody>
-          <a:bodyPr/>
-          <a:lstStyle>
-            <a:lvl1pPr>
-              <a:defRPr sz="2400"/>
-            </a:lvl1pPr>
-            <a:lvl2pPr>
-              <a:defRPr sz="2000"/>
-            </a:lvl2pPr>
-            <a:lvl3pPr>
-              <a:defRPr sz="1800"/>
-            </a:lvl3pPr>
-            <a:lvl4pPr>
-              <a:defRPr sz="1600"/>
-            </a:lvl4pPr>
-            <a:lvl5pPr>
-              <a:defRPr sz="1600"/>
-            </a:lvl5pPr>
-            <a:lvl6pPr>
-              <a:defRPr sz="1600"/>
-            </a:lvl6pPr>
-            <a:lvl7pPr>
-              <a:defRPr sz="1600"/>
-            </a:lvl7pPr>
-            <a:lvl8pPr>
-              <a:defRPr sz="1600"/>
-            </a:lvl8pPr>
-            <a:lvl9pPr>
-              <a:defRPr sz="1600"/>
-            </a:lvl9pPr>
-          </a:lstStyle>
-          <a:p>
-            <a:pPr lvl="0"/>
-            <a:r>
-              <a:rPr lang="fr-FR" smtClean="0"/>
-              <a:t>Click to edit Master text styles</a:t>
-            </a:r>
-          </a:p>
-          <a:p>
-            <a:pPr lvl="1"/>
-            <a:r>
-              <a:rPr lang="fr-FR" smtClean="0"/>
-              <a:t>Second level</a:t>
-            </a:r>
-          </a:p>
-          <a:p>
-            <a:pPr lvl="2"/>
-            <a:r>
-              <a:rPr lang="fr-FR" smtClean="0"/>
-              <a:t>Third level</a:t>
-            </a:r>
-          </a:p>
-          <a:p>
-            <a:pPr lvl="3"/>
-            <a:r>
-              <a:rPr lang="fr-FR" smtClean="0"/>
-              <a:t>Fourth level</a:t>
-            </a:r>
-          </a:p>
-          <a:p>
-            <a:pPr lvl="4"/>
-            <a:r>
-              <a:rPr lang="fr-FR" smtClean="0"/>
-              <a:t>Fifth level</a:t>
-            </a:r>
-            <a:endParaRPr lang="nl-BE"/>
-          </a:p>
-        </p:txBody>
-      </p:sp>
-      <p:sp>
-        <p:nvSpPr>
-          <p:cNvPr id="7" name="Date Placeholder 6"/>
-          <p:cNvSpPr>
-            <a:spLocks noGrp="1"/>
-          </p:cNvSpPr>
-          <p:nvPr>
-            <p:ph type="dt" sz="half" idx="10"/>
-          </p:nvPr>
-        </p:nvSpPr>
-        <p:spPr/>
-        <p:txBody>
-          <a:bodyPr/>
-          <a:lstStyle/>
-          <a:p>
-            <a:fld id="{C29160A7-5F71-2B44-B5DD-B5EECC5B0C89}" type="datetimeFigureOut">
-              <a:rPr lang="en-US" smtClean="0"/>
-              <a:pPr/>
-              <a:t>11/23/2014</a:t>
-            </a:fld>
-            <a:endParaRPr lang="nl-BE"/>
-          </a:p>
-        </p:txBody>
-      </p:sp>
-      <p:sp>
-        <p:nvSpPr>
-          <p:cNvPr id="8" name="Footer Placeholder 7"/>
-          <p:cNvSpPr>
-            <a:spLocks noGrp="1"/>
-          </p:cNvSpPr>
-          <p:nvPr>
-            <p:ph type="ftr" sz="quarter" idx="11"/>
-          </p:nvPr>
-        </p:nvSpPr>
-        <p:spPr/>
-        <p:txBody>
-          <a:bodyPr/>
-          <a:lstStyle/>
-          <a:p>
-            <a:endParaRPr lang="nl-BE"/>
-          </a:p>
-        </p:txBody>
-      </p:sp>
-      <p:sp>
-        <p:nvSpPr>
-          <p:cNvPr id="9" name="Slide Number Placeholder 8"/>
-          <p:cNvSpPr>
-            <a:spLocks noGrp="1"/>
-          </p:cNvSpPr>
-          <p:nvPr>
-            <p:ph type="sldNum" sz="quarter" idx="12"/>
-          </p:nvPr>
-        </p:nvSpPr>
-        <p:spPr/>
-        <p:txBody>
-          <a:bodyPr/>
-          <a:lstStyle/>
-          <a:p>
-            <a:fld id="{399A7B18-4CF9-2C4D-A962-DC5233A676A7}" type="slidenum">
-              <a:rPr lang="nl-BE" smtClean="0"/>
-              <a:pPr/>
-              <a:t>‹nr.›</a:t>
-            </a:fld>
-            <a:endParaRPr lang="nl-BE"/>
-          </a:p>
-        </p:txBody>
-      </p:sp>
-    </p:spTree>
-    <p:extLst>
-      <p:ext uri="{BB962C8B-B14F-4D97-AF65-F5344CB8AC3E}">
-        <p14:creationId xmlns:p14="http://schemas.microsoft.com/office/powerpoint/2010/main" val="800563952"/>
-      </p:ext>
-    </p:extLst>
-  </p:cSld>
-  <p:clrMapOvr>
-    <a:masterClrMapping/>
-  </p:clrMapOvr>
-</p:sldLayout>
-</file>
-
-<file path=ppt/slideLayouts/slideLayout6.xml><?xml version="1.0" encoding="utf-8"?>
-<p:sldLayout xmlns:a="http://schemas.openxmlformats.org/drawingml/2006/main" xmlns:r="http://schemas.openxmlformats.org/officeDocument/2006/relationships" xmlns:p="http://schemas.openxmlformats.org/presentationml/2006/main" type="titleOnly" preserve="1">
-  <p:cSld name="Title Only">
-    <p:spTree>
-      <p:nvGrpSpPr>
-        <p:cNvPr id="1" name=""/>
-        <p:cNvGrpSpPr/>
-        <p:nvPr/>
-      </p:nvGrpSpPr>
-      <p:grpSpPr>
-        <a:xfrm>
-          <a:off x="0" y="0"/>
-          <a:ext cx="0" cy="0"/>
-          <a:chOff x="0" y="0"/>
-          <a:chExt cx="0" cy="0"/>
-        </a:xfrm>
-      </p:grpSpPr>
-      <p:sp>
-        <p:nvSpPr>
-          <p:cNvPr id="2" name="Title 1"/>
-          <p:cNvSpPr>
-            <a:spLocks noGrp="1"/>
-          </p:cNvSpPr>
-          <p:nvPr>
-            <p:ph type="title"/>
-          </p:nvPr>
-        </p:nvSpPr>
-        <p:spPr/>
-        <p:txBody>
-          <a:bodyPr/>
-          <a:lstStyle/>
-          <a:p>
-            <a:r>
-              <a:rPr lang="fr-FR" smtClean="0"/>
-              <a:t>Click to edit Master title style</a:t>
-            </a:r>
-            <a:endParaRPr lang="nl-BE"/>
+              <a:t>Titelstijl van model bewerken</a:t>
+            </a:r>
+            <a:endParaRPr/>
           </a:p>
         </p:txBody>
       </p:sp>
@@ -5230,7 +5996,7 @@
             <a:fld id="{C29160A7-5F71-2B44-B5DD-B5EECC5B0C89}" type="datetimeFigureOut">
               <a:rPr lang="en-US" smtClean="0"/>
               <a:pPr/>
-              <a:t>11/23/2014</a:t>
+              <a:t>24/11/14</a:t>
             </a:fld>
             <a:endParaRPr lang="nl-BE"/>
           </a:p>
@@ -5280,11 +6046,6 @@
         </p:txBody>
       </p:sp>
     </p:spTree>
-    <p:extLst>
-      <p:ext uri="{BB962C8B-B14F-4D97-AF65-F5344CB8AC3E}">
-        <p14:creationId xmlns:p14="http://schemas.microsoft.com/office/powerpoint/2010/main" val="1584677536"/>
-      </p:ext>
-    </p:extLst>
   </p:cSld>
   <p:clrMapOvr>
     <a:masterClrMapping/>
@@ -5292,9 +6053,9 @@
 </p:sldLayout>
 </file>
 
-<file path=ppt/slideLayouts/slideLayout7.xml><?xml version="1.0" encoding="utf-8"?>
+<file path=ppt/slideLayouts/slideLayout8.xml><?xml version="1.0" encoding="utf-8"?>
 <p:sldLayout xmlns:a="http://schemas.openxmlformats.org/drawingml/2006/main" xmlns:r="http://schemas.openxmlformats.org/officeDocument/2006/relationships" xmlns:p="http://schemas.openxmlformats.org/presentationml/2006/main" type="blank" preserve="1">
-  <p:cSld name="Blank">
+  <p:cSld name="Leeg">
     <p:spTree>
       <p:nvGrpSpPr>
         <p:cNvPr id="1" name=""/>
@@ -5327,7 +6088,7 @@
             <a:fld id="{C29160A7-5F71-2B44-B5DD-B5EECC5B0C89}" type="datetimeFigureOut">
               <a:rPr lang="en-US" smtClean="0"/>
               <a:pPr/>
-              <a:t>11/23/2014</a:t>
+              <a:t>24/11/14</a:t>
             </a:fld>
             <a:endParaRPr lang="nl-BE"/>
           </a:p>
@@ -5377,11 +6138,6 @@
         </p:txBody>
       </p:sp>
     </p:spTree>
-    <p:extLst>
-      <p:ext uri="{BB962C8B-B14F-4D97-AF65-F5344CB8AC3E}">
-        <p14:creationId xmlns:p14="http://schemas.microsoft.com/office/powerpoint/2010/main" val="3462417704"/>
-      </p:ext>
-    </p:extLst>
   </p:cSld>
   <p:clrMapOvr>
     <a:masterClrMapping/>
@@ -5389,9 +6145,9 @@
 </p:sldLayout>
 </file>
 
-<file path=ppt/slideLayouts/slideLayout8.xml><?xml version="1.0" encoding="utf-8"?>
+<file path=ppt/slideLayouts/slideLayout9.xml><?xml version="1.0" encoding="utf-8"?>
 <p:sldLayout xmlns:a="http://schemas.openxmlformats.org/drawingml/2006/main" xmlns:r="http://schemas.openxmlformats.org/officeDocument/2006/relationships" xmlns:p="http://schemas.openxmlformats.org/presentationml/2006/main" type="objTx" preserve="1">
-  <p:cSld name="Content with Caption">
+  <p:cSld name="Inhoud met bijschrift">
     <p:spTree>
       <p:nvGrpSpPr>
         <p:cNvPr id="1" name=""/>
@@ -5418,23 +6174,23 @@
         </p:nvSpPr>
         <p:spPr>
           <a:xfrm>
-            <a:off x="457200" y="273050"/>
-            <a:ext cx="3008313" cy="1162050"/>
+            <a:off x="533399" y="611872"/>
+            <a:ext cx="3840480" cy="1162050"/>
           </a:xfrm>
         </p:spPr>
         <p:txBody>
           <a:bodyPr anchor="b"/>
           <a:lstStyle>
-            <a:lvl1pPr algn="l">
-              <a:defRPr sz="2000" b="1"/>
+            <a:lvl1pPr algn="ctr">
+              <a:defRPr sz="3600" b="0"/>
             </a:lvl1pPr>
           </a:lstStyle>
           <a:p>
             <a:r>
-              <a:rPr lang="fr-FR" smtClean="0"/>
-              <a:t>Click to edit Master title style</a:t>
-            </a:r>
-            <a:endParaRPr lang="nl-BE"/>
+              <a:rPr lang="nl-BE" smtClean="0"/>
+              <a:t>Titelstijl van model bewerken</a:t>
+            </a:r>
+            <a:endParaRPr/>
           </a:p>
         </p:txBody>
       </p:sp>
@@ -5450,27 +6206,32 @@
         </p:nvSpPr>
         <p:spPr>
           <a:xfrm>
-            <a:off x="3575050" y="273050"/>
-            <a:ext cx="5111750" cy="5853113"/>
+            <a:off x="4742824" y="368300"/>
+            <a:ext cx="3840480" cy="5575300"/>
           </a:xfrm>
         </p:spPr>
         <p:txBody>
-          <a:bodyPr/>
+          <a:bodyPr>
+            <a:normAutofit/>
+          </a:bodyPr>
           <a:lstStyle>
             <a:lvl1pPr>
-              <a:defRPr sz="3200"/>
+              <a:spcBef>
+                <a:spcPts val="2000"/>
+              </a:spcBef>
+              <a:defRPr sz="2200"/>
             </a:lvl1pPr>
             <a:lvl2pPr>
-              <a:defRPr sz="2800"/>
+              <a:defRPr sz="2000"/>
             </a:lvl2pPr>
             <a:lvl3pPr>
-              <a:defRPr sz="2400"/>
+              <a:defRPr sz="1800"/>
             </a:lvl3pPr>
             <a:lvl4pPr>
-              <a:defRPr sz="2000"/>
+              <a:defRPr sz="1800"/>
             </a:lvl4pPr>
             <a:lvl5pPr>
-              <a:defRPr sz="2000"/>
+              <a:defRPr sz="1800"/>
             </a:lvl5pPr>
             <a:lvl6pPr>
               <a:defRPr sz="2000"/>
@@ -5488,38 +6249,38 @@
           <a:p>
             <a:pPr lvl="0"/>
             <a:r>
-              <a:rPr lang="fr-FR" smtClean="0"/>
-              <a:t>Click to edit Master text styles</a:t>
+              <a:rPr lang="nl-BE" smtClean="0"/>
+              <a:t>Klik om de tekststijl van het model te bewerken</a:t>
             </a:r>
           </a:p>
           <a:p>
             <a:pPr lvl="1"/>
             <a:r>
-              <a:rPr lang="fr-FR" smtClean="0"/>
-              <a:t>Second level</a:t>
+              <a:rPr lang="nl-BE" smtClean="0"/>
+              <a:t>Tweede niveau</a:t>
             </a:r>
           </a:p>
           <a:p>
             <a:pPr lvl="2"/>
             <a:r>
-              <a:rPr lang="fr-FR" smtClean="0"/>
-              <a:t>Third level</a:t>
+              <a:rPr lang="nl-BE" smtClean="0"/>
+              <a:t>Derde niveau</a:t>
             </a:r>
           </a:p>
           <a:p>
             <a:pPr lvl="3"/>
             <a:r>
-              <a:rPr lang="fr-FR" smtClean="0"/>
-              <a:t>Fourth level</a:t>
+              <a:rPr lang="nl-BE" smtClean="0"/>
+              <a:t>Vierde niveau</a:t>
             </a:r>
           </a:p>
           <a:p>
             <a:pPr lvl="4"/>
             <a:r>
-              <a:rPr lang="fr-FR" smtClean="0"/>
-              <a:t>Fifth level</a:t>
-            </a:r>
-            <a:endParaRPr lang="nl-BE"/>
+              <a:rPr lang="nl-BE" smtClean="0"/>
+              <a:t>Vijfde niveau</a:t>
+            </a:r>
+            <a:endParaRPr dirty="0"/>
           </a:p>
         </p:txBody>
       </p:sp>
@@ -5535,16 +6296,21 @@
         </p:nvSpPr>
         <p:spPr>
           <a:xfrm>
-            <a:off x="457200" y="1435100"/>
-            <a:ext cx="3008313" cy="4691063"/>
+            <a:off x="533399" y="1787856"/>
+            <a:ext cx="3840480" cy="3720152"/>
           </a:xfrm>
         </p:spPr>
         <p:txBody>
-          <a:bodyPr/>
+          <a:bodyPr>
+            <a:normAutofit/>
+          </a:bodyPr>
           <a:lstStyle>
-            <a:lvl1pPr marL="0" indent="0">
-              <a:buNone/>
-              <a:defRPr sz="1400"/>
+            <a:lvl1pPr marL="0" indent="0" algn="ctr">
+              <a:spcBef>
+                <a:spcPts val="600"/>
+              </a:spcBef>
+              <a:buNone/>
+              <a:defRPr sz="1800"/>
             </a:lvl1pPr>
             <a:lvl2pPr marL="457200" indent="0">
               <a:buNone/>
@@ -5582,8 +6348,8 @@
           <a:p>
             <a:pPr lvl="0"/>
             <a:r>
-              <a:rPr lang="fr-FR" smtClean="0"/>
-              <a:t>Click to edit Master text styles</a:t>
+              <a:rPr lang="nl-BE" smtClean="0"/>
+              <a:t>Klik om de tekststijl van het model te bewerken</a:t>
             </a:r>
           </a:p>
         </p:txBody>
@@ -5606,7 +6372,7 @@
             <a:fld id="{C29160A7-5F71-2B44-B5DD-B5EECC5B0C89}" type="datetimeFigureOut">
               <a:rPr lang="en-US" smtClean="0"/>
               <a:pPr/>
-              <a:t>11/23/2014</a:t>
+              <a:t>24/11/14</a:t>
             </a:fld>
             <a:endParaRPr lang="nl-BE"/>
           </a:p>
@@ -5656,266 +6422,6 @@
         </p:txBody>
       </p:sp>
     </p:spTree>
-    <p:extLst>
-      <p:ext uri="{BB962C8B-B14F-4D97-AF65-F5344CB8AC3E}">
-        <p14:creationId xmlns:p14="http://schemas.microsoft.com/office/powerpoint/2010/main" val="3539016545"/>
-      </p:ext>
-    </p:extLst>
-  </p:cSld>
-  <p:clrMapOvr>
-    <a:masterClrMapping/>
-  </p:clrMapOvr>
-</p:sldLayout>
-</file>
-
-<file path=ppt/slideLayouts/slideLayout9.xml><?xml version="1.0" encoding="utf-8"?>
-<p:sldLayout xmlns:a="http://schemas.openxmlformats.org/drawingml/2006/main" xmlns:r="http://schemas.openxmlformats.org/officeDocument/2006/relationships" xmlns:p="http://schemas.openxmlformats.org/presentationml/2006/main" type="picTx" preserve="1">
-  <p:cSld name="Picture with Caption">
-    <p:spTree>
-      <p:nvGrpSpPr>
-        <p:cNvPr id="1" name=""/>
-        <p:cNvGrpSpPr/>
-        <p:nvPr/>
-      </p:nvGrpSpPr>
-      <p:grpSpPr>
-        <a:xfrm>
-          <a:off x="0" y="0"/>
-          <a:ext cx="0" cy="0"/>
-          <a:chOff x="0" y="0"/>
-          <a:chExt cx="0" cy="0"/>
-        </a:xfrm>
-      </p:grpSpPr>
-      <p:sp>
-        <p:nvSpPr>
-          <p:cNvPr id="2" name="Title 1"/>
-          <p:cNvSpPr>
-            <a:spLocks noGrp="1"/>
-          </p:cNvSpPr>
-          <p:nvPr>
-            <p:ph type="title"/>
-          </p:nvPr>
-        </p:nvSpPr>
-        <p:spPr>
-          <a:xfrm>
-            <a:off x="1792288" y="4800600"/>
-            <a:ext cx="5486400" cy="566738"/>
-          </a:xfrm>
-        </p:spPr>
-        <p:txBody>
-          <a:bodyPr anchor="b"/>
-          <a:lstStyle>
-            <a:lvl1pPr algn="l">
-              <a:defRPr sz="2000" b="1"/>
-            </a:lvl1pPr>
-          </a:lstStyle>
-          <a:p>
-            <a:r>
-              <a:rPr lang="fr-FR" smtClean="0"/>
-              <a:t>Click to edit Master title style</a:t>
-            </a:r>
-            <a:endParaRPr lang="nl-BE"/>
-          </a:p>
-        </p:txBody>
-      </p:sp>
-      <p:sp>
-        <p:nvSpPr>
-          <p:cNvPr id="3" name="Picture Placeholder 2"/>
-          <p:cNvSpPr>
-            <a:spLocks noGrp="1"/>
-          </p:cNvSpPr>
-          <p:nvPr>
-            <p:ph type="pic" idx="1"/>
-          </p:nvPr>
-        </p:nvSpPr>
-        <p:spPr>
-          <a:xfrm>
-            <a:off x="1792288" y="612775"/>
-            <a:ext cx="5486400" cy="4114800"/>
-          </a:xfrm>
-        </p:spPr>
-        <p:txBody>
-          <a:bodyPr/>
-          <a:lstStyle>
-            <a:lvl1pPr marL="0" indent="0">
-              <a:buNone/>
-              <a:defRPr sz="3200"/>
-            </a:lvl1pPr>
-            <a:lvl2pPr marL="457200" indent="0">
-              <a:buNone/>
-              <a:defRPr sz="2800"/>
-            </a:lvl2pPr>
-            <a:lvl3pPr marL="914400" indent="0">
-              <a:buNone/>
-              <a:defRPr sz="2400"/>
-            </a:lvl3pPr>
-            <a:lvl4pPr marL="1371600" indent="0">
-              <a:buNone/>
-              <a:defRPr sz="2000"/>
-            </a:lvl4pPr>
-            <a:lvl5pPr marL="1828800" indent="0">
-              <a:buNone/>
-              <a:defRPr sz="2000"/>
-            </a:lvl5pPr>
-            <a:lvl6pPr marL="2286000" indent="0">
-              <a:buNone/>
-              <a:defRPr sz="2000"/>
-            </a:lvl6pPr>
-            <a:lvl7pPr marL="2743200" indent="0">
-              <a:buNone/>
-              <a:defRPr sz="2000"/>
-            </a:lvl7pPr>
-            <a:lvl8pPr marL="3200400" indent="0">
-              <a:buNone/>
-              <a:defRPr sz="2000"/>
-            </a:lvl8pPr>
-            <a:lvl9pPr marL="3657600" indent="0">
-              <a:buNone/>
-              <a:defRPr sz="2000"/>
-            </a:lvl9pPr>
-          </a:lstStyle>
-          <a:p>
-            <a:endParaRPr lang="nl-BE"/>
-          </a:p>
-        </p:txBody>
-      </p:sp>
-      <p:sp>
-        <p:nvSpPr>
-          <p:cNvPr id="4" name="Text Placeholder 3"/>
-          <p:cNvSpPr>
-            <a:spLocks noGrp="1"/>
-          </p:cNvSpPr>
-          <p:nvPr>
-            <p:ph type="body" sz="half" idx="2"/>
-          </p:nvPr>
-        </p:nvSpPr>
-        <p:spPr>
-          <a:xfrm>
-            <a:off x="1792288" y="5367338"/>
-            <a:ext cx="5486400" cy="804862"/>
-          </a:xfrm>
-        </p:spPr>
-        <p:txBody>
-          <a:bodyPr/>
-          <a:lstStyle>
-            <a:lvl1pPr marL="0" indent="0">
-              <a:buNone/>
-              <a:defRPr sz="1400"/>
-            </a:lvl1pPr>
-            <a:lvl2pPr marL="457200" indent="0">
-              <a:buNone/>
-              <a:defRPr sz="1200"/>
-            </a:lvl2pPr>
-            <a:lvl3pPr marL="914400" indent="0">
-              <a:buNone/>
-              <a:defRPr sz="1000"/>
-            </a:lvl3pPr>
-            <a:lvl4pPr marL="1371600" indent="0">
-              <a:buNone/>
-              <a:defRPr sz="900"/>
-            </a:lvl4pPr>
-            <a:lvl5pPr marL="1828800" indent="0">
-              <a:buNone/>
-              <a:defRPr sz="900"/>
-            </a:lvl5pPr>
-            <a:lvl6pPr marL="2286000" indent="0">
-              <a:buNone/>
-              <a:defRPr sz="900"/>
-            </a:lvl6pPr>
-            <a:lvl7pPr marL="2743200" indent="0">
-              <a:buNone/>
-              <a:defRPr sz="900"/>
-            </a:lvl7pPr>
-            <a:lvl8pPr marL="3200400" indent="0">
-              <a:buNone/>
-              <a:defRPr sz="900"/>
-            </a:lvl8pPr>
-            <a:lvl9pPr marL="3657600" indent="0">
-              <a:buNone/>
-              <a:defRPr sz="900"/>
-            </a:lvl9pPr>
-          </a:lstStyle>
-          <a:p>
-            <a:pPr lvl="0"/>
-            <a:r>
-              <a:rPr lang="fr-FR" smtClean="0"/>
-              <a:t>Click to edit Master text styles</a:t>
-            </a:r>
-          </a:p>
-        </p:txBody>
-      </p:sp>
-      <p:sp>
-        <p:nvSpPr>
-          <p:cNvPr id="5" name="Date Placeholder 4"/>
-          <p:cNvSpPr>
-            <a:spLocks noGrp="1"/>
-          </p:cNvSpPr>
-          <p:nvPr>
-            <p:ph type="dt" sz="half" idx="10"/>
-          </p:nvPr>
-        </p:nvSpPr>
-        <p:spPr/>
-        <p:txBody>
-          <a:bodyPr/>
-          <a:lstStyle/>
-          <a:p>
-            <a:fld id="{C29160A7-5F71-2B44-B5DD-B5EECC5B0C89}" type="datetimeFigureOut">
-              <a:rPr lang="en-US" smtClean="0"/>
-              <a:pPr/>
-              <a:t>11/23/2014</a:t>
-            </a:fld>
-            <a:endParaRPr lang="nl-BE"/>
-          </a:p>
-        </p:txBody>
-      </p:sp>
-      <p:sp>
-        <p:nvSpPr>
-          <p:cNvPr id="6" name="Footer Placeholder 5"/>
-          <p:cNvSpPr>
-            <a:spLocks noGrp="1"/>
-          </p:cNvSpPr>
-          <p:nvPr>
-            <p:ph type="ftr" sz="quarter" idx="11"/>
-          </p:nvPr>
-        </p:nvSpPr>
-        <p:spPr/>
-        <p:txBody>
-          <a:bodyPr/>
-          <a:lstStyle/>
-          <a:p>
-            <a:endParaRPr lang="nl-BE"/>
-          </a:p>
-        </p:txBody>
-      </p:sp>
-      <p:sp>
-        <p:nvSpPr>
-          <p:cNvPr id="7" name="Slide Number Placeholder 6"/>
-          <p:cNvSpPr>
-            <a:spLocks noGrp="1"/>
-          </p:cNvSpPr>
-          <p:nvPr>
-            <p:ph type="sldNum" sz="quarter" idx="12"/>
-          </p:nvPr>
-        </p:nvSpPr>
-        <p:spPr/>
-        <p:txBody>
-          <a:bodyPr/>
-          <a:lstStyle/>
-          <a:p>
-            <a:fld id="{399A7B18-4CF9-2C4D-A962-DC5233A676A7}" type="slidenum">
-              <a:rPr lang="nl-BE" smtClean="0"/>
-              <a:pPr/>
-              <a:t>‹nr.›</a:t>
-            </a:fld>
-            <a:endParaRPr lang="nl-BE"/>
-          </a:p>
-        </p:txBody>
-      </p:sp>
-    </p:spTree>
-    <p:extLst>
-      <p:ext uri="{BB962C8B-B14F-4D97-AF65-F5344CB8AC3E}">
-        <p14:creationId xmlns:p14="http://schemas.microsoft.com/office/powerpoint/2010/main" val="1961614620"/>
-      </p:ext>
-    </p:extLst>
   </p:cSld>
   <p:clrMapOvr>
     <a:masterClrMapping/>
@@ -5927,8 +6433,8 @@
 <p:sldMaster xmlns:a="http://schemas.openxmlformats.org/drawingml/2006/main" xmlns:r="http://schemas.openxmlformats.org/officeDocument/2006/relationships" xmlns:p="http://schemas.openxmlformats.org/presentationml/2006/main">
   <p:cSld>
     <p:bg>
-      <p:bgRef idx="1001">
-        <a:schemeClr val="bg1"/>
+      <p:bgRef idx="1003">
+        <a:schemeClr val="bg2"/>
       </p:bgRef>
     </p:bg>
     <p:spTree>
@@ -5957,24 +6463,24 @@
         </p:nvSpPr>
         <p:spPr>
           <a:xfrm>
-            <a:off x="457200" y="274638"/>
-            <a:ext cx="8229600" cy="1143000"/>
+            <a:off x="549275" y="107576"/>
+            <a:ext cx="8042276" cy="1336956"/>
           </a:xfrm>
           <a:prstGeom prst="rect">
             <a:avLst/>
           </a:prstGeom>
         </p:spPr>
         <p:txBody>
-          <a:bodyPr vert="horz" lIns="91440" tIns="45720" rIns="91440" bIns="45720" rtlCol="0" anchor="ctr">
-            <a:normAutofit/>
+          <a:bodyPr vert="horz" lIns="91440" tIns="45720" rIns="91440" bIns="45720" rtlCol="0" anchor="b" anchorCtr="0">
+            <a:noAutofit/>
           </a:bodyPr>
           <a:lstStyle/>
           <a:p>
             <a:r>
-              <a:rPr lang="fr-FR" smtClean="0"/>
-              <a:t>Click to edit Master title style</a:t>
-            </a:r>
-            <a:endParaRPr lang="nl-BE"/>
+              <a:rPr lang="nl-BE" smtClean="0"/>
+              <a:t>Titelstijl van model bewerken</a:t>
+            </a:r>
+            <a:endParaRPr/>
           </a:p>
         </p:txBody>
       </p:sp>
@@ -5990,8 +6496,8 @@
         </p:nvSpPr>
         <p:spPr>
           <a:xfrm>
-            <a:off x="457200" y="1600200"/>
-            <a:ext cx="8229600" cy="4525963"/>
+            <a:off x="549275" y="1600201"/>
+            <a:ext cx="8042276" cy="4343400"/>
           </a:xfrm>
           <a:prstGeom prst="rect">
             <a:avLst/>
@@ -6005,38 +6511,38 @@
           <a:p>
             <a:pPr lvl="0"/>
             <a:r>
-              <a:rPr lang="fr-FR" smtClean="0"/>
-              <a:t>Click to edit Master text styles</a:t>
+              <a:rPr lang="nl-BE" smtClean="0"/>
+              <a:t>Klik om de tekststijl van het model te bewerken</a:t>
             </a:r>
           </a:p>
           <a:p>
             <a:pPr lvl="1"/>
             <a:r>
-              <a:rPr lang="fr-FR" smtClean="0"/>
-              <a:t>Second level</a:t>
+              <a:rPr lang="nl-BE" smtClean="0"/>
+              <a:t>Tweede niveau</a:t>
             </a:r>
           </a:p>
           <a:p>
             <a:pPr lvl="2"/>
             <a:r>
-              <a:rPr lang="fr-FR" smtClean="0"/>
-              <a:t>Third level</a:t>
+              <a:rPr lang="nl-BE" smtClean="0"/>
+              <a:t>Derde niveau</a:t>
             </a:r>
           </a:p>
           <a:p>
             <a:pPr lvl="3"/>
             <a:r>
-              <a:rPr lang="fr-FR" smtClean="0"/>
-              <a:t>Fourth level</a:t>
+              <a:rPr lang="nl-BE" smtClean="0"/>
+              <a:t>Vierde niveau</a:t>
             </a:r>
           </a:p>
           <a:p>
             <a:pPr lvl="4"/>
             <a:r>
-              <a:rPr lang="fr-FR" smtClean="0"/>
-              <a:t>Fifth level</a:t>
-            </a:r>
-            <a:endParaRPr lang="nl-BE"/>
+              <a:rPr lang="nl-BE" smtClean="0"/>
+              <a:t>Vijfde niveau</a:t>
+            </a:r>
+            <a:endParaRPr dirty="0"/>
           </a:p>
         </p:txBody>
       </p:sp>
@@ -6052,7 +6558,7 @@
         </p:nvSpPr>
         <p:spPr>
           <a:xfrm>
-            <a:off x="457200" y="6356350"/>
+            <a:off x="5629835" y="6275668"/>
             <a:ext cx="2133600" cy="365125"/>
           </a:xfrm>
           <a:prstGeom prst="rect">
@@ -6062,12 +6568,10 @@
         <p:txBody>
           <a:bodyPr vert="horz" lIns="91440" tIns="45720" rIns="91440" bIns="45720" rtlCol="0" anchor="ctr"/>
           <a:lstStyle>
-            <a:lvl1pPr algn="l">
+            <a:lvl1pPr algn="r">
               <a:defRPr sz="1200">
                 <a:solidFill>
-                  <a:schemeClr val="tx1">
-                    <a:tint val="75000"/>
-                  </a:schemeClr>
+                  <a:schemeClr val="bg1"/>
                 </a:solidFill>
               </a:defRPr>
             </a:lvl1pPr>
@@ -6076,7 +6580,7 @@
             <a:fld id="{C29160A7-5F71-2B44-B5DD-B5EECC5B0C89}" type="datetimeFigureOut">
               <a:rPr lang="en-US" smtClean="0"/>
               <a:pPr/>
-              <a:t>11/23/2014</a:t>
+              <a:t>24/11/14</a:t>
             </a:fld>
             <a:endParaRPr lang="nl-BE"/>
           </a:p>
@@ -6094,8 +6598,8 @@
         </p:nvSpPr>
         <p:spPr>
           <a:xfrm>
-            <a:off x="3124200" y="6356350"/>
-            <a:ext cx="2895600" cy="365125"/>
+            <a:off x="264458" y="6275668"/>
+            <a:ext cx="4840941" cy="365125"/>
           </a:xfrm>
           <a:prstGeom prst="rect">
             <a:avLst/>
@@ -6104,12 +6608,10 @@
         <p:txBody>
           <a:bodyPr vert="horz" lIns="91440" tIns="45720" rIns="91440" bIns="45720" rtlCol="0" anchor="ctr"/>
           <a:lstStyle>
-            <a:lvl1pPr algn="ctr">
+            <a:lvl1pPr algn="l">
               <a:defRPr sz="1200">
                 <a:solidFill>
-                  <a:schemeClr val="tx1">
-                    <a:tint val="75000"/>
-                  </a:schemeClr>
+                  <a:schemeClr val="bg1"/>
                 </a:solidFill>
               </a:defRPr>
             </a:lvl1pPr>
@@ -6131,8 +6633,8 @@
         </p:nvSpPr>
         <p:spPr>
           <a:xfrm>
-            <a:off x="6553200" y="6356350"/>
-            <a:ext cx="2133600" cy="365125"/>
+            <a:off x="7897906" y="6275668"/>
+            <a:ext cx="990600" cy="365125"/>
           </a:xfrm>
           <a:prstGeom prst="rect">
             <a:avLst/>
@@ -6142,11 +6644,9 @@
           <a:bodyPr vert="horz" lIns="91440" tIns="45720" rIns="91440" bIns="45720" rtlCol="0" anchor="ctr"/>
           <a:lstStyle>
             <a:lvl1pPr algn="r">
-              <a:defRPr sz="1200">
+              <a:defRPr sz="3600">
                 <a:solidFill>
-                  <a:schemeClr val="tx1">
-                    <a:tint val="75000"/>
-                  </a:schemeClr>
+                  <a:schemeClr val="bg1"/>
                 </a:solidFill>
               </a:defRPr>
             </a:lvl1pPr>
@@ -6162,36 +6662,32 @@
         </p:txBody>
       </p:sp>
     </p:spTree>
-    <p:extLst>
-      <p:ext uri="{BB962C8B-B14F-4D97-AF65-F5344CB8AC3E}">
-        <p14:creationId xmlns:p14="http://schemas.microsoft.com/office/powerpoint/2010/main" val="3297916253"/>
-      </p:ext>
-    </p:extLst>
   </p:cSld>
   <p:clrMap bg1="lt1" tx1="dk1" bg2="lt2" tx2="dk2" accent1="accent1" accent2="accent2" accent3="accent3" accent4="accent4" accent5="accent5" accent6="accent6" hlink="hlink" folHlink="folHlink"/>
   <p:sldLayoutIdLst>
-    <p:sldLayoutId id="2147483649" r:id="rId1"/>
-    <p:sldLayoutId id="2147483650" r:id="rId2"/>
-    <p:sldLayoutId id="2147483651" r:id="rId3"/>
-    <p:sldLayoutId id="2147483652" r:id="rId4"/>
-    <p:sldLayoutId id="2147483653" r:id="rId5"/>
-    <p:sldLayoutId id="2147483654" r:id="rId6"/>
-    <p:sldLayoutId id="2147483655" r:id="rId7"/>
-    <p:sldLayoutId id="2147483656" r:id="rId8"/>
-    <p:sldLayoutId id="2147483657" r:id="rId9"/>
-    <p:sldLayoutId id="2147483658" r:id="rId10"/>
-    <p:sldLayoutId id="2147483659" r:id="rId11"/>
+    <p:sldLayoutId id="2147483673" r:id="rId1"/>
+    <p:sldLayoutId id="2147483674" r:id="rId2"/>
+    <p:sldLayoutId id="2147483675" r:id="rId3"/>
+    <p:sldLayoutId id="2147483676" r:id="rId4"/>
+    <p:sldLayoutId id="2147483677" r:id="rId5"/>
+    <p:sldLayoutId id="2147483678" r:id="rId6"/>
+    <p:sldLayoutId id="2147483679" r:id="rId7"/>
+    <p:sldLayoutId id="2147483680" r:id="rId8"/>
+    <p:sldLayoutId id="2147483681" r:id="rId9"/>
+    <p:sldLayoutId id="2147483682" r:id="rId10"/>
+    <p:sldLayoutId id="2147483683" r:id="rId11"/>
+    <p:sldLayoutId id="2147483684" r:id="rId12"/>
   </p:sldLayoutIdLst>
   <p:txStyles>
     <p:titleStyle>
-      <a:lvl1pPr algn="ctr" defTabSz="457200" rtl="0" eaLnBrk="1" latinLnBrk="0" hangingPunct="1">
+      <a:lvl1pPr algn="ctr" defTabSz="914400" rtl="0" eaLnBrk="1" latinLnBrk="0" hangingPunct="1">
         <a:spcBef>
           <a:spcPct val="0"/>
         </a:spcBef>
         <a:buNone/>
-        <a:defRPr sz="4400" kern="1200">
+        <a:defRPr sz="4600" kern="1200">
           <a:solidFill>
-            <a:schemeClr val="tx1"/>
+            <a:schemeClr val="accent1"/>
           </a:solidFill>
           <a:latin typeface="+mj-lt"/>
           <a:ea typeface="+mj-ea"/>
@@ -6200,135 +6696,217 @@
       </a:lvl1pPr>
     </p:titleStyle>
     <p:bodyStyle>
-      <a:lvl1pPr marL="342900" indent="-342900" algn="l" defTabSz="457200" rtl="0" eaLnBrk="1" latinLnBrk="0" hangingPunct="1">
+      <a:lvl1pPr marL="349250" indent="-349250" algn="l" defTabSz="914400" rtl="0" eaLnBrk="1" latinLnBrk="0" hangingPunct="1">
         <a:spcBef>
-          <a:spcPct val="20000"/>
+          <a:spcPts val="2000"/>
         </a:spcBef>
-        <a:buFont typeface="Arial"/>
-        <a:buChar char="•"/>
-        <a:defRPr sz="3200" kern="1200">
+        <a:buClr>
+          <a:schemeClr val="accent1">
+            <a:lumMod val="60000"/>
+            <a:lumOff val="40000"/>
+          </a:schemeClr>
+        </a:buClr>
+        <a:buSzPct val="110000"/>
+        <a:buFont typeface="Wingdings 2" pitchFamily="18" charset="2"/>
+        <a:buChar char=""/>
+        <a:defRPr sz="2400" kern="1200">
           <a:solidFill>
-            <a:schemeClr val="tx1"/>
+            <a:schemeClr val="tx1">
+              <a:lumMod val="65000"/>
+              <a:lumOff val="35000"/>
+            </a:schemeClr>
           </a:solidFill>
           <a:latin typeface="+mn-lt"/>
           <a:ea typeface="+mn-ea"/>
           <a:cs typeface="+mn-cs"/>
         </a:defRPr>
       </a:lvl1pPr>
-      <a:lvl2pPr marL="742950" indent="-285750" algn="l" defTabSz="457200" rtl="0" eaLnBrk="1" latinLnBrk="0" hangingPunct="1">
+      <a:lvl2pPr marL="685800" indent="-336550" algn="l" defTabSz="914400" rtl="0" eaLnBrk="1" latinLnBrk="0" hangingPunct="1">
         <a:spcBef>
-          <a:spcPct val="20000"/>
+          <a:spcPts val="600"/>
         </a:spcBef>
-        <a:buFont typeface="Arial"/>
-        <a:buChar char="–"/>
-        <a:defRPr sz="2800" kern="1200">
+        <a:buClr>
+          <a:schemeClr val="accent1">
+            <a:lumMod val="75000"/>
+          </a:schemeClr>
+        </a:buClr>
+        <a:buSzPct val="110000"/>
+        <a:buFont typeface="Wingdings 2" pitchFamily="18" charset="2"/>
+        <a:buChar char=""/>
+        <a:defRPr sz="2200" kern="1200">
           <a:solidFill>
-            <a:schemeClr val="tx1"/>
+            <a:schemeClr val="tx1">
+              <a:lumMod val="65000"/>
+              <a:lumOff val="35000"/>
+            </a:schemeClr>
           </a:solidFill>
           <a:latin typeface="+mn-lt"/>
           <a:ea typeface="+mn-ea"/>
           <a:cs typeface="+mn-cs"/>
         </a:defRPr>
       </a:lvl2pPr>
-      <a:lvl3pPr marL="1143000" indent="-228600" algn="l" defTabSz="457200" rtl="0" eaLnBrk="1" latinLnBrk="0" hangingPunct="1">
+      <a:lvl3pPr marL="968375" indent="-282575" algn="l" defTabSz="914400" rtl="0" eaLnBrk="1" latinLnBrk="0" hangingPunct="1">
         <a:spcBef>
-          <a:spcPct val="20000"/>
+          <a:spcPts val="600"/>
         </a:spcBef>
-        <a:buFont typeface="Arial"/>
-        <a:buChar char="•"/>
-        <a:defRPr sz="2400" kern="1200">
+        <a:buClr>
+          <a:schemeClr val="accent1">
+            <a:lumMod val="60000"/>
+            <a:lumOff val="40000"/>
+          </a:schemeClr>
+        </a:buClr>
+        <a:buSzPct val="110000"/>
+        <a:buFont typeface="Wingdings 2" pitchFamily="18" charset="2"/>
+        <a:buChar char=""/>
+        <a:defRPr sz="2000" kern="1200">
           <a:solidFill>
-            <a:schemeClr val="tx1"/>
+            <a:schemeClr val="tx1">
+              <a:lumMod val="65000"/>
+              <a:lumOff val="35000"/>
+            </a:schemeClr>
           </a:solidFill>
           <a:latin typeface="+mn-lt"/>
           <a:ea typeface="+mn-ea"/>
           <a:cs typeface="+mn-cs"/>
         </a:defRPr>
       </a:lvl3pPr>
-      <a:lvl4pPr marL="1600200" indent="-228600" algn="l" defTabSz="457200" rtl="0" eaLnBrk="1" latinLnBrk="0" hangingPunct="1">
+      <a:lvl4pPr marL="1263650" indent="-295275" algn="l" defTabSz="914400" rtl="0" eaLnBrk="1" latinLnBrk="0" hangingPunct="1">
         <a:spcBef>
-          <a:spcPct val="20000"/>
+          <a:spcPts val="600"/>
         </a:spcBef>
-        <a:buFont typeface="Arial"/>
-        <a:buChar char="–"/>
-        <a:defRPr sz="2000" kern="1200">
+        <a:buClr>
+          <a:schemeClr val="accent1">
+            <a:lumMod val="75000"/>
+          </a:schemeClr>
+        </a:buClr>
+        <a:buSzPct val="110000"/>
+        <a:buFont typeface="Wingdings 2" pitchFamily="18" charset="2"/>
+        <a:buChar char=""/>
+        <a:defRPr sz="1800" kern="1200">
           <a:solidFill>
-            <a:schemeClr val="tx1"/>
+            <a:schemeClr val="tx1">
+              <a:lumMod val="65000"/>
+              <a:lumOff val="35000"/>
+            </a:schemeClr>
           </a:solidFill>
           <a:latin typeface="+mn-lt"/>
           <a:ea typeface="+mn-ea"/>
           <a:cs typeface="+mn-cs"/>
         </a:defRPr>
       </a:lvl4pPr>
-      <a:lvl5pPr marL="2057400" indent="-228600" algn="l" defTabSz="457200" rtl="0" eaLnBrk="1" latinLnBrk="0" hangingPunct="1">
+      <a:lvl5pPr marL="1546225" indent="-282575" algn="l" defTabSz="914400" rtl="0" eaLnBrk="1" latinLnBrk="0" hangingPunct="1">
         <a:spcBef>
-          <a:spcPct val="20000"/>
+          <a:spcPts val="600"/>
         </a:spcBef>
-        <a:buFont typeface="Arial"/>
-        <a:buChar char="»"/>
-        <a:defRPr sz="2000" kern="1200">
+        <a:buClr>
+          <a:schemeClr val="accent1">
+            <a:lumMod val="60000"/>
+            <a:lumOff val="40000"/>
+          </a:schemeClr>
+        </a:buClr>
+        <a:buSzPct val="110000"/>
+        <a:buFont typeface="Wingdings 2" pitchFamily="18" charset="2"/>
+        <a:buChar char=""/>
+        <a:defRPr sz="1800" kern="1200">
           <a:solidFill>
-            <a:schemeClr val="tx1"/>
+            <a:schemeClr val="tx1">
+              <a:lumMod val="65000"/>
+              <a:lumOff val="35000"/>
+            </a:schemeClr>
           </a:solidFill>
           <a:latin typeface="+mn-lt"/>
           <a:ea typeface="+mn-ea"/>
           <a:cs typeface="+mn-cs"/>
         </a:defRPr>
       </a:lvl5pPr>
-      <a:lvl6pPr marL="2514600" indent="-228600" algn="l" defTabSz="457200" rtl="0" eaLnBrk="1" latinLnBrk="0" hangingPunct="1">
+      <a:lvl6pPr marL="1828800" indent="-282575" algn="l" defTabSz="914400" rtl="0" eaLnBrk="1" latinLnBrk="0" hangingPunct="1">
         <a:spcBef>
           <a:spcPct val="20000"/>
         </a:spcBef>
-        <a:buFont typeface="Arial"/>
-        <a:buChar char="•"/>
-        <a:defRPr sz="2000" kern="1200">
+        <a:buClr>
+          <a:schemeClr val="accent2"/>
+        </a:buClr>
+        <a:buSzPct val="110000"/>
+        <a:buFont typeface="Wingdings 2" pitchFamily="18" charset="2"/>
+        <a:buChar char=""/>
+        <a:defRPr lang="en-US" sz="1800" kern="1200" dirty="0" smtClean="0">
           <a:solidFill>
-            <a:schemeClr val="tx1"/>
+            <a:schemeClr val="tx1">
+              <a:lumMod val="65000"/>
+              <a:lumOff val="35000"/>
+            </a:schemeClr>
           </a:solidFill>
           <a:latin typeface="+mn-lt"/>
           <a:ea typeface="+mn-ea"/>
           <a:cs typeface="+mn-cs"/>
         </a:defRPr>
       </a:lvl6pPr>
-      <a:lvl7pPr marL="2971800" indent="-228600" algn="l" defTabSz="457200" rtl="0" eaLnBrk="1" latinLnBrk="0" hangingPunct="1">
+      <a:lvl7pPr marL="2117725" indent="-282575" algn="l" defTabSz="914400" rtl="0" eaLnBrk="1" latinLnBrk="0" hangingPunct="1">
         <a:spcBef>
           <a:spcPct val="20000"/>
         </a:spcBef>
-        <a:buFont typeface="Arial"/>
-        <a:buChar char="•"/>
-        <a:defRPr sz="2000" kern="1200">
+        <a:buClr>
+          <a:schemeClr val="accent1">
+            <a:lumMod val="60000"/>
+            <a:lumOff val="40000"/>
+          </a:schemeClr>
+        </a:buClr>
+        <a:buSzPct val="110000"/>
+        <a:buFont typeface="Wingdings 2" pitchFamily="18" charset="2"/>
+        <a:buChar char=""/>
+        <a:defRPr lang="en-US" sz="1800" kern="1200" dirty="0" smtClean="0">
           <a:solidFill>
-            <a:schemeClr val="tx1"/>
+            <a:schemeClr val="tx1">
+              <a:lumMod val="65000"/>
+              <a:lumOff val="35000"/>
+            </a:schemeClr>
           </a:solidFill>
           <a:latin typeface="+mn-lt"/>
           <a:ea typeface="+mn-ea"/>
           <a:cs typeface="+mn-cs"/>
         </a:defRPr>
       </a:lvl7pPr>
-      <a:lvl8pPr marL="3429000" indent="-228600" algn="l" defTabSz="457200" rtl="0" eaLnBrk="1" latinLnBrk="0" hangingPunct="1">
+      <a:lvl8pPr marL="2398713" indent="-282575" algn="l" defTabSz="914400" rtl="0" eaLnBrk="1" latinLnBrk="0" hangingPunct="1">
         <a:spcBef>
           <a:spcPct val="20000"/>
         </a:spcBef>
-        <a:buFont typeface="Arial"/>
-        <a:buChar char="•"/>
-        <a:defRPr sz="2000" kern="1200">
+        <a:buClr>
+          <a:schemeClr val="accent2"/>
+        </a:buClr>
+        <a:buSzPct val="110000"/>
+        <a:buFont typeface="Wingdings 2" pitchFamily="18" charset="2"/>
+        <a:buChar char=""/>
+        <a:defRPr lang="en-US" sz="1800" kern="1200" dirty="0" smtClean="0">
           <a:solidFill>
-            <a:schemeClr val="tx1"/>
+            <a:schemeClr val="tx1">
+              <a:lumMod val="65000"/>
+              <a:lumOff val="35000"/>
+            </a:schemeClr>
           </a:solidFill>
           <a:latin typeface="+mn-lt"/>
           <a:ea typeface="+mn-ea"/>
           <a:cs typeface="+mn-cs"/>
         </a:defRPr>
       </a:lvl8pPr>
-      <a:lvl9pPr marL="3886200" indent="-228600" algn="l" defTabSz="457200" rtl="0" eaLnBrk="1" latinLnBrk="0" hangingPunct="1">
+      <a:lvl9pPr marL="2689225" indent="-282575" algn="l" defTabSz="914400" rtl="0" eaLnBrk="1" latinLnBrk="0" hangingPunct="1">
         <a:spcBef>
           <a:spcPct val="20000"/>
         </a:spcBef>
-        <a:buFont typeface="Arial"/>
-        <a:buChar char="•"/>
-        <a:defRPr sz="2000" kern="1200">
+        <a:buClr>
+          <a:schemeClr val="accent1">
+            <a:lumMod val="60000"/>
+            <a:lumOff val="40000"/>
+          </a:schemeClr>
+        </a:buClr>
+        <a:buSzPct val="110000"/>
+        <a:buFont typeface="Wingdings 2" pitchFamily="18" charset="2"/>
+        <a:buChar char=""/>
+        <a:defRPr lang="en-US" sz="1800" kern="1200" dirty="0">
           <a:solidFill>
-            <a:schemeClr val="tx1"/>
+            <a:schemeClr val="tx1">
+              <a:lumMod val="65000"/>
+              <a:lumOff val="35000"/>
+            </a:schemeClr>
           </a:solidFill>
           <a:latin typeface="+mn-lt"/>
           <a:ea typeface="+mn-ea"/>
@@ -6338,9 +6916,9 @@
     </p:bodyStyle>
     <p:otherStyle>
       <a:defPPr>
-        <a:defRPr lang="en-US"/>
+        <a:defRPr/>
       </a:defPPr>
-      <a:lvl1pPr marL="0" algn="l" defTabSz="457200" rtl="0" eaLnBrk="1" latinLnBrk="0" hangingPunct="1">
+      <a:lvl1pPr marL="0" algn="l" defTabSz="914400" rtl="0" eaLnBrk="1" latinLnBrk="0" hangingPunct="1">
         <a:defRPr sz="1800" kern="1200">
           <a:solidFill>
             <a:schemeClr val="tx1"/>
@@ -6350,7 +6928,7 @@
           <a:cs typeface="+mn-cs"/>
         </a:defRPr>
       </a:lvl1pPr>
-      <a:lvl2pPr marL="457200" algn="l" defTabSz="457200" rtl="0" eaLnBrk="1" latinLnBrk="0" hangingPunct="1">
+      <a:lvl2pPr marL="457200" algn="l" defTabSz="914400" rtl="0" eaLnBrk="1" latinLnBrk="0" hangingPunct="1">
         <a:defRPr sz="1800" kern="1200">
           <a:solidFill>
             <a:schemeClr val="tx1"/>
@@ -6360,7 +6938,7 @@
           <a:cs typeface="+mn-cs"/>
         </a:defRPr>
       </a:lvl2pPr>
-      <a:lvl3pPr marL="914400" algn="l" defTabSz="457200" rtl="0" eaLnBrk="1" latinLnBrk="0" hangingPunct="1">
+      <a:lvl3pPr marL="914400" algn="l" defTabSz="914400" rtl="0" eaLnBrk="1" latinLnBrk="0" hangingPunct="1">
         <a:defRPr sz="1800" kern="1200">
           <a:solidFill>
             <a:schemeClr val="tx1"/>
@@ -6370,7 +6948,7 @@
           <a:cs typeface="+mn-cs"/>
         </a:defRPr>
       </a:lvl3pPr>
-      <a:lvl4pPr marL="1371600" algn="l" defTabSz="457200" rtl="0" eaLnBrk="1" latinLnBrk="0" hangingPunct="1">
+      <a:lvl4pPr marL="1371600" algn="l" defTabSz="914400" rtl="0" eaLnBrk="1" latinLnBrk="0" hangingPunct="1">
         <a:defRPr sz="1800" kern="1200">
           <a:solidFill>
             <a:schemeClr val="tx1"/>
@@ -6380,7 +6958,7 @@
           <a:cs typeface="+mn-cs"/>
         </a:defRPr>
       </a:lvl4pPr>
-      <a:lvl5pPr marL="1828800" algn="l" defTabSz="457200" rtl="0" eaLnBrk="1" latinLnBrk="0" hangingPunct="1">
+      <a:lvl5pPr marL="1828800" algn="l" defTabSz="914400" rtl="0" eaLnBrk="1" latinLnBrk="0" hangingPunct="1">
         <a:defRPr sz="1800" kern="1200">
           <a:solidFill>
             <a:schemeClr val="tx1"/>
@@ -6390,7 +6968,7 @@
           <a:cs typeface="+mn-cs"/>
         </a:defRPr>
       </a:lvl5pPr>
-      <a:lvl6pPr marL="2286000" algn="l" defTabSz="457200" rtl="0" eaLnBrk="1" latinLnBrk="0" hangingPunct="1">
+      <a:lvl6pPr marL="2286000" algn="l" defTabSz="914400" rtl="0" eaLnBrk="1" latinLnBrk="0" hangingPunct="1">
         <a:defRPr sz="1800" kern="1200">
           <a:solidFill>
             <a:schemeClr val="tx1"/>
@@ -6400,7 +6978,7 @@
           <a:cs typeface="+mn-cs"/>
         </a:defRPr>
       </a:lvl6pPr>
-      <a:lvl7pPr marL="2743200" algn="l" defTabSz="457200" rtl="0" eaLnBrk="1" latinLnBrk="0" hangingPunct="1">
+      <a:lvl7pPr marL="2743200" algn="l" defTabSz="914400" rtl="0" eaLnBrk="1" latinLnBrk="0" hangingPunct="1">
         <a:defRPr sz="1800" kern="1200">
           <a:solidFill>
             <a:schemeClr val="tx1"/>
@@ -6410,7 +6988,7 @@
           <a:cs typeface="+mn-cs"/>
         </a:defRPr>
       </a:lvl7pPr>
-      <a:lvl8pPr marL="3200400" algn="l" defTabSz="457200" rtl="0" eaLnBrk="1" latinLnBrk="0" hangingPunct="1">
+      <a:lvl8pPr marL="3200400" algn="l" defTabSz="914400" rtl="0" eaLnBrk="1" latinLnBrk="0" hangingPunct="1">
         <a:defRPr sz="1800" kern="1200">
           <a:solidFill>
             <a:schemeClr val="tx1"/>
@@ -6420,7 +6998,7 @@
           <a:cs typeface="+mn-cs"/>
         </a:defRPr>
       </a:lvl8pPr>
-      <a:lvl9pPr marL="3657600" algn="l" defTabSz="457200" rtl="0" eaLnBrk="1" latinLnBrk="0" hangingPunct="1">
+      <a:lvl9pPr marL="3657600" algn="l" defTabSz="914400" rtl="0" eaLnBrk="1" latinLnBrk="0" hangingPunct="1">
         <a:defRPr sz="1800" kern="1200">
           <a:solidFill>
             <a:schemeClr val="tx1"/>
@@ -6454,69 +7032,82 @@
       </p:grpSpPr>
       <p:sp>
         <p:nvSpPr>
-          <p:cNvPr id="2" name="Title 1"/>
+          <p:cNvPr id="3" name="Tijdelijke aanduiding voor inhoud 2"/>
           <p:cNvSpPr>
             <a:spLocks noGrp="1"/>
           </p:cNvSpPr>
           <p:nvPr>
-            <p:ph type="ctrTitle"/>
-          </p:nvPr>
-        </p:nvSpPr>
-        <p:spPr/>
-        <p:txBody>
-          <a:bodyPr>
-            <a:noAutofit/>
-          </a:bodyPr>
-          <a:lstStyle/>
-          <a:p>
-            <a:pPr fontAlgn="base"/>
-            <a:r>
-              <a:rPr lang="nl-BE" sz="7200" dirty="0" smtClean="0"/>
-              <a:t> </a:t>
-            </a:r>
-            <a:endParaRPr lang="nl-BE" sz="7200" dirty="0"/>
-          </a:p>
-        </p:txBody>
-      </p:sp>
-      <p:sp>
-        <p:nvSpPr>
-          <p:cNvPr id="3" name="Subtitle 2"/>
-          <p:cNvSpPr>
-            <a:spLocks noGrp="1"/>
-          </p:cNvSpPr>
-          <p:nvPr>
-            <p:ph type="subTitle" idx="1"/>
+            <p:ph idx="1"/>
           </p:nvPr>
         </p:nvSpPr>
         <p:spPr>
           <a:xfrm>
-            <a:off x="0" y="4970352"/>
-            <a:ext cx="9144000" cy="1647730"/>
+            <a:off x="549275" y="5480130"/>
+            <a:ext cx="8042276" cy="517438"/>
           </a:xfrm>
         </p:spPr>
         <p:txBody>
           <a:bodyPr/>
           <a:lstStyle/>
           <a:p>
-            <a:pPr fontAlgn="base"/>
-            <a:r>
-              <a:rPr lang="en-US" i="1" dirty="0" smtClean="0"/>
-              <a:t>PenO.3 – </a:t>
-            </a:r>
-            <a:r>
-              <a:rPr lang="en-US" i="1" dirty="0" err="1" smtClean="0"/>
+            <a:pPr marL="0" indent="0" algn="ctr" fontAlgn="base">
+              <a:spcBef>
+                <a:spcPts val="300"/>
+              </a:spcBef>
+              <a:buNone/>
+            </a:pPr>
+            <a:r>
+              <a:rPr lang="en-US" sz="1800" i="1" dirty="0" smtClean="0">
+                <a:solidFill>
+                  <a:schemeClr val="tx1">
+                    <a:tint val="75000"/>
+                  </a:schemeClr>
+                </a:solidFill>
+              </a:rPr>
+              <a:t>PenO</a:t>
+            </a:r>
+            <a:r>
+              <a:rPr lang="en-US" sz="1800" i="1" dirty="0">
+                <a:solidFill>
+                  <a:schemeClr val="tx1">
+                    <a:tint val="75000"/>
+                  </a:schemeClr>
+                </a:solidFill>
+              </a:rPr>
+              <a:t>.3 – </a:t>
+            </a:r>
+            <a:r>
+              <a:rPr lang="en-US" sz="1800" i="1" dirty="0" err="1">
+                <a:solidFill>
+                  <a:schemeClr val="tx1">
+                    <a:tint val="75000"/>
+                  </a:schemeClr>
+                </a:solidFill>
+              </a:rPr>
               <a:t>KULeuven</a:t>
             </a:r>
             <a:r>
-              <a:rPr lang="en-US" i="1" dirty="0" smtClean="0"/>
+              <a:rPr lang="en-US" sz="1800" i="1" dirty="0">
+                <a:solidFill>
+                  <a:schemeClr val="tx1">
+                    <a:tint val="75000"/>
+                  </a:schemeClr>
+                </a:solidFill>
+              </a:rPr>
               <a:t> – Faculty of Engineering</a:t>
             </a:r>
+          </a:p>
+          <a:p>
+            <a:pPr marL="0" indent="0" algn="ctr">
+              <a:buNone/>
+            </a:pPr>
+            <a:endParaRPr lang="nl-NL" dirty="0"/>
           </a:p>
         </p:txBody>
       </p:sp>
       <p:pic>
         <p:nvPicPr>
-          <p:cNvPr id="10242" name="Picture 2" descr="http://www.student.kuleuven.be/~r0453111/peno3/img/Logo.png"/>
+          <p:cNvPr id="4" name="Picture 2" descr="http://www.student.kuleuven.be/~r0453111/peno3/img/Logo.png"/>
           <p:cNvPicPr>
             <a:picLocks noChangeAspect="1" noChangeArrowheads="1"/>
           </p:cNvPicPr>
@@ -6531,8 +7122,8 @@
         </p:blipFill>
         <p:spPr bwMode="auto">
           <a:xfrm>
-            <a:off x="2132624" y="839499"/>
-            <a:ext cx="4874757" cy="3249838"/>
+            <a:off x="2073775" y="1062136"/>
+            <a:ext cx="5262837" cy="3508558"/>
           </a:xfrm>
           <a:prstGeom prst="rect">
             <a:avLst/>
@@ -6540,20 +7131,295 @@
           <a:noFill/>
         </p:spPr>
       </p:pic>
+      <p:sp>
+        <p:nvSpPr>
+          <p:cNvPr id="5" name="Tijdelijke aanduiding voor inhoud 2"/>
+          <p:cNvSpPr txBox="1">
+            <a:spLocks/>
+          </p:cNvSpPr>
+          <p:nvPr/>
+        </p:nvSpPr>
+        <p:spPr>
+          <a:xfrm>
+            <a:off x="549275" y="4981816"/>
+            <a:ext cx="8042276" cy="517438"/>
+          </a:xfrm>
+          <a:prstGeom prst="rect">
+            <a:avLst/>
+          </a:prstGeom>
+        </p:spPr>
+        <p:txBody>
+          <a:bodyPr vert="horz" lIns="91440" tIns="45720" rIns="91440" bIns="45720" rtlCol="0">
+            <a:normAutofit lnSpcReduction="10000"/>
+          </a:bodyPr>
+          <a:lstStyle>
+            <a:lvl1pPr marL="349250" indent="-349250" algn="l" defTabSz="914400" rtl="0" eaLnBrk="1" latinLnBrk="0" hangingPunct="1">
+              <a:spcBef>
+                <a:spcPts val="2000"/>
+              </a:spcBef>
+              <a:buClr>
+                <a:schemeClr val="accent1">
+                  <a:lumMod val="60000"/>
+                  <a:lumOff val="40000"/>
+                </a:schemeClr>
+              </a:buClr>
+              <a:buSzPct val="110000"/>
+              <a:buFont typeface="Wingdings 2" pitchFamily="18" charset="2"/>
+              <a:buChar char=""/>
+              <a:defRPr sz="2400" kern="1200">
+                <a:solidFill>
+                  <a:schemeClr val="tx1">
+                    <a:lumMod val="65000"/>
+                    <a:lumOff val="35000"/>
+                  </a:schemeClr>
+                </a:solidFill>
+                <a:latin typeface="+mn-lt"/>
+                <a:ea typeface="+mn-ea"/>
+                <a:cs typeface="+mn-cs"/>
+              </a:defRPr>
+            </a:lvl1pPr>
+            <a:lvl2pPr marL="685800" indent="-336550" algn="l" defTabSz="914400" rtl="0" eaLnBrk="1" latinLnBrk="0" hangingPunct="1">
+              <a:spcBef>
+                <a:spcPts val="600"/>
+              </a:spcBef>
+              <a:buClr>
+                <a:schemeClr val="accent1">
+                  <a:lumMod val="75000"/>
+                </a:schemeClr>
+              </a:buClr>
+              <a:buSzPct val="110000"/>
+              <a:buFont typeface="Wingdings 2" pitchFamily="18" charset="2"/>
+              <a:buChar char=""/>
+              <a:defRPr sz="2200" kern="1200">
+                <a:solidFill>
+                  <a:schemeClr val="tx1">
+                    <a:lumMod val="65000"/>
+                    <a:lumOff val="35000"/>
+                  </a:schemeClr>
+                </a:solidFill>
+                <a:latin typeface="+mn-lt"/>
+                <a:ea typeface="+mn-ea"/>
+                <a:cs typeface="+mn-cs"/>
+              </a:defRPr>
+            </a:lvl2pPr>
+            <a:lvl3pPr marL="968375" indent="-282575" algn="l" defTabSz="914400" rtl="0" eaLnBrk="1" latinLnBrk="0" hangingPunct="1">
+              <a:spcBef>
+                <a:spcPts val="600"/>
+              </a:spcBef>
+              <a:buClr>
+                <a:schemeClr val="accent1">
+                  <a:lumMod val="60000"/>
+                  <a:lumOff val="40000"/>
+                </a:schemeClr>
+              </a:buClr>
+              <a:buSzPct val="110000"/>
+              <a:buFont typeface="Wingdings 2" pitchFamily="18" charset="2"/>
+              <a:buChar char=""/>
+              <a:defRPr sz="2000" kern="1200">
+                <a:solidFill>
+                  <a:schemeClr val="tx1">
+                    <a:lumMod val="65000"/>
+                    <a:lumOff val="35000"/>
+                  </a:schemeClr>
+                </a:solidFill>
+                <a:latin typeface="+mn-lt"/>
+                <a:ea typeface="+mn-ea"/>
+                <a:cs typeface="+mn-cs"/>
+              </a:defRPr>
+            </a:lvl3pPr>
+            <a:lvl4pPr marL="1263650" indent="-295275" algn="l" defTabSz="914400" rtl="0" eaLnBrk="1" latinLnBrk="0" hangingPunct="1">
+              <a:spcBef>
+                <a:spcPts val="600"/>
+              </a:spcBef>
+              <a:buClr>
+                <a:schemeClr val="accent1">
+                  <a:lumMod val="75000"/>
+                </a:schemeClr>
+              </a:buClr>
+              <a:buSzPct val="110000"/>
+              <a:buFont typeface="Wingdings 2" pitchFamily="18" charset="2"/>
+              <a:buChar char=""/>
+              <a:defRPr sz="1800" kern="1200">
+                <a:solidFill>
+                  <a:schemeClr val="tx1">
+                    <a:lumMod val="65000"/>
+                    <a:lumOff val="35000"/>
+                  </a:schemeClr>
+                </a:solidFill>
+                <a:latin typeface="+mn-lt"/>
+                <a:ea typeface="+mn-ea"/>
+                <a:cs typeface="+mn-cs"/>
+              </a:defRPr>
+            </a:lvl4pPr>
+            <a:lvl5pPr marL="1546225" indent="-282575" algn="l" defTabSz="914400" rtl="0" eaLnBrk="1" latinLnBrk="0" hangingPunct="1">
+              <a:spcBef>
+                <a:spcPts val="600"/>
+              </a:spcBef>
+              <a:buClr>
+                <a:schemeClr val="accent1">
+                  <a:lumMod val="60000"/>
+                  <a:lumOff val="40000"/>
+                </a:schemeClr>
+              </a:buClr>
+              <a:buSzPct val="110000"/>
+              <a:buFont typeface="Wingdings 2" pitchFamily="18" charset="2"/>
+              <a:buChar char=""/>
+              <a:defRPr sz="1800" kern="1200">
+                <a:solidFill>
+                  <a:schemeClr val="tx1">
+                    <a:lumMod val="65000"/>
+                    <a:lumOff val="35000"/>
+                  </a:schemeClr>
+                </a:solidFill>
+                <a:latin typeface="+mn-lt"/>
+                <a:ea typeface="+mn-ea"/>
+                <a:cs typeface="+mn-cs"/>
+              </a:defRPr>
+            </a:lvl5pPr>
+            <a:lvl6pPr marL="1828800" indent="-282575" algn="l" defTabSz="914400" rtl="0" eaLnBrk="1" latinLnBrk="0" hangingPunct="1">
+              <a:spcBef>
+                <a:spcPct val="20000"/>
+              </a:spcBef>
+              <a:buClr>
+                <a:schemeClr val="accent2"/>
+              </a:buClr>
+              <a:buSzPct val="110000"/>
+              <a:buFont typeface="Wingdings 2" pitchFamily="18" charset="2"/>
+              <a:buChar char=""/>
+              <a:defRPr lang="en-US" sz="1800" kern="1200" dirty="0" smtClean="0">
+                <a:solidFill>
+                  <a:schemeClr val="tx1">
+                    <a:lumMod val="65000"/>
+                    <a:lumOff val="35000"/>
+                  </a:schemeClr>
+                </a:solidFill>
+                <a:latin typeface="+mn-lt"/>
+                <a:ea typeface="+mn-ea"/>
+                <a:cs typeface="+mn-cs"/>
+              </a:defRPr>
+            </a:lvl6pPr>
+            <a:lvl7pPr marL="2117725" indent="-282575" algn="l" defTabSz="914400" rtl="0" eaLnBrk="1" latinLnBrk="0" hangingPunct="1">
+              <a:spcBef>
+                <a:spcPct val="20000"/>
+              </a:spcBef>
+              <a:buClr>
+                <a:schemeClr val="accent1">
+                  <a:lumMod val="60000"/>
+                  <a:lumOff val="40000"/>
+                </a:schemeClr>
+              </a:buClr>
+              <a:buSzPct val="110000"/>
+              <a:buFont typeface="Wingdings 2" pitchFamily="18" charset="2"/>
+              <a:buChar char=""/>
+              <a:defRPr lang="en-US" sz="1800" kern="1200" dirty="0" smtClean="0">
+                <a:solidFill>
+                  <a:schemeClr val="tx1">
+                    <a:lumMod val="65000"/>
+                    <a:lumOff val="35000"/>
+                  </a:schemeClr>
+                </a:solidFill>
+                <a:latin typeface="+mn-lt"/>
+                <a:ea typeface="+mn-ea"/>
+                <a:cs typeface="+mn-cs"/>
+              </a:defRPr>
+            </a:lvl7pPr>
+            <a:lvl8pPr marL="2398713" indent="-282575" algn="l" defTabSz="914400" rtl="0" eaLnBrk="1" latinLnBrk="0" hangingPunct="1">
+              <a:spcBef>
+                <a:spcPct val="20000"/>
+              </a:spcBef>
+              <a:buClr>
+                <a:schemeClr val="accent2"/>
+              </a:buClr>
+              <a:buSzPct val="110000"/>
+              <a:buFont typeface="Wingdings 2" pitchFamily="18" charset="2"/>
+              <a:buChar char=""/>
+              <a:defRPr lang="en-US" sz="1800" kern="1200" dirty="0" smtClean="0">
+                <a:solidFill>
+                  <a:schemeClr val="tx1">
+                    <a:lumMod val="65000"/>
+                    <a:lumOff val="35000"/>
+                  </a:schemeClr>
+                </a:solidFill>
+                <a:latin typeface="+mn-lt"/>
+                <a:ea typeface="+mn-ea"/>
+                <a:cs typeface="+mn-cs"/>
+              </a:defRPr>
+            </a:lvl8pPr>
+            <a:lvl9pPr marL="2689225" indent="-282575" algn="l" defTabSz="914400" rtl="0" eaLnBrk="1" latinLnBrk="0" hangingPunct="1">
+              <a:spcBef>
+                <a:spcPct val="20000"/>
+              </a:spcBef>
+              <a:buClr>
+                <a:schemeClr val="accent1">
+                  <a:lumMod val="60000"/>
+                  <a:lumOff val="40000"/>
+                </a:schemeClr>
+              </a:buClr>
+              <a:buSzPct val="110000"/>
+              <a:buFont typeface="Wingdings 2" pitchFamily="18" charset="2"/>
+              <a:buChar char=""/>
+              <a:defRPr lang="en-US" sz="1800" kern="1200" dirty="0">
+                <a:solidFill>
+                  <a:schemeClr val="tx1">
+                    <a:lumMod val="65000"/>
+                    <a:lumOff val="35000"/>
+                  </a:schemeClr>
+                </a:solidFill>
+                <a:latin typeface="+mn-lt"/>
+                <a:ea typeface="+mn-ea"/>
+                <a:cs typeface="+mn-cs"/>
+              </a:defRPr>
+            </a:lvl9pPr>
+          </a:lstStyle>
+          <a:p>
+            <a:pPr marL="0" indent="0" algn="ctr" fontAlgn="base">
+              <a:spcBef>
+                <a:spcPts val="300"/>
+              </a:spcBef>
+              <a:buFont typeface="Wingdings 2" pitchFamily="18" charset="2"/>
+              <a:buNone/>
+            </a:pPr>
+            <a:r>
+              <a:rPr lang="en-US" sz="2800" i="1" dirty="0" smtClean="0">
+                <a:solidFill>
+                  <a:schemeClr val="tx1">
+                    <a:tint val="75000"/>
+                  </a:schemeClr>
+                </a:solidFill>
+              </a:rPr>
+              <a:t>CWA2</a:t>
+            </a:r>
+          </a:p>
+          <a:p>
+            <a:pPr marL="0" indent="0" algn="ctr">
+              <a:buFont typeface="Wingdings 2" pitchFamily="18" charset="2"/>
+              <a:buNone/>
+            </a:pPr>
+            <a:endParaRPr lang="nl-NL" dirty="0"/>
+          </a:p>
+        </p:txBody>
+      </p:sp>
     </p:spTree>
     <p:extLst>
       <p:ext uri="{BB962C8B-B14F-4D97-AF65-F5344CB8AC3E}">
-        <p14:creationId xmlns:p14="http://schemas.microsoft.com/office/powerpoint/2010/main" val="871237687"/>
+        <p14:creationId xmlns:p14="http://schemas.microsoft.com/office/powerpoint/2010/main" val="3467261355"/>
       </p:ext>
     </p:extLst>
   </p:cSld>
   <p:clrMapOvr>
     <a:masterClrMapping/>
   </p:clrMapOvr>
+  <p:timing>
+    <p:tnLst>
+      <p:par>
+        <p:cTn xmlns:p14="http://schemas.microsoft.com/office/powerpoint/2010/main" id="1" dur="indefinite" restart="never" nodeType="tmRoot"/>
+      </p:par>
+    </p:tnLst>
+  </p:timing>
 </p:sld>
 </file>
 
-<file path=ppt/slides/slide10.xml><?xml version="1.0" encoding="utf-8"?>
+<file path=ppt/slides/slide2.xml><?xml version="1.0" encoding="utf-8"?>
 <p:sld xmlns:a="http://schemas.openxmlformats.org/drawingml/2006/main" xmlns:r="http://schemas.openxmlformats.org/officeDocument/2006/relationships" xmlns:p="http://schemas.openxmlformats.org/presentationml/2006/main">
   <p:cSld>
     <p:spTree>
@@ -6587,138 +7453,106 @@
           <a:p>
             <a:r>
               <a:rPr lang="nl-BE" dirty="0" smtClean="0"/>
-              <a:t>Expected problems</a:t>
+              <a:t>Short demo</a:t>
             </a:r>
             <a:endParaRPr lang="nl-BE" dirty="0"/>
           </a:p>
         </p:txBody>
       </p:sp>
+      <p:graphicFrame>
+        <p:nvGraphicFramePr>
+          <p:cNvPr id="4" name="Tijdelijke aanduiding voor inhoud 3"/>
+          <p:cNvGraphicFramePr>
+            <a:graphicFrameLocks noGrp="1"/>
+          </p:cNvGraphicFramePr>
+          <p:nvPr>
+            <p:ph idx="1"/>
+            <p:extLst>
+              <p:ext uri="{D42A27DB-BD31-4B8C-83A1-F6EECF244321}">
+                <p14:modId xmlns:p14="http://schemas.microsoft.com/office/powerpoint/2010/main" val="1493091723"/>
+              </p:ext>
+            </p:extLst>
+          </p:nvPr>
+        </p:nvGraphicFramePr>
+        <p:xfrm>
+          <a:off x="549275" y="1600200"/>
+          <a:ext cx="8042275" cy="4343400"/>
+        </p:xfrm>
+        <a:graphic>
+          <a:graphicData uri="http://schemas.openxmlformats.org/drawingml/2006/diagram">
+            <dgm:relIds xmlns:dgm="http://schemas.openxmlformats.org/drawingml/2006/diagram" xmlns:r="http://schemas.openxmlformats.org/officeDocument/2006/relationships" r:dm="rId2" r:lo="rId3" r:qs="rId4" r:cs="rId5"/>
+          </a:graphicData>
+        </a:graphic>
+      </p:graphicFrame>
       <p:sp>
         <p:nvSpPr>
-          <p:cNvPr id="3" name="Content Placeholder 2"/>
-          <p:cNvSpPr>
-            <a:spLocks noGrp="1"/>
-          </p:cNvSpPr>
-          <p:nvPr>
-            <p:ph idx="1"/>
-          </p:nvPr>
+          <p:cNvPr id="3" name="Tekstvak 2"/>
+          <p:cNvSpPr txBox="1"/>
+          <p:nvPr/>
         </p:nvSpPr>
-        <p:spPr/>
+        <p:spPr>
+          <a:xfrm>
+            <a:off x="8967626" y="5331169"/>
+            <a:ext cx="184666" cy="369332"/>
+          </a:xfrm>
+          <a:prstGeom prst="rect">
+            <a:avLst/>
+          </a:prstGeom>
+          <a:noFill/>
+        </p:spPr>
         <p:txBody>
-          <a:bodyPr/>
+          <a:bodyPr wrap="none" rtlCol="0">
+            <a:spAutoFit/>
+          </a:bodyPr>
           <a:lstStyle/>
           <a:p>
-            <a:r>
-              <a:rPr lang="nl-BE" dirty="0" smtClean="0"/>
-              <a:t>Max 1 minute</a:t>
-            </a:r>
-          </a:p>
-          <a:p>
-            <a:r>
-              <a:rPr lang="nl-BE" dirty="0" smtClean="0"/>
-              <a:t>What are the main issues you expect to have your design ready before the deadline?</a:t>
-            </a:r>
-            <a:endParaRPr lang="nl-BE" dirty="0"/>
+            <a:endParaRPr lang="nl-NL" dirty="0"/>
           </a:p>
         </p:txBody>
       </p:sp>
+      <p:pic>
+        <p:nvPicPr>
+          <p:cNvPr id="5" name="Picture 2" descr="http://www.student.kuleuven.be/~r0453111/peno3/img/Logo.png"/>
+          <p:cNvPicPr>
+            <a:picLocks noChangeAspect="1" noChangeArrowheads="1"/>
+          </p:cNvPicPr>
+          <p:nvPr/>
+        </p:nvPicPr>
+        <p:blipFill>
+          <a:blip r:embed="rId7"/>
+          <a:srcRect/>
+          <a:stretch>
+            <a:fillRect/>
+          </a:stretch>
+        </p:blipFill>
+        <p:spPr bwMode="auto">
+          <a:xfrm>
+            <a:off x="6616437" y="5227808"/>
+            <a:ext cx="2147379" cy="1431586"/>
+          </a:xfrm>
+          <a:prstGeom prst="rect">
+            <a:avLst/>
+          </a:prstGeom>
+          <a:noFill/>
+        </p:spPr>
+      </p:pic>
     </p:spTree>
     <p:extLst>
       <p:ext uri="{BB962C8B-B14F-4D97-AF65-F5344CB8AC3E}">
-        <p14:creationId xmlns:p14="http://schemas.microsoft.com/office/powerpoint/2010/main" val="2766676707"/>
+        <p14:creationId xmlns:p14="http://schemas.microsoft.com/office/powerpoint/2010/main" val="216637605"/>
       </p:ext>
     </p:extLst>
   </p:cSld>
   <p:clrMapOvr>
     <a:masterClrMapping/>
   </p:clrMapOvr>
-</p:sld>
-</file>
-
-<file path=ppt/slides/slide2.xml><?xml version="1.0" encoding="utf-8"?>
-<p:sld xmlns:a="http://schemas.openxmlformats.org/drawingml/2006/main" xmlns:r="http://schemas.openxmlformats.org/officeDocument/2006/relationships" xmlns:p="http://schemas.openxmlformats.org/presentationml/2006/main">
-  <p:cSld>
-    <p:spTree>
-      <p:nvGrpSpPr>
-        <p:cNvPr id="1" name=""/>
-        <p:cNvGrpSpPr/>
-        <p:nvPr/>
-      </p:nvGrpSpPr>
-      <p:grpSpPr>
-        <a:xfrm>
-          <a:off x="0" y="0"/>
-          <a:ext cx="0" cy="0"/>
-          <a:chOff x="0" y="0"/>
-          <a:chExt cx="0" cy="0"/>
-        </a:xfrm>
-      </p:grpSpPr>
-      <p:sp>
-        <p:nvSpPr>
-          <p:cNvPr id="2" name="Title 1"/>
-          <p:cNvSpPr>
-            <a:spLocks noGrp="1"/>
-          </p:cNvSpPr>
-          <p:nvPr>
-            <p:ph type="ctrTitle"/>
-          </p:nvPr>
-        </p:nvSpPr>
-        <p:spPr/>
-        <p:txBody>
-          <a:bodyPr/>
-          <a:lstStyle/>
-          <a:p>
-            <a:r>
-              <a:rPr lang="nl-BE" dirty="0" smtClean="0"/>
-              <a:t>Peno 3</a:t>
-            </a:r>
-            <a:endParaRPr lang="nl-BE" dirty="0"/>
-          </a:p>
-        </p:txBody>
-      </p:sp>
-      <p:sp>
-        <p:nvSpPr>
-          <p:cNvPr id="3" name="Subtitle 2"/>
-          <p:cNvSpPr>
-            <a:spLocks noGrp="1"/>
-          </p:cNvSpPr>
-          <p:nvPr>
-            <p:ph type="subTitle" idx="1"/>
-          </p:nvPr>
-        </p:nvSpPr>
-        <p:spPr>
-          <a:xfrm>
-            <a:off x="0" y="3886200"/>
-            <a:ext cx="9144000" cy="1752600"/>
-          </a:xfrm>
-        </p:spPr>
-        <p:txBody>
-          <a:bodyPr/>
-          <a:lstStyle/>
-          <a:p>
-            <a:r>
-              <a:rPr lang="nl-BE" dirty="0" smtClean="0"/>
-              <a:t>Intermediate demo template</a:t>
-            </a:r>
-          </a:p>
-          <a:p>
-            <a:r>
-              <a:rPr lang="nl-BE" dirty="0" smtClean="0"/>
-              <a:t>Total duration: 7 minutes + 3 minutes questions </a:t>
-            </a:r>
-            <a:endParaRPr lang="nl-BE" dirty="0"/>
-          </a:p>
-        </p:txBody>
-      </p:sp>
-    </p:spTree>
-    <p:extLst>
-      <p:ext uri="{BB962C8B-B14F-4D97-AF65-F5344CB8AC3E}">
-        <p14:creationId xmlns:p14="http://schemas.microsoft.com/office/powerpoint/2010/main" val="871237687"/>
-      </p:ext>
-    </p:extLst>
-  </p:cSld>
-  <p:clrMapOvr>
-    <a:masterClrMapping/>
-  </p:clrMapOvr>
+  <p:timing>
+    <p:tnLst>
+      <p:par>
+        <p:cTn xmlns:p14="http://schemas.microsoft.com/office/powerpoint/2010/main" id="1" dur="indefinite" restart="never" nodeType="tmRoot"/>
+      </p:par>
+    </p:tnLst>
+  </p:timing>
 </p:sld>
 </file>
 
@@ -6741,7 +7575,7 @@
       </p:grpSpPr>
       <p:sp>
         <p:nvSpPr>
-          <p:cNvPr id="2" name="Title 1"/>
+          <p:cNvPr id="2" name="Titel 1"/>
           <p:cNvSpPr>
             <a:spLocks noGrp="1"/>
           </p:cNvSpPr>
@@ -6754,44 +7588,105 @@
           <a:bodyPr/>
           <a:lstStyle/>
           <a:p>
-            <a:r>
-              <a:rPr lang="nl-BE" dirty="0" smtClean="0"/>
-              <a:t>Short demo</a:t>
-            </a:r>
-            <a:endParaRPr lang="nl-BE" dirty="0"/>
+            <a:endParaRPr lang="nl-NL" dirty="0"/>
           </a:p>
         </p:txBody>
       </p:sp>
-      <p:graphicFrame>
-        <p:nvGraphicFramePr>
-          <p:cNvPr id="4" name="Tijdelijke aanduiding voor inhoud 3"/>
-          <p:cNvGraphicFramePr>
-            <a:graphicFrameLocks noGrp="1"/>
-          </p:cNvGraphicFramePr>
+      <p:sp>
+        <p:nvSpPr>
+          <p:cNvPr id="3" name="Tijdelijke aanduiding voor inhoud 2"/>
+          <p:cNvSpPr>
+            <a:spLocks noGrp="1"/>
+          </p:cNvSpPr>
           <p:nvPr>
             <p:ph idx="1"/>
           </p:nvPr>
-        </p:nvGraphicFramePr>
-        <p:xfrm>
-          <a:off x="457200" y="1600200"/>
-          <a:ext cx="8229600" cy="4525963"/>
-        </p:xfrm>
-        <a:graphic>
-          <a:graphicData uri="http://schemas.openxmlformats.org/drawingml/2006/diagram">
-            <dgm:relIds xmlns:dgm="http://schemas.openxmlformats.org/drawingml/2006/diagram" xmlns:r="http://schemas.openxmlformats.org/officeDocument/2006/relationships" r:dm="rId2" r:lo="rId3" r:qs="rId4" r:cs="rId5"/>
-          </a:graphicData>
-        </a:graphic>
-      </p:graphicFrame>
+        </p:nvSpPr>
+        <p:spPr>
+          <a:prstGeom prst="rect">
+            <a:avLst/>
+          </a:prstGeom>
+        </p:spPr>
+        <p:txBody>
+          <a:bodyPr/>
+          <a:lstStyle/>
+          <a:p>
+            <a:r>
+              <a:rPr lang="nl-NL" dirty="0" smtClean="0">
+                <a:solidFill>
+                  <a:schemeClr val="bg2">
+                    <a:lumMod val="75000"/>
+                  </a:schemeClr>
+                </a:solidFill>
+                <a:hlinkClick r:id="rId2" tooltip="vies vette site"/>
+              </a:rPr>
+              <a:t>Calendar.html</a:t>
+            </a:r>
+            <a:endParaRPr lang="nl-NL" dirty="0">
+              <a:solidFill>
+                <a:schemeClr val="bg2">
+                  <a:lumMod val="75000"/>
+                </a:schemeClr>
+              </a:solidFill>
+            </a:endParaRPr>
+          </a:p>
+          <a:p>
+            <a:r>
+              <a:rPr lang="nl-NL" dirty="0" smtClean="0">
+                <a:hlinkClick r:id="rId3"/>
+              </a:rPr>
+              <a:t>Heartbeat.html (demo realtime plot)</a:t>
+            </a:r>
+            <a:endParaRPr lang="nl-NL" dirty="0" smtClean="0"/>
+          </a:p>
+          <a:p>
+            <a:endParaRPr lang="nl-NL" dirty="0"/>
+          </a:p>
+        </p:txBody>
+      </p:sp>
+      <p:pic>
+        <p:nvPicPr>
+          <p:cNvPr id="4" name="Picture 2" descr="http://www.student.kuleuven.be/~r0453111/peno3/img/Logo.png"/>
+          <p:cNvPicPr>
+            <a:picLocks noChangeAspect="1" noChangeArrowheads="1"/>
+          </p:cNvPicPr>
+          <p:nvPr/>
+        </p:nvPicPr>
+        <p:blipFill>
+          <a:blip r:embed="rId4"/>
+          <a:srcRect/>
+          <a:stretch>
+            <a:fillRect/>
+          </a:stretch>
+        </p:blipFill>
+        <p:spPr bwMode="auto">
+          <a:xfrm>
+            <a:off x="6616437" y="5227808"/>
+            <a:ext cx="2147379" cy="1431586"/>
+          </a:xfrm>
+          <a:prstGeom prst="rect">
+            <a:avLst/>
+          </a:prstGeom>
+          <a:noFill/>
+        </p:spPr>
+      </p:pic>
     </p:spTree>
     <p:extLst>
       <p:ext uri="{BB962C8B-B14F-4D97-AF65-F5344CB8AC3E}">
-        <p14:creationId xmlns:p14="http://schemas.microsoft.com/office/powerpoint/2010/main" val="216637605"/>
+        <p14:creationId xmlns:p14="http://schemas.microsoft.com/office/powerpoint/2010/main" val="3041777611"/>
       </p:ext>
     </p:extLst>
   </p:cSld>
   <p:clrMapOvr>
     <a:masterClrMapping/>
   </p:clrMapOvr>
+  <p:timing>
+    <p:tnLst>
+      <p:par>
+        <p:cTn xmlns:p14="http://schemas.microsoft.com/office/powerpoint/2010/main" id="1" dur="indefinite" restart="never" nodeType="tmRoot"/>
+      </p:par>
+    </p:tnLst>
+  </p:timing>
 </p:sld>
 </file>
 
@@ -6824,12 +7719,14 @@
         </p:nvSpPr>
         <p:spPr/>
         <p:txBody>
-          <a:bodyPr/>
+          <a:bodyPr>
+            <a:normAutofit/>
+          </a:bodyPr>
           <a:lstStyle/>
           <a:p>
             <a:r>
               <a:rPr lang="nl-BE" dirty="0" smtClean="0"/>
-              <a:t>Short demo</a:t>
+              <a:t>Sensors</a:t>
             </a:r>
             <a:endParaRPr lang="nl-BE" dirty="0"/>
           </a:p>
@@ -6852,28 +7749,240 @@
           <a:p>
             <a:r>
               <a:rPr lang="nl-BE" dirty="0" smtClean="0"/>
-              <a:t>Max 3 minutes</a:t>
+              <a:t>GPS</a:t>
             </a:r>
           </a:p>
           <a:p>
             <a:r>
               <a:rPr lang="nl-BE" dirty="0" smtClean="0"/>
-              <a:t>Show (in a short demo) your current progress</a:t>
-            </a:r>
-            <a:endParaRPr lang="nl-BE" dirty="0"/>
+              <a:t>Accelerometer </a:t>
+            </a:r>
+            <a:r>
+              <a:rPr lang="nl-BE" dirty="0" smtClean="0">
+                <a:sym typeface="Wingdings"/>
+              </a:rPr>
+              <a:t> </a:t>
+            </a:r>
+            <a:r>
+              <a:rPr lang="nl-BE" dirty="0" smtClean="0">
+                <a:solidFill>
+                  <a:srgbClr val="FF0000"/>
+                </a:solidFill>
+                <a:sym typeface="Wingdings"/>
+              </a:rPr>
+              <a:t>Road condition</a:t>
+            </a:r>
+            <a:endParaRPr lang="nl-BE" dirty="0" smtClean="0">
+              <a:solidFill>
+                <a:srgbClr val="FF0000"/>
+              </a:solidFill>
+            </a:endParaRPr>
+          </a:p>
+          <a:p>
+            <a:r>
+              <a:rPr lang="nl-BE" dirty="0" smtClean="0"/>
+              <a:t>Temperature </a:t>
+            </a:r>
+            <a:endParaRPr lang="nl-BE" dirty="0" smtClean="0"/>
+          </a:p>
+          <a:p>
+            <a:r>
+              <a:rPr lang="nl-BE" dirty="0" smtClean="0"/>
+              <a:t>Humidity </a:t>
+            </a:r>
+            <a:endParaRPr lang="nl-BE" dirty="0" smtClean="0"/>
+          </a:p>
+          <a:p>
+            <a:r>
+              <a:rPr lang="en-US" dirty="0" smtClean="0"/>
+              <a:t>(Heartbeat)</a:t>
+            </a:r>
+          </a:p>
+          <a:p>
+            <a:pPr marL="0" indent="0">
+              <a:buNone/>
+            </a:pPr>
+            <a:endParaRPr lang="nl-BE" dirty="0" smtClean="0"/>
           </a:p>
         </p:txBody>
       </p:sp>
+      <p:sp>
+        <p:nvSpPr>
+          <p:cNvPr id="6" name="Rechteraccolade 5"/>
+          <p:cNvSpPr/>
+          <p:nvPr/>
+        </p:nvSpPr>
+        <p:spPr>
+          <a:xfrm>
+            <a:off x="3088501" y="2932143"/>
+            <a:ext cx="580073" cy="1160313"/>
+          </a:xfrm>
+          <a:prstGeom prst="rightBrace">
+            <a:avLst/>
+          </a:prstGeom>
+        </p:spPr>
+        <p:style>
+          <a:lnRef idx="2">
+            <a:schemeClr val="accent1"/>
+          </a:lnRef>
+          <a:fillRef idx="0">
+            <a:schemeClr val="accent1"/>
+          </a:fillRef>
+          <a:effectRef idx="1">
+            <a:schemeClr val="accent1"/>
+          </a:effectRef>
+          <a:fontRef idx="minor">
+            <a:schemeClr val="tx1"/>
+          </a:fontRef>
+        </p:style>
+        <p:txBody>
+          <a:bodyPr rtlCol="0" anchor="ctr"/>
+          <a:lstStyle/>
+          <a:p>
+            <a:pPr algn="ctr"/>
+            <a:endParaRPr lang="nl-NL">
+              <a:solidFill>
+                <a:srgbClr val="FF0000"/>
+              </a:solidFill>
+            </a:endParaRPr>
+          </a:p>
+        </p:txBody>
+      </p:sp>
+      <p:sp>
+        <p:nvSpPr>
+          <p:cNvPr id="7" name="Tekstvak 6"/>
+          <p:cNvSpPr txBox="1"/>
+          <p:nvPr/>
+        </p:nvSpPr>
+        <p:spPr>
+          <a:xfrm>
+            <a:off x="3856706" y="3292781"/>
+            <a:ext cx="2147841" cy="400110"/>
+          </a:xfrm>
+          <a:prstGeom prst="rect">
+            <a:avLst/>
+          </a:prstGeom>
+          <a:noFill/>
+        </p:spPr>
+        <p:txBody>
+          <a:bodyPr wrap="square" rtlCol="0">
+            <a:spAutoFit/>
+          </a:bodyPr>
+          <a:lstStyle/>
+          <a:p>
+            <a:r>
+              <a:rPr lang="nl-NL" sz="2000" dirty="0"/>
+              <a:t>Environment </a:t>
+            </a:r>
+            <a:endParaRPr lang="nl-NL" sz="2000" dirty="0"/>
+          </a:p>
+        </p:txBody>
+      </p:sp>
+      <p:cxnSp>
+        <p:nvCxnSpPr>
+          <p:cNvPr id="14" name="Gebogen verbindingslijn 13"/>
+          <p:cNvCxnSpPr>
+            <a:stCxn id="7" idx="2"/>
+          </p:cNvCxnSpPr>
+          <p:nvPr/>
+        </p:nvCxnSpPr>
+        <p:spPr>
+          <a:xfrm rot="5400000">
+            <a:off x="3465874" y="3001964"/>
+            <a:ext cx="773827" cy="2155680"/>
+          </a:xfrm>
+          <a:prstGeom prst="bentConnector2">
+            <a:avLst/>
+          </a:prstGeom>
+          <a:ln>
+            <a:headEnd type="triangle" w="lg"/>
+            <a:tailEnd type="triangle" w="lg"/>
+          </a:ln>
+        </p:spPr>
+        <p:style>
+          <a:lnRef idx="2">
+            <a:schemeClr val="accent1"/>
+          </a:lnRef>
+          <a:fillRef idx="0">
+            <a:schemeClr val="accent1"/>
+          </a:fillRef>
+          <a:effectRef idx="1">
+            <a:schemeClr val="accent1"/>
+          </a:effectRef>
+          <a:fontRef idx="minor">
+            <a:schemeClr val="tx1"/>
+          </a:fontRef>
+        </p:style>
+      </p:cxnSp>
+      <p:pic>
+        <p:nvPicPr>
+          <p:cNvPr id="23" name="Picture 2" descr="http://www.student.kuleuven.be/~r0453111/peno3/img/Logo.png"/>
+          <p:cNvPicPr>
+            <a:picLocks noChangeAspect="1" noChangeArrowheads="1"/>
+          </p:cNvPicPr>
+          <p:nvPr/>
+        </p:nvPicPr>
+        <p:blipFill>
+          <a:blip r:embed="rId2"/>
+          <a:srcRect/>
+          <a:stretch>
+            <a:fillRect/>
+          </a:stretch>
+        </p:blipFill>
+        <p:spPr bwMode="auto">
+          <a:xfrm>
+            <a:off x="6616437" y="5212128"/>
+            <a:ext cx="2147379" cy="1431586"/>
+          </a:xfrm>
+          <a:prstGeom prst="rect">
+            <a:avLst/>
+          </a:prstGeom>
+          <a:noFill/>
+        </p:spPr>
+      </p:pic>
+      <p:pic>
+        <p:nvPicPr>
+          <p:cNvPr id="24" name="Picture 2" descr="http://www.student.kuleuven.be/~r0453111/peno3/img/Logo.png"/>
+          <p:cNvPicPr>
+            <a:picLocks noChangeAspect="1" noChangeArrowheads="1"/>
+          </p:cNvPicPr>
+          <p:nvPr/>
+        </p:nvPicPr>
+        <p:blipFill>
+          <a:blip r:embed="rId2"/>
+          <a:srcRect/>
+          <a:stretch>
+            <a:fillRect/>
+          </a:stretch>
+        </p:blipFill>
+        <p:spPr bwMode="auto">
+          <a:xfrm>
+            <a:off x="6616437" y="5212128"/>
+            <a:ext cx="2147379" cy="1431586"/>
+          </a:xfrm>
+          <a:prstGeom prst="rect">
+            <a:avLst/>
+          </a:prstGeom>
+          <a:noFill/>
+        </p:spPr>
+      </p:pic>
     </p:spTree>
     <p:extLst>
       <p:ext uri="{BB962C8B-B14F-4D97-AF65-F5344CB8AC3E}">
-        <p14:creationId xmlns:p14="http://schemas.microsoft.com/office/powerpoint/2010/main" val="216637605"/>
+        <p14:creationId xmlns:p14="http://schemas.microsoft.com/office/powerpoint/2010/main" val="3769618753"/>
       </p:ext>
     </p:extLst>
   </p:cSld>
   <p:clrMapOvr>
     <a:masterClrMapping/>
   </p:clrMapOvr>
+  <p:timing>
+    <p:tnLst>
+      <p:par>
+        <p:cTn xmlns:p14="http://schemas.microsoft.com/office/powerpoint/2010/main" id="1" dur="indefinite" restart="never" nodeType="tmRoot"/>
+      </p:par>
+    </p:tnLst>
+  </p:timing>
 </p:sld>
 </file>
 
@@ -6906,14 +8015,12 @@
         </p:nvSpPr>
         <p:spPr/>
         <p:txBody>
-          <a:bodyPr>
-            <a:normAutofit/>
-          </a:bodyPr>
+          <a:bodyPr/>
           <a:lstStyle/>
           <a:p>
             <a:r>
               <a:rPr lang="nl-BE" dirty="0" smtClean="0"/>
-              <a:t>Sensors</a:t>
+              <a:t>Problems encountered</a:t>
             </a:r>
             <a:endParaRPr lang="nl-BE" dirty="0"/>
           </a:p>
@@ -6931,57 +8038,127 @@
         </p:nvSpPr>
         <p:spPr/>
         <p:txBody>
-          <a:bodyPr/>
+          <a:bodyPr>
+            <a:normAutofit/>
+          </a:bodyPr>
           <a:lstStyle/>
           <a:p>
             <a:r>
+              <a:rPr lang="nl-BE" dirty="0" err="1" smtClean="0"/>
+              <a:t>Gathering</a:t>
+            </a:r>
+            <a:r>
               <a:rPr lang="nl-BE" dirty="0" smtClean="0"/>
-              <a:t>GPS</a:t>
-            </a:r>
-          </a:p>
-          <a:p>
-            <a:r>
-              <a:rPr lang="nl-BE" dirty="0" err="1" smtClean="0"/>
-              <a:t>Accelerometer</a:t>
+              <a:t>:</a:t>
+            </a:r>
+          </a:p>
+          <a:p>
+            <a:pPr lvl="1"/>
+            <a:r>
+              <a:rPr lang="nl-BE" dirty="0" smtClean="0"/>
+              <a:t>Realtime sending of data</a:t>
+            </a:r>
+          </a:p>
+          <a:p>
+            <a:pPr lvl="1"/>
+            <a:r>
+              <a:rPr lang="en-US" dirty="0" smtClean="0"/>
+              <a:t>Conflict between GPS and Heartbeat sensor</a:t>
             </a:r>
             <a:endParaRPr lang="nl-BE" dirty="0" smtClean="0"/>
           </a:p>
           <a:p>
             <a:r>
               <a:rPr lang="nl-BE" dirty="0" smtClean="0"/>
-              <a:t>Temperature</a:t>
-            </a:r>
-          </a:p>
-          <a:p>
+              <a:t>Visualisation:</a:t>
+            </a:r>
+          </a:p>
+          <a:p>
+            <a:pPr lvl="1"/>
+            <a:r>
+              <a:rPr lang="nl-BE" dirty="0"/>
+              <a:t>Lack of experience in JavaScript, jQuery, etc. </a:t>
+            </a:r>
+          </a:p>
+          <a:p>
+            <a:pPr lvl="1"/>
             <a:r>
               <a:rPr lang="nl-BE" dirty="0" smtClean="0"/>
-              <a:t>Humidity</a:t>
-            </a:r>
-          </a:p>
-          <a:p>
-            <a:r>
-              <a:rPr lang="en-US" dirty="0" smtClean="0"/>
-              <a:t>(Heartbeat)</a:t>
-            </a:r>
-          </a:p>
-          <a:p>
-            <a:pPr marL="0" indent="0">
-              <a:buNone/>
-            </a:pPr>
-            <a:endParaRPr lang="nl-BE" dirty="0" smtClean="0"/>
+              <a:t>Harder </a:t>
+            </a:r>
+            <a:r>
+              <a:rPr lang="nl-BE" dirty="0" smtClean="0"/>
+              <a:t>to test without perfect data</a:t>
+            </a:r>
+          </a:p>
+          <a:p>
+            <a:pPr lvl="1"/>
+            <a:r>
+              <a:rPr lang="nl-BE" dirty="0" smtClean="0"/>
+              <a:t>Website </a:t>
+            </a:r>
+            <a:r>
+              <a:rPr lang="nl-BE" dirty="0" smtClean="0"/>
+              <a:t>slow, froze a couple of times</a:t>
+            </a:r>
+          </a:p>
+          <a:p>
+            <a:pPr lvl="1"/>
+            <a:r>
+              <a:rPr lang="nl-BE" dirty="0" smtClean="0"/>
+              <a:t>Speed plot not accurate at </a:t>
+            </a:r>
+            <a:r>
+              <a:rPr lang="nl-BE" dirty="0" smtClean="0"/>
+              <a:t>first</a:t>
+            </a:r>
+            <a:endParaRPr lang="nl-BE" dirty="0"/>
           </a:p>
         </p:txBody>
       </p:sp>
+      <p:pic>
+        <p:nvPicPr>
+          <p:cNvPr id="4" name="Picture 2" descr="http://www.student.kuleuven.be/~r0453111/peno3/img/Logo.png"/>
+          <p:cNvPicPr>
+            <a:picLocks noChangeAspect="1" noChangeArrowheads="1"/>
+          </p:cNvPicPr>
+          <p:nvPr/>
+        </p:nvPicPr>
+        <p:blipFill>
+          <a:blip r:embed="rId2"/>
+          <a:srcRect/>
+          <a:stretch>
+            <a:fillRect/>
+          </a:stretch>
+        </p:blipFill>
+        <p:spPr bwMode="auto">
+          <a:xfrm>
+            <a:off x="6616437" y="5227808"/>
+            <a:ext cx="2147379" cy="1431586"/>
+          </a:xfrm>
+          <a:prstGeom prst="rect">
+            <a:avLst/>
+          </a:prstGeom>
+          <a:noFill/>
+        </p:spPr>
+      </p:pic>
     </p:spTree>
     <p:extLst>
       <p:ext uri="{BB962C8B-B14F-4D97-AF65-F5344CB8AC3E}">
-        <p14:creationId xmlns:p14="http://schemas.microsoft.com/office/powerpoint/2010/main" val="3769618753"/>
+        <p14:creationId xmlns:p14="http://schemas.microsoft.com/office/powerpoint/2010/main" val="311801143"/>
       </p:ext>
     </p:extLst>
   </p:cSld>
   <p:clrMapOvr>
     <a:masterClrMapping/>
   </p:clrMapOvr>
+  <p:timing>
+    <p:tnLst>
+      <p:par>
+        <p:cTn xmlns:p14="http://schemas.microsoft.com/office/powerpoint/2010/main" id="1" dur="indefinite" restart="never" nodeType="tmRoot"/>
+      </p:par>
+    </p:tnLst>
+  </p:timing>
 </p:sld>
 </file>
 
@@ -7012,16 +8189,23 @@
             <p:ph type="title"/>
           </p:nvPr>
         </p:nvSpPr>
-        <p:spPr/>
+        <p:spPr>
+          <a:xfrm>
+            <a:off x="549275" y="452534"/>
+            <a:ext cx="8042276" cy="1336956"/>
+          </a:xfrm>
+        </p:spPr>
         <p:txBody>
-          <a:bodyPr>
-            <a:normAutofit/>
-          </a:bodyPr>
+          <a:bodyPr/>
           <a:lstStyle/>
           <a:p>
             <a:r>
               <a:rPr lang="nl-BE" dirty="0" smtClean="0"/>
-              <a:t>Sensors</a:t>
+              <a:t>Expected and current </a:t>
+            </a:r>
+            <a:r>
+              <a:rPr lang="nl-BE" dirty="0" smtClean="0"/>
+              <a:t>problems</a:t>
             </a:r>
             <a:endParaRPr lang="nl-BE" dirty="0"/>
           </a:p>
@@ -7037,51 +8221,87 @@
             <p:ph idx="1"/>
           </p:nvPr>
         </p:nvSpPr>
-        <p:spPr/>
+        <p:spPr>
+          <a:xfrm>
+            <a:off x="549275" y="2514600"/>
+            <a:ext cx="8042276" cy="4343400"/>
+          </a:xfrm>
+        </p:spPr>
         <p:txBody>
           <a:bodyPr/>
           <a:lstStyle/>
           <a:p>
             <a:r>
               <a:rPr lang="nl-BE" dirty="0" smtClean="0"/>
-              <a:t>Max 1,5 minute</a:t>
+              <a:t>GPS and heartbeat sensor conflict</a:t>
             </a:r>
           </a:p>
           <a:p>
             <a:r>
               <a:rPr lang="nl-BE" dirty="0" smtClean="0"/>
-              <a:t>Which sensors did you order?</a:t>
+              <a:t>Reaction of the algorithm real time</a:t>
             </a:r>
           </a:p>
           <a:p>
             <a:r>
               <a:rPr lang="nl-BE" dirty="0" smtClean="0"/>
-              <a:t>What are they sending/receiving to/from the database?</a:t>
-            </a:r>
-          </a:p>
-          <a:p>
-            <a:r>
-              <a:rPr lang="nl-BE" dirty="0" smtClean="0"/>
-              <a:t>What </a:t>
-            </a:r>
-            <a:r>
-              <a:rPr lang="nl-BE" dirty="0"/>
-              <a:t>are the sensors with an implemented user story</a:t>
-            </a:r>
+              <a:t>Orientation of the accelerometer </a:t>
+            </a:r>
+          </a:p>
+          <a:p>
             <a:endParaRPr lang="nl-BE" dirty="0" smtClean="0"/>
+          </a:p>
+          <a:p>
+            <a:endParaRPr lang="nl-BE" dirty="0" smtClean="0"/>
+          </a:p>
+          <a:p>
+            <a:endParaRPr lang="nl-BE" dirty="0"/>
           </a:p>
         </p:txBody>
       </p:sp>
+      <p:pic>
+        <p:nvPicPr>
+          <p:cNvPr id="4" name="Picture 2" descr="http://www.student.kuleuven.be/~r0453111/peno3/img/Logo.png"/>
+          <p:cNvPicPr>
+            <a:picLocks noChangeAspect="1" noChangeArrowheads="1"/>
+          </p:cNvPicPr>
+          <p:nvPr/>
+        </p:nvPicPr>
+        <p:blipFill>
+          <a:blip r:embed="rId2"/>
+          <a:srcRect/>
+          <a:stretch>
+            <a:fillRect/>
+          </a:stretch>
+        </p:blipFill>
+        <p:spPr bwMode="auto">
+          <a:xfrm>
+            <a:off x="6616437" y="5227808"/>
+            <a:ext cx="2147379" cy="1431586"/>
+          </a:xfrm>
+          <a:prstGeom prst="rect">
+            <a:avLst/>
+          </a:prstGeom>
+          <a:noFill/>
+        </p:spPr>
+      </p:pic>
     </p:spTree>
     <p:extLst>
       <p:ext uri="{BB962C8B-B14F-4D97-AF65-F5344CB8AC3E}">
-        <p14:creationId xmlns:p14="http://schemas.microsoft.com/office/powerpoint/2010/main" val="3769618753"/>
+        <p14:creationId xmlns:p14="http://schemas.microsoft.com/office/powerpoint/2010/main" val="2766676707"/>
       </p:ext>
     </p:extLst>
   </p:cSld>
   <p:clrMapOvr>
     <a:masterClrMapping/>
   </p:clrMapOvr>
+  <p:timing>
+    <p:tnLst>
+      <p:par>
+        <p:cTn xmlns:p14="http://schemas.microsoft.com/office/powerpoint/2010/main" id="1" dur="indefinite" restart="never" nodeType="tmRoot"/>
+      </p:par>
+    </p:tnLst>
+  </p:timing>
 </p:sld>
 </file>
 
@@ -7102,141 +8322,64 @@
           <a:chExt cx="0" cy="0"/>
         </a:xfrm>
       </p:grpSpPr>
-      <p:sp>
-        <p:nvSpPr>
-          <p:cNvPr id="2" name="Title 1"/>
-          <p:cNvSpPr>
-            <a:spLocks noGrp="1"/>
-          </p:cNvSpPr>
-          <p:nvPr>
-            <p:ph type="title"/>
-          </p:nvPr>
-        </p:nvSpPr>
-        <p:spPr/>
-        <p:txBody>
-          <a:bodyPr/>
-          <a:lstStyle/>
-          <a:p>
-            <a:r>
-              <a:rPr lang="nl-BE" dirty="0" smtClean="0"/>
-              <a:t>Problems encountered</a:t>
-            </a:r>
-            <a:endParaRPr lang="nl-BE" dirty="0"/>
-          </a:p>
-        </p:txBody>
-      </p:sp>
-      <p:sp>
-        <p:nvSpPr>
-          <p:cNvPr id="3" name="Content Placeholder 2"/>
-          <p:cNvSpPr>
-            <a:spLocks noGrp="1"/>
-          </p:cNvSpPr>
-          <p:nvPr>
-            <p:ph idx="1"/>
-          </p:nvPr>
-        </p:nvSpPr>
-        <p:spPr/>
-        <p:txBody>
-          <a:bodyPr/>
-          <a:lstStyle/>
-          <a:p>
-            <a:r>
-              <a:rPr lang="nl-BE" dirty="0" err="1" smtClean="0"/>
-              <a:t>Gathering</a:t>
-            </a:r>
-            <a:r>
-              <a:rPr lang="nl-BE" dirty="0" smtClean="0"/>
-              <a:t>:</a:t>
-            </a:r>
-          </a:p>
-          <a:p>
-            <a:pPr lvl="1"/>
-            <a:r>
-              <a:rPr lang="nl-BE" dirty="0" smtClean="0"/>
-              <a:t>Realtime sending of data</a:t>
-            </a:r>
-          </a:p>
-          <a:p>
-            <a:pPr lvl="1"/>
-            <a:r>
-              <a:rPr lang="en-US" dirty="0" smtClean="0"/>
-              <a:t>Conflict between GPS and Heartbeat sensor</a:t>
-            </a:r>
-            <a:endParaRPr lang="nl-BE" dirty="0" smtClean="0"/>
-          </a:p>
-          <a:p>
-            <a:r>
-              <a:rPr lang="nl-BE" dirty="0" err="1" smtClean="0"/>
-              <a:t>Visualisation</a:t>
-            </a:r>
-            <a:r>
-              <a:rPr lang="nl-BE" dirty="0" smtClean="0"/>
-              <a:t>:</a:t>
-            </a:r>
-          </a:p>
-          <a:p>
-            <a:pPr lvl="1"/>
-            <a:r>
-              <a:rPr lang="nl-BE" dirty="0" smtClean="0"/>
-              <a:t>Harder to test without perfect data</a:t>
-            </a:r>
-          </a:p>
-          <a:p>
-            <a:pPr lvl="1"/>
-            <a:r>
-              <a:rPr lang="nl-BE" dirty="0" smtClean="0"/>
-              <a:t>Website slow, </a:t>
-            </a:r>
-            <a:r>
-              <a:rPr lang="nl-BE" dirty="0" err="1" smtClean="0"/>
-              <a:t>froze</a:t>
-            </a:r>
-            <a:r>
-              <a:rPr lang="nl-BE" dirty="0" smtClean="0"/>
-              <a:t> a </a:t>
-            </a:r>
-            <a:r>
-              <a:rPr lang="nl-BE" dirty="0" err="1" smtClean="0"/>
-              <a:t>couple</a:t>
-            </a:r>
-            <a:r>
-              <a:rPr lang="nl-BE" dirty="0" smtClean="0"/>
-              <a:t> of </a:t>
-            </a:r>
-            <a:r>
-              <a:rPr lang="nl-BE" dirty="0" err="1" smtClean="0"/>
-              <a:t>times</a:t>
-            </a:r>
-            <a:endParaRPr lang="nl-BE" dirty="0" smtClean="0"/>
-          </a:p>
-          <a:p>
-            <a:pPr lvl="1"/>
-            <a:r>
-              <a:rPr lang="nl-BE" dirty="0" smtClean="0"/>
-              <a:t>Speed plot </a:t>
-            </a:r>
-            <a:r>
-              <a:rPr lang="nl-BE" dirty="0" err="1" smtClean="0"/>
-              <a:t>not</a:t>
-            </a:r>
-            <a:r>
-              <a:rPr lang="nl-BE" dirty="0" smtClean="0"/>
-              <a:t> accurate at first</a:t>
-            </a:r>
-            <a:endParaRPr lang="nl-BE" dirty="0" smtClean="0"/>
-          </a:p>
-        </p:txBody>
-      </p:sp>
+      <p:pic>
+        <p:nvPicPr>
+          <p:cNvPr id="5" name="Afbeelding 4" descr="questionmark.jpg"/>
+          <p:cNvPicPr>
+            <a:picLocks noChangeAspect="1"/>
+          </p:cNvPicPr>
+          <p:nvPr/>
+        </p:nvPicPr>
+        <p:blipFill>
+          <a:blip r:embed="rId2">
+            <a:extLst>
+              <a:ext uri="{28A0092B-C50C-407E-A947-70E740481C1C}">
+                <a14:useLocalDpi xmlns:a14="http://schemas.microsoft.com/office/drawing/2010/main" val="0"/>
+              </a:ext>
+            </a:extLst>
+          </a:blip>
+          <a:stretch>
+            <a:fillRect/>
+          </a:stretch>
+        </p:blipFill>
+        <p:spPr>
+          <a:xfrm>
+            <a:off x="2593021" y="1401827"/>
+            <a:ext cx="4242940" cy="4242940"/>
+          </a:xfrm>
+          <a:prstGeom prst="rect">
+            <a:avLst/>
+          </a:prstGeom>
+          <a:ln>
+            <a:noFill/>
+          </a:ln>
+          <a:effectLst>
+            <a:outerShdw blurRad="50800" dist="38100" dir="5400000" algn="t" rotWithShape="0">
+              <a:prstClr val="black">
+                <a:alpha val="40000"/>
+              </a:prstClr>
+            </a:outerShdw>
+            <a:softEdge rad="112500"/>
+          </a:effectLst>
+        </p:spPr>
+      </p:pic>
     </p:spTree>
     <p:extLst>
       <p:ext uri="{BB962C8B-B14F-4D97-AF65-F5344CB8AC3E}">
-        <p14:creationId xmlns:p14="http://schemas.microsoft.com/office/powerpoint/2010/main" val="311801143"/>
+        <p14:creationId xmlns:p14="http://schemas.microsoft.com/office/powerpoint/2010/main" val="281677106"/>
       </p:ext>
     </p:extLst>
   </p:cSld>
   <p:clrMapOvr>
     <a:masterClrMapping/>
   </p:clrMapOvr>
+  <p:timing>
+    <p:tnLst>
+      <p:par>
+        <p:cTn xmlns:p14="http://schemas.microsoft.com/office/powerpoint/2010/main" id="1" dur="indefinite" restart="never" nodeType="tmRoot"/>
+      </p:par>
+    </p:tnLst>
+  </p:timing>
 </p:sld>
 </file>
 
@@ -7259,7 +8402,7 @@
       </p:grpSpPr>
       <p:sp>
         <p:nvSpPr>
-          <p:cNvPr id="2" name="Title 1"/>
+          <p:cNvPr id="2" name="Titel 1"/>
           <p:cNvSpPr>
             <a:spLocks noGrp="1"/>
           </p:cNvSpPr>
@@ -7273,16 +8416,24 @@
           <a:lstStyle/>
           <a:p>
             <a:r>
-              <a:rPr lang="nl-BE" dirty="0" smtClean="0"/>
-              <a:t>Problems encountered</a:t>
-            </a:r>
-            <a:endParaRPr lang="nl-BE" dirty="0"/>
+              <a:rPr lang="nl-NL" dirty="0" smtClean="0"/>
+              <a:t>Follow </a:t>
+            </a:r>
+            <a:r>
+              <a:rPr lang="nl-NL" dirty="0" err="1" smtClean="0"/>
+              <a:t>us</a:t>
+            </a:r>
+            <a:r>
+              <a:rPr lang="nl-NL" dirty="0" smtClean="0"/>
+              <a:t>  </a:t>
+            </a:r>
+            <a:endParaRPr lang="nl-NL" dirty="0"/>
           </a:p>
         </p:txBody>
       </p:sp>
       <p:sp>
         <p:nvSpPr>
-          <p:cNvPr id="3" name="Content Placeholder 2"/>
+          <p:cNvPr id="3" name="Tijdelijke aanduiding voor inhoud 2"/>
           <p:cNvSpPr>
             <a:spLocks noGrp="1"/>
           </p:cNvSpPr>
@@ -7295,119 +8446,168 @@
           <a:bodyPr/>
           <a:lstStyle/>
           <a:p>
-            <a:r>
-              <a:rPr lang="nl-BE" dirty="0" smtClean="0"/>
-              <a:t>Max 1,5 minute</a:t>
-            </a:r>
-          </a:p>
-          <a:p>
-            <a:r>
-              <a:rPr lang="nl-BE" dirty="0" smtClean="0"/>
-              <a:t>What are the main issues that your group had so far? </a:t>
-            </a:r>
-          </a:p>
-          <a:p>
-            <a:r>
-              <a:rPr lang="nl-BE" dirty="0" smtClean="0"/>
-              <a:t>How did you solve them?</a:t>
-            </a:r>
-            <a:endParaRPr lang="nl-BE" dirty="0"/>
+            <a:pPr marL="336550" lvl="1" indent="0" algn="ctr">
+              <a:buNone/>
+            </a:pPr>
+            <a:endParaRPr lang="nl-NL" dirty="0"/>
+          </a:p>
+          <a:p>
+            <a:pPr marL="336550" lvl="1" indent="0" algn="ctr">
+              <a:buNone/>
+            </a:pPr>
+            <a:r>
+              <a:rPr lang="nl-NL" sz="4600" dirty="0" smtClean="0">
+                <a:solidFill>
+                  <a:schemeClr val="accent1"/>
+                </a:solidFill>
+                <a:latin typeface="+mj-lt"/>
+                <a:ea typeface="+mj-ea"/>
+                <a:cs typeface="+mj-cs"/>
+              </a:rPr>
+              <a:t>@</a:t>
+            </a:r>
+          </a:p>
+          <a:p>
+            <a:pPr marL="336550" lvl="1" indent="0" algn="ctr">
+              <a:buNone/>
+            </a:pPr>
+            <a:endParaRPr lang="nl-NL" sz="4600" dirty="0">
+              <a:solidFill>
+                <a:schemeClr val="accent1"/>
+              </a:solidFill>
+              <a:latin typeface="+mj-lt"/>
+              <a:ea typeface="+mj-ea"/>
+              <a:cs typeface="+mj-cs"/>
+            </a:endParaRPr>
+          </a:p>
+          <a:p>
+            <a:pPr marL="336550" lvl="1" indent="0" algn="ctr">
+              <a:buNone/>
+            </a:pPr>
+            <a:r>
+              <a:rPr lang="nl-NL" sz="4600" dirty="0">
+                <a:solidFill>
+                  <a:schemeClr val="accent1"/>
+                </a:solidFill>
+                <a:latin typeface="+mj-lt"/>
+                <a:ea typeface="+mj-ea"/>
+                <a:cs typeface="+mj-cs"/>
+                <a:hlinkClick r:id="rId2"/>
+              </a:rPr>
+              <a:t>https://</a:t>
+            </a:r>
+            <a:r>
+              <a:rPr lang="nl-NL" sz="4600" dirty="0" smtClean="0">
+                <a:solidFill>
+                  <a:schemeClr val="accent1"/>
+                </a:solidFill>
+                <a:latin typeface="+mj-lt"/>
+                <a:ea typeface="+mj-ea"/>
+                <a:cs typeface="+mj-cs"/>
+                <a:hlinkClick r:id="rId2"/>
+              </a:rPr>
+              <a:t>bicyclus.wordpress.com</a:t>
+            </a:r>
+            <a:endParaRPr lang="nl-NL" sz="4600" dirty="0" smtClean="0">
+              <a:solidFill>
+                <a:schemeClr val="accent1"/>
+              </a:solidFill>
+              <a:latin typeface="+mj-lt"/>
+              <a:ea typeface="+mj-ea"/>
+              <a:cs typeface="+mj-cs"/>
+            </a:endParaRPr>
+          </a:p>
+          <a:p>
+            <a:pPr marL="336550" lvl="1" indent="0" algn="ctr">
+              <a:buNone/>
+            </a:pPr>
+            <a:endParaRPr lang="nl-NL" sz="4600" dirty="0">
+              <a:solidFill>
+                <a:schemeClr val="accent1"/>
+              </a:solidFill>
+              <a:latin typeface="+mj-lt"/>
+              <a:ea typeface="+mj-ea"/>
+              <a:cs typeface="+mj-cs"/>
+            </a:endParaRPr>
+          </a:p>
+          <a:p>
+            <a:pPr marL="336550" lvl="1" indent="0" algn="ctr">
+              <a:buNone/>
+            </a:pPr>
+            <a:endParaRPr lang="nl-NL" sz="4600" dirty="0">
+              <a:solidFill>
+                <a:schemeClr val="accent1"/>
+              </a:solidFill>
+              <a:latin typeface="+mj-lt"/>
+              <a:ea typeface="+mj-ea"/>
+              <a:cs typeface="+mj-cs"/>
+            </a:endParaRPr>
+          </a:p>
+          <a:p>
+            <a:pPr marL="336550" lvl="1" indent="0" algn="ctr">
+              <a:buNone/>
+            </a:pPr>
+            <a:endParaRPr lang="nl-NL" sz="4600" dirty="0">
+              <a:solidFill>
+                <a:schemeClr val="accent1"/>
+              </a:solidFill>
+              <a:latin typeface="+mj-lt"/>
+              <a:ea typeface="+mj-ea"/>
+              <a:cs typeface="+mj-cs"/>
+            </a:endParaRPr>
           </a:p>
         </p:txBody>
       </p:sp>
+      <p:pic>
+        <p:nvPicPr>
+          <p:cNvPr id="4" name="Picture 2" descr="http://www.student.kuleuven.be/~r0453111/peno3/img/Logo.png"/>
+          <p:cNvPicPr>
+            <a:picLocks noChangeAspect="1" noChangeArrowheads="1"/>
+          </p:cNvPicPr>
+          <p:nvPr/>
+        </p:nvPicPr>
+        <p:blipFill>
+          <a:blip r:embed="rId3"/>
+          <a:srcRect/>
+          <a:stretch>
+            <a:fillRect/>
+          </a:stretch>
+        </p:blipFill>
+        <p:spPr bwMode="auto">
+          <a:xfrm>
+            <a:off x="6616437" y="5227808"/>
+            <a:ext cx="2147379" cy="1431586"/>
+          </a:xfrm>
+          <a:prstGeom prst="rect">
+            <a:avLst/>
+          </a:prstGeom>
+          <a:noFill/>
+        </p:spPr>
+      </p:pic>
     </p:spTree>
     <p:extLst>
       <p:ext uri="{BB962C8B-B14F-4D97-AF65-F5344CB8AC3E}">
-        <p14:creationId xmlns:p14="http://schemas.microsoft.com/office/powerpoint/2010/main" val="311801143"/>
+        <p14:creationId xmlns:p14="http://schemas.microsoft.com/office/powerpoint/2010/main" val="402125255"/>
       </p:ext>
     </p:extLst>
   </p:cSld>
   <p:clrMapOvr>
     <a:masterClrMapping/>
   </p:clrMapOvr>
-</p:sld>
-</file>
-
-<file path=ppt/slides/slide9.xml><?xml version="1.0" encoding="utf-8"?>
-<p:sld xmlns:a="http://schemas.openxmlformats.org/drawingml/2006/main" xmlns:r="http://schemas.openxmlformats.org/officeDocument/2006/relationships" xmlns:p="http://schemas.openxmlformats.org/presentationml/2006/main">
-  <p:cSld>
-    <p:spTree>
-      <p:nvGrpSpPr>
-        <p:cNvPr id="1" name=""/>
-        <p:cNvGrpSpPr/>
-        <p:nvPr/>
-      </p:nvGrpSpPr>
-      <p:grpSpPr>
-        <a:xfrm>
-          <a:off x="0" y="0"/>
-          <a:ext cx="0" cy="0"/>
-          <a:chOff x="0" y="0"/>
-          <a:chExt cx="0" cy="0"/>
-        </a:xfrm>
-      </p:grpSpPr>
-      <p:sp>
-        <p:nvSpPr>
-          <p:cNvPr id="2" name="Title 1"/>
-          <p:cNvSpPr>
-            <a:spLocks noGrp="1"/>
-          </p:cNvSpPr>
-          <p:nvPr>
-            <p:ph type="title"/>
-          </p:nvPr>
-        </p:nvSpPr>
-        <p:spPr/>
-        <p:txBody>
-          <a:bodyPr/>
-          <a:lstStyle/>
-          <a:p>
-            <a:r>
-              <a:rPr lang="nl-BE" dirty="0" smtClean="0"/>
-              <a:t>Expected problems</a:t>
-            </a:r>
-            <a:endParaRPr lang="nl-BE" dirty="0"/>
-          </a:p>
-        </p:txBody>
-      </p:sp>
-      <p:sp>
-        <p:nvSpPr>
-          <p:cNvPr id="3" name="Content Placeholder 2"/>
-          <p:cNvSpPr>
-            <a:spLocks noGrp="1"/>
-          </p:cNvSpPr>
-          <p:nvPr>
-            <p:ph idx="1"/>
-          </p:nvPr>
-        </p:nvSpPr>
-        <p:spPr/>
-        <p:txBody>
-          <a:bodyPr/>
-          <a:lstStyle/>
-          <a:p>
-            <a:r>
-              <a:rPr lang="nl-BE" dirty="0" smtClean="0"/>
-              <a:t>The conflict between the GPS and the heartbeat sensor is not fixed as of yet.</a:t>
-            </a:r>
-            <a:endParaRPr lang="nl-BE" dirty="0"/>
-          </a:p>
-        </p:txBody>
-      </p:sp>
-    </p:spTree>
-    <p:extLst>
-      <p:ext uri="{BB962C8B-B14F-4D97-AF65-F5344CB8AC3E}">
-        <p14:creationId xmlns:p14="http://schemas.microsoft.com/office/powerpoint/2010/main" val="2766676707"/>
-      </p:ext>
-    </p:extLst>
-  </p:cSld>
-  <p:clrMapOvr>
-    <a:masterClrMapping/>
-  </p:clrMapOvr>
+  <p:timing>
+    <p:tnLst>
+      <p:par>
+        <p:cTn xmlns:p14="http://schemas.microsoft.com/office/powerpoint/2010/main" id="1" dur="indefinite" restart="never" nodeType="tmRoot"/>
+      </p:par>
+    </p:tnLst>
+  </p:timing>
 </p:sld>
 </file>
 
 <file path=ppt/theme/theme1.xml><?xml version="1.0" encoding="utf-8"?>
-<a:theme xmlns:a="http://schemas.openxmlformats.org/drawingml/2006/main" name="Office Theme">
+<a:theme xmlns:a="http://schemas.openxmlformats.org/drawingml/2006/main" name="Briesje">
   <a:themeElements>
-    <a:clrScheme name="Office">
+    <a:clrScheme name="Briesje">
       <a:dk1>
         <a:sysClr val="windowText" lastClr="000000"/>
       </a:dk1>
@@ -7415,158 +8615,107 @@
         <a:sysClr val="window" lastClr="FFFFFF"/>
       </a:lt1>
       <a:dk2>
-        <a:srgbClr val="1F497D"/>
+        <a:srgbClr val="09213B"/>
       </a:dk2>
       <a:lt2>
-        <a:srgbClr val="EEECE1"/>
+        <a:srgbClr val="D5EDF4"/>
       </a:lt2>
       <a:accent1>
-        <a:srgbClr val="4F81BD"/>
+        <a:srgbClr val="2C7C9F"/>
       </a:accent1>
       <a:accent2>
-        <a:srgbClr val="C0504D"/>
+        <a:srgbClr val="244A58"/>
       </a:accent2>
       <a:accent3>
-        <a:srgbClr val="9BBB59"/>
+        <a:srgbClr val="E2751D"/>
       </a:accent3>
       <a:accent4>
-        <a:srgbClr val="8064A2"/>
+        <a:srgbClr val="FFB400"/>
       </a:accent4>
       <a:accent5>
-        <a:srgbClr val="4BACC6"/>
+        <a:srgbClr val="7EB606"/>
       </a:accent5>
       <a:accent6>
-        <a:srgbClr val="F79646"/>
+        <a:srgbClr val="C00000"/>
       </a:accent6>
       <a:hlink>
-        <a:srgbClr val="0000FF"/>
+        <a:srgbClr val="7030A0"/>
       </a:hlink>
       <a:folHlink>
-        <a:srgbClr val="800080"/>
+        <a:srgbClr val="00B0F0"/>
       </a:folHlink>
     </a:clrScheme>
-    <a:fontScheme name="Office">
+    <a:fontScheme name="Briesje">
       <a:majorFont>
-        <a:latin typeface="Calibri"/>
+        <a:latin typeface="News Gothic MT"/>
         <a:ea typeface=""/>
         <a:cs typeface=""/>
         <a:font script="Jpan" typeface="ＭＳ Ｐゴシック"/>
-        <a:font script="Hang" typeface="맑은 고딕"/>
         <a:font script="Hans" typeface="宋体"/>
         <a:font script="Hant" typeface="新細明體"/>
-        <a:font script="Arab" typeface="Times New Roman"/>
-        <a:font script="Hebr" typeface="Times New Roman"/>
-        <a:font script="Thai" typeface="Angsana New"/>
-        <a:font script="Ethi" typeface="Nyala"/>
-        <a:font script="Beng" typeface="Vrinda"/>
-        <a:font script="Gujr" typeface="Shruti"/>
-        <a:font script="Khmr" typeface="MoolBoran"/>
-        <a:font script="Knda" typeface="Tunga"/>
-        <a:font script="Guru" typeface="Raavi"/>
-        <a:font script="Cans" typeface="Euphemia"/>
-        <a:font script="Cher" typeface="Plantagenet Cherokee"/>
-        <a:font script="Yiii" typeface="Microsoft Yi Baiti"/>
-        <a:font script="Tibt" typeface="Microsoft Himalaya"/>
-        <a:font script="Thaa" typeface="MV Boli"/>
-        <a:font script="Deva" typeface="Mangal"/>
-        <a:font script="Telu" typeface="Gautami"/>
-        <a:font script="Taml" typeface="Latha"/>
-        <a:font script="Syrc" typeface="Estrangelo Edessa"/>
-        <a:font script="Orya" typeface="Kalinga"/>
-        <a:font script="Mlym" typeface="Kartika"/>
-        <a:font script="Laoo" typeface="DokChampa"/>
-        <a:font script="Sinh" typeface="Iskoola Pota"/>
-        <a:font script="Mong" typeface="Mongolian Baiti"/>
-        <a:font script="Viet" typeface="Times New Roman"/>
-        <a:font script="Uigh" typeface="Microsoft Uighur"/>
-        <a:font script="Geor" typeface="Sylfaen"/>
       </a:majorFont>
       <a:minorFont>
-        <a:latin typeface="Calibri"/>
+        <a:latin typeface="News Gothic MT"/>
         <a:ea typeface=""/>
         <a:cs typeface=""/>
         <a:font script="Jpan" typeface="ＭＳ Ｐゴシック"/>
-        <a:font script="Hang" typeface="맑은 고딕"/>
         <a:font script="Hans" typeface="宋体"/>
         <a:font script="Hant" typeface="新細明體"/>
-        <a:font script="Arab" typeface="Arial"/>
-        <a:font script="Hebr" typeface="Arial"/>
-        <a:font script="Thai" typeface="Cordia New"/>
-        <a:font script="Ethi" typeface="Nyala"/>
-        <a:font script="Beng" typeface="Vrinda"/>
-        <a:font script="Gujr" typeface="Shruti"/>
-        <a:font script="Khmr" typeface="DaunPenh"/>
-        <a:font script="Knda" typeface="Tunga"/>
-        <a:font script="Guru" typeface="Raavi"/>
-        <a:font script="Cans" typeface="Euphemia"/>
-        <a:font script="Cher" typeface="Plantagenet Cherokee"/>
-        <a:font script="Yiii" typeface="Microsoft Yi Baiti"/>
-        <a:font script="Tibt" typeface="Microsoft Himalaya"/>
-        <a:font script="Thaa" typeface="MV Boli"/>
-        <a:font script="Deva" typeface="Mangal"/>
-        <a:font script="Telu" typeface="Gautami"/>
-        <a:font script="Taml" typeface="Latha"/>
-        <a:font script="Syrc" typeface="Estrangelo Edessa"/>
-        <a:font script="Orya" typeface="Kalinga"/>
-        <a:font script="Mlym" typeface="Kartika"/>
-        <a:font script="Laoo" typeface="DokChampa"/>
-        <a:font script="Sinh" typeface="Iskoola Pota"/>
-        <a:font script="Mong" typeface="Mongolian Baiti"/>
-        <a:font script="Viet" typeface="Arial"/>
-        <a:font script="Uigh" typeface="Microsoft Uighur"/>
-        <a:font script="Geor" typeface="Sylfaen"/>
       </a:minorFont>
     </a:fontScheme>
-    <a:fmtScheme name="Office">
+    <a:fmtScheme name="Briesje">
       <a:fillStyleLst>
         <a:solidFill>
           <a:schemeClr val="phClr"/>
         </a:solidFill>
         <a:gradFill rotWithShape="1">
           <a:gsLst>
-            <a:gs pos="0">
+            <a:gs pos="31000">
               <a:schemeClr val="phClr">
-                <a:tint val="50000"/>
-                <a:satMod val="300000"/>
-              </a:schemeClr>
-            </a:gs>
-            <a:gs pos="35000">
-              <a:schemeClr val="phClr">
-                <a:tint val="37000"/>
-                <a:satMod val="300000"/>
+                <a:tint val="100000"/>
+                <a:shade val="100000"/>
+                <a:satMod val="120000"/>
               </a:schemeClr>
             </a:gs>
             <a:gs pos="100000">
               <a:schemeClr val="phClr">
-                <a:tint val="15000"/>
-                <a:satMod val="350000"/>
+                <a:tint val="50000"/>
+                <a:satMod val="150000"/>
               </a:schemeClr>
             </a:gs>
           </a:gsLst>
-          <a:lin ang="16200000" scaled="1"/>
+          <a:lin ang="5400000" scaled="1"/>
         </a:gradFill>
         <a:gradFill rotWithShape="1">
           <a:gsLst>
             <a:gs pos="0">
               <a:schemeClr val="phClr">
-                <a:tint val="100000"/>
                 <a:shade val="100000"/>
-                <a:satMod val="130000"/>
+                <a:satMod val="120000"/>
+              </a:schemeClr>
+            </a:gs>
+            <a:gs pos="69000">
+              <a:schemeClr val="phClr">
+                <a:tint val="80000"/>
+                <a:shade val="100000"/>
+                <a:satMod val="150000"/>
               </a:schemeClr>
             </a:gs>
             <a:gs pos="100000">
               <a:schemeClr val="phClr">
                 <a:tint val="50000"/>
                 <a:shade val="100000"/>
-                <a:satMod val="350000"/>
+                <a:satMod val="150000"/>
               </a:schemeClr>
             </a:gs>
           </a:gsLst>
-          <a:lin ang="16200000" scaled="0"/>
+          <a:path path="circle">
+            <a:fillToRect l="100000" t="100000" r="100000" b="100000"/>
+          </a:path>
         </a:gradFill>
       </a:fillStyleLst>
       <a:lnStyleLst>
-        <a:ln w="9525" cap="flat" cmpd="sng" algn="ctr">
+        <a:ln w="12700" cap="flat" cmpd="sng" algn="ctr">
           <a:solidFill>
             <a:schemeClr val="phClr">
               <a:shade val="95000"/>
@@ -7575,13 +8724,13 @@
           </a:solidFill>
           <a:prstDash val="solid"/>
         </a:ln>
-        <a:ln w="25400" cap="flat" cmpd="sng" algn="ctr">
+        <a:ln w="25400" cap="flat" cmpd="dbl" algn="ctr">
           <a:solidFill>
             <a:schemeClr val="phClr"/>
           </a:solidFill>
           <a:prstDash val="solid"/>
         </a:ln>
-        <a:ln w="38100" cap="flat" cmpd="sng" algn="ctr">
+        <a:ln w="31750" cap="flat" cmpd="dbl" algn="ctr">
           <a:solidFill>
             <a:schemeClr val="phClr"/>
           </a:solidFill>
@@ -7590,41 +8739,38 @@
       </a:lnStyleLst>
       <a:effectStyleLst>
         <a:effectStyle>
+          <a:effectLst/>
+        </a:effectStyle>
+        <a:effectStyle>
           <a:effectLst>
-            <a:outerShdw blurRad="40000" dist="20000" dir="5400000" rotWithShape="0">
+            <a:outerShdw blurRad="63500" dist="25400" dir="5400000" sx="101000" sy="101000" rotWithShape="0">
               <a:srgbClr val="000000">
-                <a:alpha val="38000"/>
+                <a:alpha val="40000"/>
               </a:srgbClr>
             </a:outerShdw>
           </a:effectLst>
         </a:effectStyle>
         <a:effectStyle>
           <a:effectLst>
-            <a:outerShdw blurRad="40000" dist="23000" dir="5400000" rotWithShape="0">
-              <a:srgbClr val="000000">
-                <a:alpha val="35000"/>
+            <a:innerShdw blurRad="127000" dist="25400" dir="13500000">
+              <a:srgbClr val="C0C0C0">
+                <a:alpha val="75000"/>
               </a:srgbClr>
-            </a:outerShdw>
-          </a:effectLst>
-        </a:effectStyle>
-        <a:effectStyle>
-          <a:effectLst>
-            <a:outerShdw blurRad="40000" dist="23000" dir="5400000" rotWithShape="0">
-              <a:srgbClr val="000000">
-                <a:alpha val="35000"/>
+            </a:innerShdw>
+            <a:outerShdw blurRad="88900" dist="25400" dir="5400000" sx="102000" sy="102000" algn="ctr" rotWithShape="0">
+              <a:srgbClr val="C0C0C0">
+                <a:alpha val="40000"/>
               </a:srgbClr>
             </a:outerShdw>
           </a:effectLst>
           <a:scene3d>
-            <a:camera prst="orthographicFront">
-              <a:rot lat="0" lon="0" rev="0"/>
-            </a:camera>
-            <a:lightRig rig="threePt" dir="t">
-              <a:rot lat="0" lon="0" rev="1200000"/>
+            <a:camera prst="perspectiveLeft" fov="300000"/>
+            <a:lightRig rig="soft" dir="l">
+              <a:rot lat="0" lon="0" rev="4200000"/>
             </a:lightRig>
           </a:scene3d>
-          <a:sp3d>
-            <a:bevelT w="63500" h="25400"/>
+          <a:sp3d extrusionH="38100" prstMaterial="powder">
+            <a:bevelT w="50800" h="88900" prst="convex"/>
           </a:sp3d>
         </a:effectStyle>
       </a:effectStyleLst>
@@ -7658,33 +8804,33 @@
             <a:fillToRect l="50000" t="-80000" r="50000" b="180000"/>
           </a:path>
         </a:gradFill>
-        <a:gradFill rotWithShape="1">
-          <a:gsLst>
-            <a:gs pos="0">
+        <a:blipFill rotWithShape="1">
+          <a:blip xmlns:r="http://schemas.openxmlformats.org/officeDocument/2006/relationships" r:embed="rId1">
+            <a:duotone>
               <a:schemeClr val="phClr">
-                <a:tint val="80000"/>
-                <a:satMod val="300000"/>
+                <a:shade val="40000"/>
+                <a:satMod val="400000"/>
               </a:schemeClr>
-            </a:gs>
-            <a:gs pos="100000">
               <a:schemeClr val="phClr">
-                <a:shade val="30000"/>
+                <a:tint val="10000"/>
                 <a:satMod val="200000"/>
               </a:schemeClr>
-            </a:gs>
-          </a:gsLst>
-          <a:path path="circle">
-            <a:fillToRect l="50000" t="50000" r="50000" b="50000"/>
-          </a:path>
-        </a:gradFill>
+            </a:duotone>
+          </a:blip>
+          <a:stretch/>
+        </a:blipFill>
       </a:bgFillStyleLst>
     </a:fmtScheme>
   </a:themeElements>
   <a:objectDefaults>
     <a:spDef>
       <a:spPr/>
-      <a:bodyPr/>
-      <a:lstStyle/>
+      <a:bodyPr rtlCol="0" anchor="ctr"/>
+      <a:lstStyle>
+        <a:defPPr algn="ctr">
+          <a:defRPr/>
+        </a:defPPr>
+      </a:lstStyle>
       <a:style>
         <a:lnRef idx="1">
           <a:schemeClr val="accent1"/>

--- a/Verslagen/intermediatedemo.pptx
+++ b/Verslagen/intermediatedemo.pptx
@@ -113,7 +113,7 @@
   </p:defaultTextStyle>
   <p:extLst>
     <p:ext uri="{EFAFB233-063F-42B5-8137-9DF3F51BA10A}">
-      <p15:sldGuideLst xmlns="" xmlns:p15="http://schemas.microsoft.com/office/powerpoint/2012/main">
+      <p15:sldGuideLst xmlns:p15="http://schemas.microsoft.com/office/powerpoint/2012/main" xmlns="">
         <p15:guide id="1" orient="horz" pos="2160">
           <p15:clr>
             <a:srgbClr val="A4A3A4"/>
@@ -1307,25 +1307,25 @@
     </dgm:pt>
   </dgm:ptLst>
   <dgm:cxnLst>
+    <dgm:cxn modelId="{3E6931BD-56DC-445E-B034-1F0A9324CEF5}" type="presOf" srcId="{DD4D1D16-CBD2-43EE-A7C9-814070E34D3A}" destId="{89372812-2771-4395-9F3B-247111C80A40}" srcOrd="1" destOrd="0" presId="urn:microsoft.com/office/officeart/2005/8/layout/hierarchy2"/>
+    <dgm:cxn modelId="{12350B6C-4924-4064-BA0D-D6DAE6DD3551}" type="presOf" srcId="{DD4D1D16-CBD2-43EE-A7C9-814070E34D3A}" destId="{67F8769C-B753-45D8-B0B1-EC206E48ED9F}" srcOrd="0" destOrd="0" presId="urn:microsoft.com/office/officeart/2005/8/layout/hierarchy2"/>
+    <dgm:cxn modelId="{302FEF1B-2DB6-4BCC-82E0-49245D471E4B}" type="presOf" srcId="{15BB76D7-2BDA-4EDE-8F73-9D4BB2CD4971}" destId="{30A78D99-01E9-4FD6-B365-8A0A655DF402}" srcOrd="0" destOrd="0" presId="urn:microsoft.com/office/officeart/2005/8/layout/hierarchy2"/>
+    <dgm:cxn modelId="{EE2626C9-1E79-40BD-943C-4ADAE9826321}" type="presOf" srcId="{D6591959-5F0F-489A-8468-D242C17A36C8}" destId="{C79BEA28-5F21-4532-9188-1C7ABAA70D8F}" srcOrd="0" destOrd="0" presId="urn:microsoft.com/office/officeart/2005/8/layout/hierarchy2"/>
+    <dgm:cxn modelId="{E294910F-1EC7-43F8-972B-8CC0404A3C30}" type="presOf" srcId="{1C0E55F7-5FB2-4E48-8149-913E77520486}" destId="{D50786B4-76D4-4E84-96A2-43CA01A74DF8}" srcOrd="0" destOrd="0" presId="urn:microsoft.com/office/officeart/2005/8/layout/hierarchy2"/>
+    <dgm:cxn modelId="{41511535-6B13-46C2-A701-A47E7FA6CA61}" type="presOf" srcId="{8532AD7D-7EE2-4007-A3F5-FD348991FF6F}" destId="{6ADDB12E-F225-4DAA-8EEF-D28B268A5EC0}" srcOrd="0" destOrd="0" presId="urn:microsoft.com/office/officeart/2005/8/layout/hierarchy2"/>
+    <dgm:cxn modelId="{27AF9362-E21F-451C-A964-D53F36723BDA}" srcId="{276A363E-C704-4D52-9F85-35548A6AA593}" destId="{D6591959-5F0F-489A-8468-D242C17A36C8}" srcOrd="0" destOrd="0" parTransId="{779B853E-8E32-480B-8726-6D7F90F79F45}" sibTransId="{11B1830F-1949-43B7-A28A-33CB04060664}"/>
+    <dgm:cxn modelId="{026A628E-BCB1-47DE-AF6D-036DA013FFD5}" type="presOf" srcId="{F82C1CBE-91A2-4EF8-A552-08262AC94C07}" destId="{4EB53B17-163D-4E4E-99AA-789A7AB458C4}" srcOrd="0" destOrd="0" presId="urn:microsoft.com/office/officeart/2005/8/layout/hierarchy2"/>
+    <dgm:cxn modelId="{EBDF1461-CA97-4833-A590-8DD626B23D7E}" type="presOf" srcId="{779B853E-8E32-480B-8726-6D7F90F79F45}" destId="{26C445C5-4FF3-4917-9A53-77D0B357F9B8}" srcOrd="1" destOrd="0" presId="urn:microsoft.com/office/officeart/2005/8/layout/hierarchy2"/>
+    <dgm:cxn modelId="{40D62DF1-BF91-4B62-9E0E-3628428104F0}" srcId="{1C0E55F7-5FB2-4E48-8149-913E77520486}" destId="{8532AD7D-7EE2-4007-A3F5-FD348991FF6F}" srcOrd="1" destOrd="0" parTransId="{DD4D1D16-CBD2-43EE-A7C9-814070E34D3A}" sibTransId="{C4059019-8137-4DB8-AF28-E6FFB55C576F}"/>
+    <dgm:cxn modelId="{A587323E-FBE6-426F-8637-91A927CE26F2}" type="presOf" srcId="{276A363E-C704-4D52-9F85-35548A6AA593}" destId="{AA82381F-3358-4A1A-9B68-C283C04A3CEB}" srcOrd="0" destOrd="0" presId="urn:microsoft.com/office/officeart/2005/8/layout/hierarchy2"/>
+    <dgm:cxn modelId="{AF24CD37-0DF9-45C0-AF15-642EC0DAA77E}" srcId="{8532AD7D-7EE2-4007-A3F5-FD348991FF6F}" destId="{15BB76D7-2BDA-4EDE-8F73-9D4BB2CD4971}" srcOrd="0" destOrd="0" parTransId="{F82C1CBE-91A2-4EF8-A552-08262AC94C07}" sibTransId="{444924F7-DEC1-4773-8E01-3AA584BF6495}"/>
+    <dgm:cxn modelId="{DA2A0E92-B307-48E4-B1C2-C75EED2E8CD2}" type="presOf" srcId="{F82C1CBE-91A2-4EF8-A552-08262AC94C07}" destId="{1A7D3E5A-6333-4372-90E5-93AD86B30A4A}" srcOrd="1" destOrd="0" presId="urn:microsoft.com/office/officeart/2005/8/layout/hierarchy2"/>
     <dgm:cxn modelId="{B421108B-6A37-46D2-8F4E-7F31E0A9D32F}" srcId="{58034E90-686B-4E9C-8AEB-2433A1E08532}" destId="{1C0E55F7-5FB2-4E48-8149-913E77520486}" srcOrd="0" destOrd="0" parTransId="{250126AC-706A-4CAF-AFC6-19E3D386D61D}" sibTransId="{138B2F27-93A1-4B70-8DBB-133DAC434903}"/>
     <dgm:cxn modelId="{21BD81D8-CC54-4DF9-9E22-187FF8B3E52E}" type="presOf" srcId="{C9578D12-980E-4D95-810E-BC0A9848635E}" destId="{4F19358C-CCDF-4C4F-862A-0F4BA4AA4FD2}" srcOrd="1" destOrd="0" presId="urn:microsoft.com/office/officeart/2005/8/layout/hierarchy2"/>
-    <dgm:cxn modelId="{12350B6C-4924-4064-BA0D-D6DAE6DD3551}" type="presOf" srcId="{DD4D1D16-CBD2-43EE-A7C9-814070E34D3A}" destId="{67F8769C-B753-45D8-B0B1-EC206E48ED9F}" srcOrd="0" destOrd="0" presId="urn:microsoft.com/office/officeart/2005/8/layout/hierarchy2"/>
     <dgm:cxn modelId="{CE40A55A-ECFD-4168-91EE-B8C494101F3E}" srcId="{1C0E55F7-5FB2-4E48-8149-913E77520486}" destId="{276A363E-C704-4D52-9F85-35548A6AA593}" srcOrd="0" destOrd="0" parTransId="{C9578D12-980E-4D95-810E-BC0A9848635E}" sibTransId="{329C8A27-588C-434B-A7D9-B1144CC485D6}"/>
     <dgm:cxn modelId="{83AE0AC5-BF21-492B-8AC5-0EDD38FBDEE3}" type="presOf" srcId="{58034E90-686B-4E9C-8AEB-2433A1E08532}" destId="{6F16B71C-2660-4279-AAE8-8E2A2C798710}" srcOrd="0" destOrd="0" presId="urn:microsoft.com/office/officeart/2005/8/layout/hierarchy2"/>
-    <dgm:cxn modelId="{302FEF1B-2DB6-4BCC-82E0-49245D471E4B}" type="presOf" srcId="{15BB76D7-2BDA-4EDE-8F73-9D4BB2CD4971}" destId="{30A78D99-01E9-4FD6-B365-8A0A655DF402}" srcOrd="0" destOrd="0" presId="urn:microsoft.com/office/officeart/2005/8/layout/hierarchy2"/>
-    <dgm:cxn modelId="{DA2A0E92-B307-48E4-B1C2-C75EED2E8CD2}" type="presOf" srcId="{F82C1CBE-91A2-4EF8-A552-08262AC94C07}" destId="{1A7D3E5A-6333-4372-90E5-93AD86B30A4A}" srcOrd="1" destOrd="0" presId="urn:microsoft.com/office/officeart/2005/8/layout/hierarchy2"/>
-    <dgm:cxn modelId="{AF24CD37-0DF9-45C0-AF15-642EC0DAA77E}" srcId="{8532AD7D-7EE2-4007-A3F5-FD348991FF6F}" destId="{15BB76D7-2BDA-4EDE-8F73-9D4BB2CD4971}" srcOrd="0" destOrd="0" parTransId="{F82C1CBE-91A2-4EF8-A552-08262AC94C07}" sibTransId="{444924F7-DEC1-4773-8E01-3AA584BF6495}"/>
-    <dgm:cxn modelId="{3E6931BD-56DC-445E-B034-1F0A9324CEF5}" type="presOf" srcId="{DD4D1D16-CBD2-43EE-A7C9-814070E34D3A}" destId="{89372812-2771-4395-9F3B-247111C80A40}" srcOrd="1" destOrd="0" presId="urn:microsoft.com/office/officeart/2005/8/layout/hierarchy2"/>
+    <dgm:cxn modelId="{004107B0-E35A-4CCF-B519-AEECD9E23E42}" type="presOf" srcId="{C9578D12-980E-4D95-810E-BC0A9848635E}" destId="{2DF3C455-C390-4894-945C-5945CEDF0695}" srcOrd="0" destOrd="0" presId="urn:microsoft.com/office/officeart/2005/8/layout/hierarchy2"/>
     <dgm:cxn modelId="{88AF8D27-2832-44C2-BCEA-7D5075880880}" type="presOf" srcId="{779B853E-8E32-480B-8726-6D7F90F79F45}" destId="{6CBF796B-60DB-48FC-99B1-668282A960CE}" srcOrd="0" destOrd="0" presId="urn:microsoft.com/office/officeart/2005/8/layout/hierarchy2"/>
-    <dgm:cxn modelId="{026A628E-BCB1-47DE-AF6D-036DA013FFD5}" type="presOf" srcId="{F82C1CBE-91A2-4EF8-A552-08262AC94C07}" destId="{4EB53B17-163D-4E4E-99AA-789A7AB458C4}" srcOrd="0" destOrd="0" presId="urn:microsoft.com/office/officeart/2005/8/layout/hierarchy2"/>
-    <dgm:cxn modelId="{004107B0-E35A-4CCF-B519-AEECD9E23E42}" type="presOf" srcId="{C9578D12-980E-4D95-810E-BC0A9848635E}" destId="{2DF3C455-C390-4894-945C-5945CEDF0695}" srcOrd="0" destOrd="0" presId="urn:microsoft.com/office/officeart/2005/8/layout/hierarchy2"/>
-    <dgm:cxn modelId="{A587323E-FBE6-426F-8637-91A927CE26F2}" type="presOf" srcId="{276A363E-C704-4D52-9F85-35548A6AA593}" destId="{AA82381F-3358-4A1A-9B68-C283C04A3CEB}" srcOrd="0" destOrd="0" presId="urn:microsoft.com/office/officeart/2005/8/layout/hierarchy2"/>
-    <dgm:cxn modelId="{27AF9362-E21F-451C-A964-D53F36723BDA}" srcId="{276A363E-C704-4D52-9F85-35548A6AA593}" destId="{D6591959-5F0F-489A-8468-D242C17A36C8}" srcOrd="0" destOrd="0" parTransId="{779B853E-8E32-480B-8726-6D7F90F79F45}" sibTransId="{11B1830F-1949-43B7-A28A-33CB04060664}"/>
-    <dgm:cxn modelId="{EE2626C9-1E79-40BD-943C-4ADAE9826321}" type="presOf" srcId="{D6591959-5F0F-489A-8468-D242C17A36C8}" destId="{C79BEA28-5F21-4532-9188-1C7ABAA70D8F}" srcOrd="0" destOrd="0" presId="urn:microsoft.com/office/officeart/2005/8/layout/hierarchy2"/>
-    <dgm:cxn modelId="{EBDF1461-CA97-4833-A590-8DD626B23D7E}" type="presOf" srcId="{779B853E-8E32-480B-8726-6D7F90F79F45}" destId="{26C445C5-4FF3-4917-9A53-77D0B357F9B8}" srcOrd="1" destOrd="0" presId="urn:microsoft.com/office/officeart/2005/8/layout/hierarchy2"/>
-    <dgm:cxn modelId="{E294910F-1EC7-43F8-972B-8CC0404A3C30}" type="presOf" srcId="{1C0E55F7-5FB2-4E48-8149-913E77520486}" destId="{D50786B4-76D4-4E84-96A2-43CA01A74DF8}" srcOrd="0" destOrd="0" presId="urn:microsoft.com/office/officeart/2005/8/layout/hierarchy2"/>
-    <dgm:cxn modelId="{40D62DF1-BF91-4B62-9E0E-3628428104F0}" srcId="{1C0E55F7-5FB2-4E48-8149-913E77520486}" destId="{8532AD7D-7EE2-4007-A3F5-FD348991FF6F}" srcOrd="1" destOrd="0" parTransId="{DD4D1D16-CBD2-43EE-A7C9-814070E34D3A}" sibTransId="{C4059019-8137-4DB8-AF28-E6FFB55C576F}"/>
-    <dgm:cxn modelId="{41511535-6B13-46C2-A701-A47E7FA6CA61}" type="presOf" srcId="{8532AD7D-7EE2-4007-A3F5-FD348991FF6F}" destId="{6ADDB12E-F225-4DAA-8EEF-D28B268A5EC0}" srcOrd="0" destOrd="0" presId="urn:microsoft.com/office/officeart/2005/8/layout/hierarchy2"/>
     <dgm:cxn modelId="{3042C3FA-3646-497C-9376-7B65F4B1358F}" type="presParOf" srcId="{6F16B71C-2660-4279-AAE8-8E2A2C798710}" destId="{D55107E7-7B18-47C9-BBE5-4FFDE439A139}" srcOrd="0" destOrd="0" presId="urn:microsoft.com/office/officeart/2005/8/layout/hierarchy2"/>
     <dgm:cxn modelId="{7298C79F-0696-4CE0-A41A-EE8BFBC57104}" type="presParOf" srcId="{D55107E7-7B18-47C9-BBE5-4FFDE439A139}" destId="{D50786B4-76D4-4E84-96A2-43CA01A74DF8}" srcOrd="0" destOrd="0" presId="urn:microsoft.com/office/officeart/2005/8/layout/hierarchy2"/>
     <dgm:cxn modelId="{0043B9F3-1E8A-47C0-B041-D9E830E3EB68}" type="presParOf" srcId="{D55107E7-7B18-47C9-BBE5-4FFDE439A139}" destId="{19399A10-7F5B-467B-82D0-2BB2693584D2}" srcOrd="1" destOrd="0" presId="urn:microsoft.com/office/officeart/2005/8/layout/hierarchy2"/>
@@ -7783,14 +7783,12 @@
               <a:rPr lang="nl-BE" dirty="0" smtClean="0"/>
               <a:t>Temperature </a:t>
             </a:r>
-            <a:endParaRPr lang="nl-BE" dirty="0" smtClean="0"/>
           </a:p>
           <a:p>
             <a:r>
               <a:rPr lang="nl-BE" dirty="0" smtClean="0"/>
               <a:t>Humidity </a:t>
             </a:r>
-            <a:endParaRPr lang="nl-BE" dirty="0" smtClean="0"/>
           </a:p>
           <a:p>
             <a:r>
@@ -7874,7 +7872,6 @@
               <a:rPr lang="nl-NL" sz="2000" dirty="0"/>
               <a:t>Environment </a:t>
             </a:r>
-            <a:endParaRPr lang="nl-NL" sz="2000" dirty="0"/>
           </a:p>
         </p:txBody>
       </p:sp>
@@ -8084,33 +8081,21 @@
             <a:pPr lvl="1"/>
             <a:r>
               <a:rPr lang="nl-BE" dirty="0" smtClean="0"/>
-              <a:t>Harder </a:t>
-            </a:r>
+              <a:t>Harder to test without perfect data</a:t>
+            </a:r>
+          </a:p>
+          <a:p>
+            <a:pPr lvl="1"/>
             <a:r>
               <a:rPr lang="nl-BE" dirty="0" smtClean="0"/>
-              <a:t>to test without perfect data</a:t>
+              <a:t>Website slow, froze a couple of times</a:t>
             </a:r>
           </a:p>
           <a:p>
             <a:pPr lvl="1"/>
             <a:r>
               <a:rPr lang="nl-BE" dirty="0" smtClean="0"/>
-              <a:t>Website </a:t>
-            </a:r>
-            <a:r>
-              <a:rPr lang="nl-BE" dirty="0" smtClean="0"/>
-              <a:t>slow, froze a couple of times</a:t>
-            </a:r>
-          </a:p>
-          <a:p>
-            <a:pPr lvl="1"/>
-            <a:r>
-              <a:rPr lang="nl-BE" dirty="0" smtClean="0"/>
-              <a:t>Speed plot not accurate at </a:t>
-            </a:r>
-            <a:r>
-              <a:rPr lang="nl-BE" dirty="0" smtClean="0"/>
-              <a:t>first</a:t>
+              <a:t>Speed plot not accurate at first</a:t>
             </a:r>
             <a:endParaRPr lang="nl-BE" dirty="0"/>
           </a:p>
@@ -8201,11 +8186,7 @@
           <a:p>
             <a:r>
               <a:rPr lang="nl-BE" dirty="0" smtClean="0"/>
-              <a:t>Expected and current </a:t>
-            </a:r>
-            <a:r>
-              <a:rPr lang="nl-BE" dirty="0" smtClean="0"/>
-              <a:t>problems</a:t>
+              <a:t>Expected and current problems</a:t>
             </a:r>
             <a:endParaRPr lang="nl-BE" dirty="0"/>
           </a:p>
